--- a/spring11/slides11/slides6m.pptx
+++ b/spring11/slides11/slides6m.pptx
@@ -5,10 +5,10 @@
     <p:sldMasterId id="2147483678" r:id="rId1"/>
   </p:sldMasterIdLst>
   <p:notesMasterIdLst>
-    <p:notesMasterId r:id="rId23"/>
+    <p:notesMasterId r:id="rId26"/>
   </p:notesMasterIdLst>
   <p:handoutMasterIdLst>
-    <p:handoutMasterId r:id="rId24"/>
+    <p:handoutMasterId r:id="rId27"/>
   </p:handoutMasterIdLst>
   <p:sldIdLst>
     <p:sldId id="388" r:id="rId2"/>
@@ -16,49 +16,52 @@
     <p:sldId id="377" r:id="rId4"/>
     <p:sldId id="379" r:id="rId5"/>
     <p:sldId id="378" r:id="rId6"/>
-    <p:sldId id="380" r:id="rId7"/>
-    <p:sldId id="393" r:id="rId8"/>
-    <p:sldId id="381" r:id="rId9"/>
-    <p:sldId id="426" r:id="rId10"/>
-    <p:sldId id="427" r:id="rId11"/>
-    <p:sldId id="431" r:id="rId12"/>
-    <p:sldId id="432" r:id="rId13"/>
-    <p:sldId id="433" r:id="rId14"/>
-    <p:sldId id="434" r:id="rId15"/>
-    <p:sldId id="435" r:id="rId16"/>
-    <p:sldId id="436" r:id="rId17"/>
-    <p:sldId id="437" r:id="rId18"/>
-    <p:sldId id="438" r:id="rId19"/>
-    <p:sldId id="402" r:id="rId20"/>
-    <p:sldId id="439" r:id="rId21"/>
-    <p:sldId id="424" r:id="rId22"/>
+    <p:sldId id="440" r:id="rId7"/>
+    <p:sldId id="441" r:id="rId8"/>
+    <p:sldId id="442" r:id="rId9"/>
+    <p:sldId id="380" r:id="rId10"/>
+    <p:sldId id="393" r:id="rId11"/>
+    <p:sldId id="381" r:id="rId12"/>
+    <p:sldId id="426" r:id="rId13"/>
+    <p:sldId id="427" r:id="rId14"/>
+    <p:sldId id="431" r:id="rId15"/>
+    <p:sldId id="432" r:id="rId16"/>
+    <p:sldId id="433" r:id="rId17"/>
+    <p:sldId id="434" r:id="rId18"/>
+    <p:sldId id="435" r:id="rId19"/>
+    <p:sldId id="436" r:id="rId20"/>
+    <p:sldId id="437" r:id="rId21"/>
+    <p:sldId id="438" r:id="rId22"/>
+    <p:sldId id="402" r:id="rId23"/>
+    <p:sldId id="439" r:id="rId24"/>
+    <p:sldId id="424" r:id="rId25"/>
   </p:sldIdLst>
   <p:sldSz cx="9144000" cy="6858000" type="screen4x3"/>
   <p:notesSz cx="7315200" cy="9601200"/>
   <p:embeddedFontLst>
     <p:embeddedFont>
       <p:font typeface="Comic Sans MS"/>
-      <p:regular r:id="rId25"/>
-      <p:bold r:id="rId26"/>
+      <p:regular r:id="rId28"/>
+      <p:bold r:id="rId29"/>
     </p:embeddedFont>
     <p:embeddedFont>
       <p:font typeface="EURM10"/>
-      <p:regular r:id="rId27"/>
+      <p:regular r:id="rId30"/>
     </p:embeddedFont>
     <p:embeddedFont>
       <p:font typeface="cmsy10"/>
-      <p:regular r:id="rId28"/>
+      <p:regular r:id="rId31"/>
     </p:embeddedFont>
     <p:embeddedFont>
       <p:font typeface="Euclid Symbol" charset="2"/>
-      <p:regular r:id="rId29"/>
-      <p:bold r:id="rId30"/>
-      <p:italic r:id="rId31"/>
-      <p:boldItalic r:id="rId32"/>
+      <p:regular r:id="rId32"/>
+      <p:bold r:id="rId33"/>
+      <p:italic r:id="rId34"/>
+      <p:boldItalic r:id="rId35"/>
     </p:embeddedFont>
   </p:embeddedFontLst>
   <p:custDataLst>
-    <p:tags r:id="rId34"/>
+    <p:tags r:id="rId37"/>
   </p:custDataLst>
   <p:defaultTextStyle>
     <a:defPPr>
@@ -961,6 +964,315 @@
       </p:grpSpPr>
       <p:sp>
         <p:nvSpPr>
+          <p:cNvPr id="35842" name="Rectangle 7"/>
+          <p:cNvSpPr>
+            <a:spLocks noGrp="1" noChangeArrowheads="1"/>
+          </p:cNvSpPr>
+          <p:nvPr>
+            <p:ph type="sldNum" sz="quarter" idx="5"/>
+          </p:nvPr>
+        </p:nvSpPr>
+        <p:spPr>
+          <a:noFill/>
+        </p:spPr>
+        <p:txBody>
+          <a:bodyPr/>
+          <a:lstStyle/>
+          <a:p>
+            <a:fld id="{D4DF00B4-AD9D-4EB3-826B-6566E9CCED3E}" type="slidenum">
+              <a:rPr lang="en-US" smtClean="0"/>
+              <a:pPr/>
+              <a:t>10</a:t>
+            </a:fld>
+            <a:endParaRPr lang="en-US" smtClean="0"/>
+          </a:p>
+        </p:txBody>
+      </p:sp>
+      <p:sp>
+        <p:nvSpPr>
+          <p:cNvPr id="35843" name="Rectangle 2"/>
+          <p:cNvSpPr>
+            <a:spLocks noGrp="1" noRot="1" noChangeAspect="1" noChangeArrowheads="1" noTextEdit="1"/>
+          </p:cNvSpPr>
+          <p:nvPr>
+            <p:ph type="sldImg"/>
+          </p:nvPr>
+        </p:nvSpPr>
+        <p:spPr>
+          <a:ln/>
+        </p:spPr>
+      </p:sp>
+      <p:sp>
+        <p:nvSpPr>
+          <p:cNvPr id="35844" name="Rectangle 3"/>
+          <p:cNvSpPr>
+            <a:spLocks noGrp="1" noChangeArrowheads="1"/>
+          </p:cNvSpPr>
+          <p:nvPr>
+            <p:ph type="body" idx="1"/>
+          </p:nvPr>
+        </p:nvSpPr>
+        <p:spPr>
+          <a:noFill/>
+          <a:ln/>
+        </p:spPr>
+        <p:txBody>
+          <a:bodyPr/>
+          <a:lstStyle/>
+          <a:p>
+            <a:pPr eaLnBrk="1" hangingPunct="1"/>
+            <a:endParaRPr lang="en-US" smtClean="0"/>
+          </a:p>
+        </p:txBody>
+      </p:sp>
+    </p:spTree>
+  </p:cSld>
+  <p:clrMapOvr>
+    <a:masterClrMapping/>
+  </p:clrMapOvr>
+</p:notes>
+</file>
+
+<file path=ppt/notesSlides/notesSlide11.xml><?xml version="1.0" encoding="utf-8"?>
+<p:notes xmlns:a="http://schemas.openxmlformats.org/drawingml/2006/main" xmlns:r="http://schemas.openxmlformats.org/officeDocument/2006/relationships" xmlns:mc="http://schemas.openxmlformats.org/markup-compatibility/2006" xmlns:mv="urn:schemas-microsoft-com:mac:vml" xmlns:p="http://schemas.openxmlformats.org/presentationml/2006/main" mc:Ignorable="mv" mc:PreserveAttributes="mv:*">
+  <p:cSld>
+    <p:spTree>
+      <p:nvGrpSpPr>
+        <p:cNvPr id="1" name=""/>
+        <p:cNvGrpSpPr/>
+        <p:nvPr/>
+      </p:nvGrpSpPr>
+      <p:grpSpPr>
+        <a:xfrm>
+          <a:off x="0" y="0"/>
+          <a:ext cx="0" cy="0"/>
+          <a:chOff x="0" y="0"/>
+          <a:chExt cx="0" cy="0"/>
+        </a:xfrm>
+      </p:grpSpPr>
+      <p:sp>
+        <p:nvSpPr>
+          <p:cNvPr id="36866" name="Rectangle 7"/>
+          <p:cNvSpPr>
+            <a:spLocks noGrp="1" noChangeArrowheads="1"/>
+          </p:cNvSpPr>
+          <p:nvPr>
+            <p:ph type="sldNum" sz="quarter" idx="5"/>
+          </p:nvPr>
+        </p:nvSpPr>
+        <p:spPr>
+          <a:noFill/>
+        </p:spPr>
+        <p:txBody>
+          <a:bodyPr/>
+          <a:lstStyle/>
+          <a:p>
+            <a:fld id="{F4553F37-EB1E-4C01-BA0C-1C0E4E54BB56}" type="slidenum">
+              <a:rPr lang="en-US" smtClean="0"/>
+              <a:pPr/>
+              <a:t>11</a:t>
+            </a:fld>
+            <a:endParaRPr lang="en-US" smtClean="0"/>
+          </a:p>
+        </p:txBody>
+      </p:sp>
+      <p:sp>
+        <p:nvSpPr>
+          <p:cNvPr id="36867" name="Rectangle 2"/>
+          <p:cNvSpPr>
+            <a:spLocks noGrp="1" noRot="1" noChangeAspect="1" noChangeArrowheads="1" noTextEdit="1"/>
+          </p:cNvSpPr>
+          <p:nvPr>
+            <p:ph type="sldImg"/>
+          </p:nvPr>
+        </p:nvSpPr>
+        <p:spPr>
+          <a:ln/>
+        </p:spPr>
+      </p:sp>
+      <p:sp>
+        <p:nvSpPr>
+          <p:cNvPr id="36868" name="Rectangle 3"/>
+          <p:cNvSpPr>
+            <a:spLocks noGrp="1" noChangeArrowheads="1"/>
+          </p:cNvSpPr>
+          <p:nvPr>
+            <p:ph type="body" idx="1"/>
+          </p:nvPr>
+        </p:nvSpPr>
+        <p:spPr>
+          <a:noFill/>
+          <a:ln/>
+        </p:spPr>
+        <p:txBody>
+          <a:bodyPr/>
+          <a:lstStyle/>
+          <a:p>
+            <a:pPr eaLnBrk="1" hangingPunct="1"/>
+            <a:endParaRPr lang="en-US" smtClean="0"/>
+          </a:p>
+        </p:txBody>
+      </p:sp>
+    </p:spTree>
+  </p:cSld>
+  <p:clrMapOvr>
+    <a:masterClrMapping/>
+  </p:clrMapOvr>
+</p:notes>
+</file>
+
+<file path=ppt/notesSlides/notesSlide12.xml><?xml version="1.0" encoding="utf-8"?>
+<p:notes xmlns:a="http://schemas.openxmlformats.org/drawingml/2006/main" xmlns:r="http://schemas.openxmlformats.org/officeDocument/2006/relationships" xmlns:mc="http://schemas.openxmlformats.org/markup-compatibility/2006" xmlns:mv="urn:schemas-microsoft-com:mac:vml" xmlns:p="http://schemas.openxmlformats.org/presentationml/2006/main" mc:Ignorable="mv" mc:PreserveAttributes="mv:*">
+  <p:cSld>
+    <p:spTree>
+      <p:nvGrpSpPr>
+        <p:cNvPr id="1" name=""/>
+        <p:cNvGrpSpPr/>
+        <p:nvPr/>
+      </p:nvGrpSpPr>
+      <p:grpSpPr>
+        <a:xfrm>
+          <a:off x="0" y="0"/>
+          <a:ext cx="0" cy="0"/>
+          <a:chOff x="0" y="0"/>
+          <a:chExt cx="0" cy="0"/>
+        </a:xfrm>
+      </p:grpSpPr>
+      <p:sp>
+        <p:nvSpPr>
+          <p:cNvPr id="95234" name="Text Box 2"/>
+          <p:cNvSpPr txBox="1">
+            <a:spLocks noGrp="1" noChangeArrowheads="1"/>
+          </p:cNvSpPr>
+          <p:nvPr/>
+        </p:nvSpPr>
+        <p:spPr bwMode="auto">
+          <a:xfrm>
+            <a:off x="4146550" y="9121775"/>
+            <a:ext cx="3168650" cy="479425"/>
+          </a:xfrm>
+          <a:prstGeom prst="rect">
+            <a:avLst/>
+          </a:prstGeom>
+          <a:noFill/>
+          <a:ln w="9525">
+            <a:noFill/>
+            <a:miter lim="800000"/>
+            <a:headEnd/>
+            <a:tailEnd/>
+          </a:ln>
+        </p:spPr>
+        <p:txBody>
+          <a:bodyPr lIns="96653" tIns="48326" rIns="96653" bIns="48326" anchor="b"/>
+          <a:lstStyle/>
+          <a:p>
+            <a:pPr algn="r" defTabSz="966788" fontAlgn="base">
+              <a:spcBef>
+                <a:spcPct val="0"/>
+              </a:spcBef>
+              <a:spcAft>
+                <a:spcPct val="0"/>
+              </a:spcAft>
+            </a:pPr>
+            <a:r>
+              <a:rPr lang="en-US" sz="1300">
+                <a:latin typeface="Times New Roman" pitchFamily="18" charset="0"/>
+              </a:rPr>
+              <a:t>36</a:t>
+            </a:r>
+          </a:p>
+        </p:txBody>
+      </p:sp>
+      <p:sp>
+        <p:nvSpPr>
+          <p:cNvPr id="95235" name="Rectangle 3"/>
+          <p:cNvSpPr>
+            <a:spLocks noGrp="1" noRot="1" noChangeAspect="1" noChangeArrowheads="1" noTextEdit="1"/>
+          </p:cNvSpPr>
+          <p:nvPr>
+            <p:ph type="sldImg"/>
+          </p:nvPr>
+        </p:nvSpPr>
+        <p:spPr>
+          <a:ln/>
+        </p:spPr>
+      </p:sp>
+      <p:sp>
+        <p:nvSpPr>
+          <p:cNvPr id="7173" name="Rectangle 4"/>
+          <p:cNvSpPr>
+            <a:spLocks noGrp="1" noChangeArrowheads="1"/>
+          </p:cNvSpPr>
+          <p:nvPr>
+            <p:ph type="body" idx="1"/>
+          </p:nvPr>
+        </p:nvSpPr>
+        <p:spPr>
+          <a:noFill/>
+          <a:ln/>
+        </p:spPr>
+        <p:txBody>
+          <a:bodyPr/>
+          <a:lstStyle/>
+          <a:p>
+            <a:pPr eaLnBrk="1" hangingPunct="1"/>
+            <a:endParaRPr lang="en-US"/>
+          </a:p>
+        </p:txBody>
+      </p:sp>
+      <p:sp>
+        <p:nvSpPr>
+          <p:cNvPr id="11" name="Footer Placeholder 10"/>
+          <p:cNvSpPr>
+            <a:spLocks noGrp="1"/>
+          </p:cNvSpPr>
+          <p:nvPr>
+            <p:ph type="ftr" sz="quarter" idx="11"/>
+          </p:nvPr>
+        </p:nvSpPr>
+        <p:spPr/>
+        <p:txBody>
+          <a:bodyPr/>
+          <a:lstStyle/>
+          <a:p>
+            <a:pPr>
+              <a:defRPr/>
+            </a:pPr>
+            <a:r>
+              <a:rPr lang="en-US" smtClean="0"/>
+              <a:t>4/2/08 2:20PM</a:t>
+            </a:r>
+            <a:endParaRPr lang="en-US"/>
+          </a:p>
+        </p:txBody>
+      </p:sp>
+    </p:spTree>
+  </p:cSld>
+  <p:clrMapOvr>
+    <a:masterClrMapping/>
+  </p:clrMapOvr>
+</p:notes>
+</file>
+
+<file path=ppt/notesSlides/notesSlide13.xml><?xml version="1.0" encoding="utf-8"?>
+<p:notes xmlns:a="http://schemas.openxmlformats.org/drawingml/2006/main" xmlns:r="http://schemas.openxmlformats.org/officeDocument/2006/relationships" xmlns:mc="http://schemas.openxmlformats.org/markup-compatibility/2006" xmlns:mv="urn:schemas-microsoft-com:mac:vml" xmlns:p="http://schemas.openxmlformats.org/presentationml/2006/main" mc:Ignorable="mv" mc:PreserveAttributes="mv:*">
+  <p:cSld>
+    <p:spTree>
+      <p:nvGrpSpPr>
+        <p:cNvPr id="1" name=""/>
+        <p:cNvGrpSpPr/>
+        <p:nvPr/>
+      </p:nvGrpSpPr>
+      <p:grpSpPr>
+        <a:xfrm>
+          <a:off x="0" y="0"/>
+          <a:ext cx="0" cy="0"/>
+          <a:chOff x="0" y="0"/>
+          <a:chExt cx="0" cy="0"/>
+        </a:xfrm>
+      </p:grpSpPr>
+      <p:sp>
+        <p:nvSpPr>
           <p:cNvPr id="95234" name="Text Box 2"/>
           <p:cNvSpPr txBox="1">
             <a:spLocks noGrp="1" noChangeArrowheads="1"/>
@@ -1446,7 +1758,7 @@
       </p:grpSpPr>
       <p:sp>
         <p:nvSpPr>
-          <p:cNvPr id="34818" name="Rectangle 7"/>
+          <p:cNvPr id="32770" name="Rectangle 7"/>
           <p:cNvSpPr>
             <a:spLocks noGrp="1" noChangeArrowheads="1"/>
           </p:cNvSpPr>
@@ -1461,7 +1773,7 @@
           <a:bodyPr/>
           <a:lstStyle/>
           <a:p>
-            <a:fld id="{BFB939FD-17CE-4D53-8988-6B327FFA0115}" type="slidenum">
+            <a:fld id="{402FAC0C-B957-4153-8797-F85E34E6598D}" type="slidenum">
               <a:rPr lang="en-US" smtClean="0"/>
               <a:pPr/>
               <a:t>6</a:t>
@@ -1472,7 +1784,7 @@
       </p:sp>
       <p:sp>
         <p:nvSpPr>
-          <p:cNvPr id="34819" name="Rectangle 2"/>
+          <p:cNvPr id="32771" name="Rectangle 2"/>
           <p:cNvSpPr>
             <a:spLocks noGrp="1" noRot="1" noChangeAspect="1" noChangeArrowheads="1" noTextEdit="1"/>
           </p:cNvSpPr>
@@ -1486,7 +1798,7 @@
       </p:sp>
       <p:sp>
         <p:nvSpPr>
-          <p:cNvPr id="34820" name="Rectangle 3"/>
+          <p:cNvPr id="32772" name="Rectangle 3"/>
           <p:cNvSpPr>
             <a:spLocks noGrp="1" noChangeArrowheads="1"/>
           </p:cNvSpPr>
@@ -1534,7 +1846,7 @@
       </p:grpSpPr>
       <p:sp>
         <p:nvSpPr>
-          <p:cNvPr id="35842" name="Rectangle 7"/>
+          <p:cNvPr id="32770" name="Rectangle 7"/>
           <p:cNvSpPr>
             <a:spLocks noGrp="1" noChangeArrowheads="1"/>
           </p:cNvSpPr>
@@ -1549,7 +1861,7 @@
           <a:bodyPr/>
           <a:lstStyle/>
           <a:p>
-            <a:fld id="{D4DF00B4-AD9D-4EB3-826B-6566E9CCED3E}" type="slidenum">
+            <a:fld id="{402FAC0C-B957-4153-8797-F85E34E6598D}" type="slidenum">
               <a:rPr lang="en-US" smtClean="0"/>
               <a:pPr/>
               <a:t>7</a:t>
@@ -1560,7 +1872,7 @@
       </p:sp>
       <p:sp>
         <p:nvSpPr>
-          <p:cNvPr id="35843" name="Rectangle 2"/>
+          <p:cNvPr id="32771" name="Rectangle 2"/>
           <p:cNvSpPr>
             <a:spLocks noGrp="1" noRot="1" noChangeAspect="1" noChangeArrowheads="1" noTextEdit="1"/>
           </p:cNvSpPr>
@@ -1574,7 +1886,7 @@
       </p:sp>
       <p:sp>
         <p:nvSpPr>
-          <p:cNvPr id="35844" name="Rectangle 3"/>
+          <p:cNvPr id="32772" name="Rectangle 3"/>
           <p:cNvSpPr>
             <a:spLocks noGrp="1" noChangeArrowheads="1"/>
           </p:cNvSpPr>
@@ -1622,7 +1934,7 @@
       </p:grpSpPr>
       <p:sp>
         <p:nvSpPr>
-          <p:cNvPr id="36866" name="Rectangle 7"/>
+          <p:cNvPr id="32770" name="Rectangle 7"/>
           <p:cNvSpPr>
             <a:spLocks noGrp="1" noChangeArrowheads="1"/>
           </p:cNvSpPr>
@@ -1637,7 +1949,7 @@
           <a:bodyPr/>
           <a:lstStyle/>
           <a:p>
-            <a:fld id="{F4553F37-EB1E-4C01-BA0C-1C0E4E54BB56}" type="slidenum">
+            <a:fld id="{402FAC0C-B957-4153-8797-F85E34E6598D}" type="slidenum">
               <a:rPr lang="en-US" smtClean="0"/>
               <a:pPr/>
               <a:t>8</a:t>
@@ -1648,7 +1960,7 @@
       </p:sp>
       <p:sp>
         <p:nvSpPr>
-          <p:cNvPr id="36867" name="Rectangle 2"/>
+          <p:cNvPr id="32771" name="Rectangle 2"/>
           <p:cNvSpPr>
             <a:spLocks noGrp="1" noRot="1" noChangeAspect="1" noChangeArrowheads="1" noTextEdit="1"/>
           </p:cNvSpPr>
@@ -1662,7 +1974,7 @@
       </p:sp>
       <p:sp>
         <p:nvSpPr>
-          <p:cNvPr id="36868" name="Rectangle 3"/>
+          <p:cNvPr id="32772" name="Rectangle 3"/>
           <p:cNvSpPr>
             <a:spLocks noGrp="1" noChangeArrowheads="1"/>
           </p:cNvSpPr>
@@ -1710,52 +2022,33 @@
       </p:grpSpPr>
       <p:sp>
         <p:nvSpPr>
-          <p:cNvPr id="95234" name="Text Box 2"/>
-          <p:cNvSpPr txBox="1">
+          <p:cNvPr id="34818" name="Rectangle 7"/>
+          <p:cNvSpPr>
             <a:spLocks noGrp="1" noChangeArrowheads="1"/>
           </p:cNvSpPr>
-          <p:nvPr/>
+          <p:nvPr>
+            <p:ph type="sldNum" sz="quarter" idx="5"/>
+          </p:nvPr>
         </p:nvSpPr>
-        <p:spPr bwMode="auto">
-          <a:xfrm>
-            <a:off x="4146550" y="9121775"/>
-            <a:ext cx="3168650" cy="479425"/>
-          </a:xfrm>
-          <a:prstGeom prst="rect">
-            <a:avLst/>
-          </a:prstGeom>
+        <p:spPr>
           <a:noFill/>
-          <a:ln w="9525">
-            <a:noFill/>
-            <a:miter lim="800000"/>
-            <a:headEnd/>
-            <a:tailEnd/>
-          </a:ln>
         </p:spPr>
         <p:txBody>
-          <a:bodyPr lIns="96653" tIns="48326" rIns="96653" bIns="48326" anchor="b"/>
+          <a:bodyPr/>
           <a:lstStyle/>
           <a:p>
-            <a:pPr algn="r" defTabSz="966788" fontAlgn="base">
-              <a:spcBef>
-                <a:spcPct val="0"/>
-              </a:spcBef>
-              <a:spcAft>
-                <a:spcPct val="0"/>
-              </a:spcAft>
-            </a:pPr>
-            <a:r>
-              <a:rPr lang="en-US" sz="1300">
-                <a:latin typeface="Times New Roman" pitchFamily="18" charset="0"/>
-              </a:rPr>
-              <a:t>36</a:t>
-            </a:r>
+            <a:fld id="{BFB939FD-17CE-4D53-8988-6B327FFA0115}" type="slidenum">
+              <a:rPr lang="en-US" smtClean="0"/>
+              <a:pPr/>
+              <a:t>9</a:t>
+            </a:fld>
+            <a:endParaRPr lang="en-US" smtClean="0"/>
           </a:p>
         </p:txBody>
       </p:sp>
       <p:sp>
         <p:nvSpPr>
-          <p:cNvPr id="95235" name="Rectangle 3"/>
+          <p:cNvPr id="34819" name="Rectangle 2"/>
           <p:cNvSpPr>
             <a:spLocks noGrp="1" noRot="1" noChangeAspect="1" noChangeArrowheads="1" noTextEdit="1"/>
           </p:cNvSpPr>
@@ -1769,7 +2062,7 @@
       </p:sp>
       <p:sp>
         <p:nvSpPr>
-          <p:cNvPr id="7173" name="Rectangle 4"/>
+          <p:cNvPr id="34820" name="Rectangle 3"/>
           <p:cNvSpPr>
             <a:spLocks noGrp="1" noChangeArrowheads="1"/>
           </p:cNvSpPr>
@@ -1786,33 +2079,7 @@
           <a:lstStyle/>
           <a:p>
             <a:pPr eaLnBrk="1" hangingPunct="1"/>
-            <a:endParaRPr lang="en-US"/>
-          </a:p>
-        </p:txBody>
-      </p:sp>
-      <p:sp>
-        <p:nvSpPr>
-          <p:cNvPr id="11" name="Footer Placeholder 10"/>
-          <p:cNvSpPr>
-            <a:spLocks noGrp="1"/>
-          </p:cNvSpPr>
-          <p:nvPr>
-            <p:ph type="ftr" sz="quarter" idx="11"/>
-          </p:nvPr>
-        </p:nvSpPr>
-        <p:spPr/>
-        <p:txBody>
-          <a:bodyPr/>
-          <a:lstStyle/>
-          <a:p>
-            <a:pPr>
-              <a:defRPr/>
-            </a:pPr>
-            <a:r>
-              <a:rPr lang="en-US" smtClean="0"/>
-              <a:t>4/2/08 2:20PM</a:t>
-            </a:r>
-            <a:endParaRPr lang="en-US"/>
+            <a:endParaRPr lang="en-US" smtClean="0"/>
           </a:p>
         </p:txBody>
       </p:sp>
@@ -3683,6 +3950,923 @@
       </p:grpSpPr>
       <p:sp>
         <p:nvSpPr>
+          <p:cNvPr id="4" name="Slide Number Placeholder 3"/>
+          <p:cNvSpPr>
+            <a:spLocks noGrp="1"/>
+          </p:cNvSpPr>
+          <p:nvPr>
+            <p:ph type="sldNum" sz="quarter" idx="4"/>
+          </p:nvPr>
+        </p:nvSpPr>
+        <p:spPr>
+          <a:xfrm>
+            <a:off x="6477000" y="6553200"/>
+            <a:ext cx="2667000" cy="307777"/>
+          </a:xfrm>
+        </p:spPr>
+        <p:txBody>
+          <a:bodyPr/>
+          <a:lstStyle/>
+          <a:p>
+            <a:pPr>
+              <a:defRPr/>
+            </a:pPr>
+            <a:r>
+              <a:rPr lang="en-US" dirty="0" err="1" smtClean="0"/>
+              <a:t>lec</a:t>
+            </a:r>
+            <a:r>
+              <a:rPr lang="en-US" dirty="0" smtClean="0"/>
+              <a:t> 6M.</a:t>
+            </a:r>
+            <a:fld id="{39475D55-F769-4D1E-BA0D-F03B0BEACB86}" type="slidenum">
+              <a:rPr lang="en-US" smtClean="0"/>
+              <a:pPr>
+                <a:defRPr/>
+              </a:pPr>
+              <a:t>10</a:t>
+            </a:fld>
+            <a:endParaRPr lang="en-US" dirty="0"/>
+          </a:p>
+        </p:txBody>
+      </p:sp>
+      <p:sp>
+        <p:nvSpPr>
+          <p:cNvPr id="19459" name="Rectangle 2"/>
+          <p:cNvSpPr>
+            <a:spLocks noGrp="1" noChangeArrowheads="1"/>
+          </p:cNvSpPr>
+          <p:nvPr>
+            <p:ph type="title"/>
+          </p:nvPr>
+        </p:nvSpPr>
+        <p:spPr/>
+        <p:txBody>
+          <a:bodyPr/>
+          <a:lstStyle/>
+          <a:p>
+            <a:pPr eaLnBrk="1" hangingPunct="1"/>
+            <a:r>
+              <a:rPr lang="en-US" sz="4800" smtClean="0"/>
+              <a:t>Why does this work?</a:t>
+            </a:r>
+          </a:p>
+        </p:txBody>
+      </p:sp>
+      <p:sp>
+        <p:nvSpPr>
+          <p:cNvPr id="35844" name="Rectangle 4"/>
+          <p:cNvSpPr>
+            <a:spLocks noGrp="1" noChangeArrowheads="1"/>
+          </p:cNvSpPr>
+          <p:nvPr>
+            <p:ph type="body" idx="1"/>
+          </p:nvPr>
+        </p:nvSpPr>
+        <p:spPr>
+          <a:xfrm>
+            <a:off x="787400" y="1308100"/>
+            <a:ext cx="7594600" cy="2514600"/>
+          </a:xfrm>
+        </p:spPr>
+        <p:txBody>
+          <a:bodyPr/>
+          <a:lstStyle/>
+          <a:p>
+            <a:pPr eaLnBrk="1" hangingPunct="1">
+              <a:buFontTx/>
+              <a:buNone/>
+              <a:defRPr/>
+            </a:pPr>
+            <a:r>
+              <a:rPr lang="en-US" sz="6600" dirty="0" smtClean="0"/>
+              <a:t>actually works for </a:t>
+            </a:r>
+          </a:p>
+          <a:p>
+            <a:pPr eaLnBrk="1" hangingPunct="1">
+              <a:buFontTx/>
+              <a:buNone/>
+              <a:defRPr/>
+            </a:pPr>
+            <a:r>
+              <a:rPr lang="en-US" sz="6600" dirty="0" smtClean="0"/>
+              <a:t>all </a:t>
+            </a:r>
+            <a:r>
+              <a:rPr lang="en-US" sz="6600" dirty="0" smtClean="0">
+                <a:solidFill>
+                  <a:schemeClr val="accent1">
+                    <a:lumMod val="50000"/>
+                  </a:schemeClr>
+                </a:solidFill>
+              </a:rPr>
+              <a:t>m</a:t>
+            </a:r>
+          </a:p>
+        </p:txBody>
+      </p:sp>
+      <p:sp>
+        <p:nvSpPr>
+          <p:cNvPr id="5" name="TextBox 4"/>
+          <p:cNvSpPr txBox="1"/>
+          <p:nvPr/>
+        </p:nvSpPr>
+        <p:spPr>
+          <a:xfrm>
+            <a:off x="304800" y="2514600"/>
+            <a:ext cx="8496300" cy="2326791"/>
+          </a:xfrm>
+          <a:prstGeom prst="rect">
+            <a:avLst/>
+          </a:prstGeom>
+          <a:noFill/>
+        </p:spPr>
+        <p:txBody>
+          <a:bodyPr wrap="square">
+            <a:spAutoFit/>
+          </a:bodyPr>
+          <a:lstStyle/>
+          <a:p>
+            <a:pPr marL="342900" indent="-342900" eaLnBrk="1" hangingPunct="1">
+              <a:spcBef>
+                <a:spcPct val="20000"/>
+              </a:spcBef>
+              <a:defRPr/>
+            </a:pPr>
+            <a:r>
+              <a:rPr lang="en-US" sz="6600" kern="0" dirty="0" smtClean="0">
+                <a:solidFill>
+                  <a:srgbClr val="000000"/>
+                </a:solidFill>
+                <a:latin typeface="Comic Sans MS"/>
+              </a:rPr>
+              <a:t>      </a:t>
+            </a:r>
+            <a:r>
+              <a:rPr lang="en-US" sz="6600" kern="0" dirty="0" smtClean="0">
+                <a:solidFill>
+                  <a:schemeClr val="accent5">
+                    <a:lumMod val="50000"/>
+                  </a:schemeClr>
+                </a:solidFill>
+                <a:latin typeface="Comic Sans MS"/>
+              </a:rPr>
+              <a:t>   </a:t>
+            </a:r>
+            <a:r>
+              <a:rPr lang="en-US" sz="6600" kern="0" dirty="0" smtClean="0">
+                <a:solidFill>
+                  <a:srgbClr val="000000"/>
+                </a:solidFill>
+                <a:latin typeface="Comic Sans MS"/>
+              </a:rPr>
+              <a:t>  … explained </a:t>
+            </a:r>
+            <a:r>
+              <a:rPr lang="en-US" sz="6600" kern="0" dirty="0">
+                <a:solidFill>
+                  <a:srgbClr val="000000"/>
+                </a:solidFill>
+                <a:latin typeface="Comic Sans MS"/>
+              </a:rPr>
+              <a:t>in</a:t>
+            </a:r>
+          </a:p>
+          <a:p>
+            <a:pPr marL="342900" indent="-342900" eaLnBrk="1" hangingPunct="1">
+              <a:spcBef>
+                <a:spcPct val="20000"/>
+              </a:spcBef>
+              <a:defRPr/>
+            </a:pPr>
+            <a:r>
+              <a:rPr lang="en-US" sz="6600" kern="0" dirty="0" smtClean="0">
+                <a:solidFill>
+                  <a:srgbClr val="000000"/>
+                </a:solidFill>
+                <a:latin typeface="Comic Sans MS"/>
+              </a:rPr>
+              <a:t>  Class Problem 2</a:t>
+            </a:r>
+            <a:endParaRPr lang="en-US" sz="6600" kern="0" dirty="0">
+              <a:solidFill>
+                <a:srgbClr val="000000"/>
+              </a:solidFill>
+              <a:latin typeface="Comic Sans MS"/>
+            </a:endParaRPr>
+          </a:p>
+        </p:txBody>
+      </p:sp>
+    </p:spTree>
+  </p:cSld>
+  <p:clrMapOvr>
+    <a:masterClrMapping/>
+  </p:clrMapOvr>
+  <p:transition>
+    <p:fade/>
+  </p:transition>
+  <p:timing>
+    <p:tnLst>
+      <p:par>
+        <p:cTn id="1" dur="indefinite" restart="never" nodeType="tmRoot">
+          <p:childTnLst>
+            <p:seq concurrent="1" nextAc="seek">
+              <p:cTn id="2" dur="indefinite" nodeType="mainSeq">
+                <p:childTnLst>
+                  <p:par>
+                    <p:cTn id="3" fill="hold">
+                      <p:stCondLst>
+                        <p:cond delay="indefinite"/>
+                      </p:stCondLst>
+                      <p:childTnLst>
+                        <p:par>
+                          <p:cTn id="4" fill="hold">
+                            <p:stCondLst>
+                              <p:cond delay="0"/>
+                            </p:stCondLst>
+                            <p:childTnLst>
+                              <p:par>
+                                <p:cTn id="5" presetID="1" presetClass="entr" presetSubtype="0" fill="hold" grpId="0" nodeType="clickEffect">
+                                  <p:stCondLst>
+                                    <p:cond delay="0"/>
+                                  </p:stCondLst>
+                                  <p:childTnLst>
+                                    <p:set>
+                                      <p:cBhvr>
+                                        <p:cTn id="6" dur="1" fill="hold">
+                                          <p:stCondLst>
+                                            <p:cond delay="0"/>
+                                          </p:stCondLst>
+                                        </p:cTn>
+                                        <p:tgtEl>
+                                          <p:spTgt spid="5"/>
+                                        </p:tgtEl>
+                                        <p:attrNameLst>
+                                          <p:attrName>style.visibility</p:attrName>
+                                        </p:attrNameLst>
+                                      </p:cBhvr>
+                                      <p:to>
+                                        <p:strVal val="visible"/>
+                                      </p:to>
+                                    </p:set>
+                                  </p:childTnLst>
+                                </p:cTn>
+                              </p:par>
+                            </p:childTnLst>
+                          </p:cTn>
+                        </p:par>
+                      </p:childTnLst>
+                    </p:cTn>
+                  </p:par>
+                </p:childTnLst>
+              </p:cTn>
+              <p:prevCondLst>
+                <p:cond evt="onPrev" delay="0">
+                  <p:tgtEl>
+                    <p:sldTgt/>
+                  </p:tgtEl>
+                </p:cond>
+              </p:prevCondLst>
+              <p:nextCondLst>
+                <p:cond evt="onNext" delay="0">
+                  <p:tgtEl>
+                    <p:sldTgt/>
+                  </p:tgtEl>
+                </p:cond>
+              </p:nextCondLst>
+            </p:seq>
+          </p:childTnLst>
+        </p:cTn>
+      </p:par>
+    </p:tnLst>
+    <p:bldLst>
+      <p:bldP spid="5" grpId="0"/>
+    </p:bldLst>
+  </p:timing>
+</p:sld>
+</file>
+
+<file path=ppt/slides/slide11.xml><?xml version="1.0" encoding="utf-8"?>
+<p:sld xmlns:a="http://schemas.openxmlformats.org/drawingml/2006/main" xmlns:r="http://schemas.openxmlformats.org/officeDocument/2006/relationships" xmlns:mc="http://schemas.openxmlformats.org/markup-compatibility/2006" xmlns:mv="urn:schemas-microsoft-com:mac:vml" xmlns:p="http://schemas.openxmlformats.org/presentationml/2006/main" mc:Ignorable="mv" mc:PreserveAttributes="mv:*">
+  <p:cSld>
+    <p:spTree>
+      <p:nvGrpSpPr>
+        <p:cNvPr id="1" name=""/>
+        <p:cNvGrpSpPr/>
+        <p:nvPr/>
+      </p:nvGrpSpPr>
+      <p:grpSpPr>
+        <a:xfrm>
+          <a:off x="0" y="0"/>
+          <a:ext cx="0" cy="0"/>
+          <a:chOff x="0" y="0"/>
+          <a:chExt cx="0" cy="0"/>
+        </a:xfrm>
+      </p:grpSpPr>
+      <p:sp>
+        <p:nvSpPr>
+          <p:cNvPr id="4" name="Slide Number Placeholder 3"/>
+          <p:cNvSpPr>
+            <a:spLocks noGrp="1"/>
+          </p:cNvSpPr>
+          <p:nvPr>
+            <p:ph type="sldNum" sz="quarter" idx="4"/>
+          </p:nvPr>
+        </p:nvSpPr>
+        <p:spPr>
+          <a:xfrm>
+            <a:off x="6477000" y="6553200"/>
+            <a:ext cx="2667000" cy="307777"/>
+          </a:xfrm>
+        </p:spPr>
+        <p:txBody>
+          <a:bodyPr/>
+          <a:lstStyle/>
+          <a:p>
+            <a:pPr>
+              <a:defRPr/>
+            </a:pPr>
+            <a:r>
+              <a:rPr lang="en-US" dirty="0" err="1" smtClean="0"/>
+              <a:t>lec</a:t>
+            </a:r>
+            <a:r>
+              <a:rPr lang="en-US" dirty="0" smtClean="0"/>
+              <a:t> 6M.</a:t>
+            </a:r>
+            <a:fld id="{F389C0C6-D6B8-4BCF-9EE6-7CFCBB0EDCA3}" type="slidenum">
+              <a:rPr lang="en-US" smtClean="0"/>
+              <a:pPr>
+                <a:defRPr/>
+              </a:pPr>
+              <a:t>11</a:t>
+            </a:fld>
+            <a:endParaRPr lang="en-US" dirty="0"/>
+          </a:p>
+        </p:txBody>
+      </p:sp>
+      <p:sp>
+        <p:nvSpPr>
+          <p:cNvPr id="20483" name="Rectangle 2"/>
+          <p:cNvSpPr>
+            <a:spLocks noGrp="1" noChangeArrowheads="1"/>
+          </p:cNvSpPr>
+          <p:nvPr>
+            <p:ph type="title"/>
+          </p:nvPr>
+        </p:nvSpPr>
+        <p:spPr/>
+        <p:txBody>
+          <a:bodyPr/>
+          <a:lstStyle/>
+          <a:p>
+            <a:pPr eaLnBrk="1" hangingPunct="1"/>
+            <a:r>
+              <a:rPr lang="en-US" sz="5400" smtClean="0"/>
+              <a:t>Why is it secure?</a:t>
+            </a:r>
+          </a:p>
+        </p:txBody>
+      </p:sp>
+      <p:sp>
+        <p:nvSpPr>
+          <p:cNvPr id="397315" name="Rectangle 3"/>
+          <p:cNvSpPr>
+            <a:spLocks noGrp="1" noChangeArrowheads="1"/>
+          </p:cNvSpPr>
+          <p:nvPr>
+            <p:ph type="body" idx="1"/>
+          </p:nvPr>
+        </p:nvSpPr>
+        <p:spPr>
+          <a:xfrm>
+            <a:off x="152400" y="1066800"/>
+            <a:ext cx="8839200" cy="5257800"/>
+          </a:xfrm>
+        </p:spPr>
+        <p:txBody>
+          <a:bodyPr/>
+          <a:lstStyle/>
+          <a:p>
+            <a:pPr eaLnBrk="1" hangingPunct="1">
+              <a:lnSpc>
+                <a:spcPct val="90000"/>
+              </a:lnSpc>
+              <a:buFont typeface="Arial" pitchFamily="34" charset="0"/>
+              <a:buChar char="•"/>
+            </a:pPr>
+            <a:r>
+              <a:rPr lang="en-US" sz="4800" dirty="0" smtClean="0"/>
+              <a:t>easy to break </a:t>
+            </a:r>
+            <a:r>
+              <a:rPr lang="en-US" sz="4800" i="1" dirty="0" smtClean="0"/>
+              <a:t>if</a:t>
+            </a:r>
+            <a:r>
+              <a:rPr lang="en-US" sz="4800" dirty="0" smtClean="0"/>
+              <a:t> can factor </a:t>
+            </a:r>
+            <a:r>
+              <a:rPr lang="en-US" sz="4800" dirty="0" smtClean="0">
+                <a:solidFill>
+                  <a:schemeClr val="accent5">
+                    <a:lumMod val="50000"/>
+                  </a:schemeClr>
+                </a:solidFill>
+              </a:rPr>
+              <a:t>n</a:t>
+            </a:r>
+          </a:p>
+          <a:p>
+            <a:pPr eaLnBrk="1" hangingPunct="1">
+              <a:lnSpc>
+                <a:spcPct val="90000"/>
+              </a:lnSpc>
+              <a:buFontTx/>
+              <a:buNone/>
+            </a:pPr>
+            <a:r>
+              <a:rPr lang="en-US" sz="4400" dirty="0" smtClean="0"/>
+              <a:t>  (find </a:t>
+            </a:r>
+            <a:r>
+              <a:rPr lang="en-US" sz="4400" dirty="0" smtClean="0">
+                <a:solidFill>
+                  <a:schemeClr val="accent5">
+                    <a:lumMod val="50000"/>
+                  </a:schemeClr>
+                </a:solidFill>
+              </a:rPr>
+              <a:t>d</a:t>
+            </a:r>
+            <a:r>
+              <a:rPr lang="en-US" sz="4400" dirty="0" smtClean="0">
+                <a:solidFill>
+                  <a:srgbClr val="3333CC"/>
+                </a:solidFill>
+              </a:rPr>
+              <a:t> </a:t>
+            </a:r>
+            <a:r>
+              <a:rPr lang="en-US" sz="4400" dirty="0" smtClean="0"/>
+              <a:t>same way receiver did)</a:t>
+            </a:r>
+          </a:p>
+          <a:p>
+            <a:pPr eaLnBrk="1" hangingPunct="1">
+              <a:lnSpc>
+                <a:spcPct val="90000"/>
+              </a:lnSpc>
+              <a:buFont typeface="Arial" pitchFamily="34" charset="0"/>
+              <a:buChar char="•"/>
+            </a:pPr>
+            <a:r>
+              <a:rPr lang="en-US" sz="4400" dirty="0" smtClean="0"/>
+              <a:t>conversely, from </a:t>
+            </a:r>
+            <a:r>
+              <a:rPr lang="en-US" sz="4400" dirty="0" smtClean="0">
+                <a:solidFill>
+                  <a:schemeClr val="accent5">
+                    <a:lumMod val="50000"/>
+                  </a:schemeClr>
+                </a:solidFill>
+              </a:rPr>
+              <a:t>d</a:t>
+            </a:r>
+            <a:r>
+              <a:rPr lang="en-US" sz="4400" dirty="0" smtClean="0">
+                <a:solidFill>
+                  <a:srgbClr val="3333CC"/>
+                </a:solidFill>
+              </a:rPr>
+              <a:t> </a:t>
+            </a:r>
+            <a:r>
+              <a:rPr lang="en-US" sz="4400" dirty="0" smtClean="0"/>
+              <a:t>can factor </a:t>
+            </a:r>
+            <a:r>
+              <a:rPr lang="en-US" sz="4400" dirty="0" smtClean="0">
+                <a:solidFill>
+                  <a:schemeClr val="accent5">
+                    <a:lumMod val="50000"/>
+                  </a:schemeClr>
+                </a:solidFill>
+              </a:rPr>
+              <a:t>n</a:t>
+            </a:r>
+            <a:endParaRPr lang="en-US" sz="4400" dirty="0" smtClean="0"/>
+          </a:p>
+          <a:p>
+            <a:pPr eaLnBrk="1" hangingPunct="1">
+              <a:lnSpc>
+                <a:spcPct val="90000"/>
+              </a:lnSpc>
+              <a:buFontTx/>
+              <a:buNone/>
+            </a:pPr>
+            <a:r>
+              <a:rPr lang="en-US" sz="4400" dirty="0" smtClean="0"/>
+              <a:t>  (but </a:t>
+            </a:r>
+            <a:r>
+              <a:rPr lang="en-US" sz="4400" dirty="0" smtClean="0">
+                <a:solidFill>
+                  <a:srgbClr val="FF00FF"/>
+                </a:solidFill>
+              </a:rPr>
+              <a:t>factoring appears hard</a:t>
+            </a:r>
+          </a:p>
+          <a:p>
+            <a:pPr eaLnBrk="1" hangingPunct="1">
+              <a:lnSpc>
+                <a:spcPct val="90000"/>
+              </a:lnSpc>
+              <a:buFontTx/>
+              <a:buNone/>
+            </a:pPr>
+            <a:r>
+              <a:rPr lang="en-US" sz="4400" dirty="0" smtClean="0">
+                <a:solidFill>
+                  <a:srgbClr val="FF00FF"/>
+                </a:solidFill>
+              </a:rPr>
+              <a:t>   </a:t>
+            </a:r>
+            <a:r>
+              <a:rPr lang="en-US" sz="4400" dirty="0" smtClean="0"/>
+              <a:t>so finding </a:t>
+            </a:r>
+            <a:r>
+              <a:rPr lang="en-US" sz="4400" dirty="0" smtClean="0">
+                <a:solidFill>
+                  <a:schemeClr val="accent5">
+                    <a:lumMod val="50000"/>
+                  </a:schemeClr>
+                </a:solidFill>
+              </a:rPr>
+              <a:t>d</a:t>
+            </a:r>
+            <a:r>
+              <a:rPr lang="en-US" sz="4400" dirty="0" smtClean="0"/>
+              <a:t> must also be hard)</a:t>
+            </a:r>
+          </a:p>
+          <a:p>
+            <a:pPr eaLnBrk="1" hangingPunct="1">
+              <a:lnSpc>
+                <a:spcPct val="90000"/>
+              </a:lnSpc>
+              <a:buFont typeface="Arial" pitchFamily="34" charset="0"/>
+              <a:buChar char="•"/>
+            </a:pPr>
+            <a:r>
+              <a:rPr lang="en-US" sz="4400" dirty="0" smtClean="0"/>
+              <a:t> RSA has withstood 30 years of attacks</a:t>
+            </a:r>
+          </a:p>
+        </p:txBody>
+      </p:sp>
+    </p:spTree>
+  </p:cSld>
+  <p:clrMapOvr>
+    <a:masterClrMapping/>
+  </p:clrMapOvr>
+  <p:transition spd="slow">
+    <p:fade thruBlk="1"/>
+  </p:transition>
+  <p:timing>
+    <p:tnLst>
+      <p:par>
+        <p:cTn id="1" dur="indefinite" restart="never" nodeType="tmRoot">
+          <p:childTnLst>
+            <p:seq concurrent="1" nextAc="seek">
+              <p:cTn id="2" dur="indefinite" nodeType="mainSeq">
+                <p:childTnLst>
+                  <p:par>
+                    <p:cTn id="3" fill="hold">
+                      <p:stCondLst>
+                        <p:cond delay="indefinite"/>
+                      </p:stCondLst>
+                      <p:childTnLst>
+                        <p:par>
+                          <p:cTn id="4" fill="hold">
+                            <p:stCondLst>
+                              <p:cond delay="0"/>
+                            </p:stCondLst>
+                            <p:childTnLst>
+                              <p:par>
+                                <p:cTn id="5" presetID="1" presetClass="entr" presetSubtype="0" fill="hold" nodeType="clickEffect">
+                                  <p:stCondLst>
+                                    <p:cond delay="0"/>
+                                  </p:stCondLst>
+                                  <p:childTnLst>
+                                    <p:set>
+                                      <p:cBhvr>
+                                        <p:cTn id="6" dur="1" fill="hold">
+                                          <p:stCondLst>
+                                            <p:cond delay="0"/>
+                                          </p:stCondLst>
+                                        </p:cTn>
+                                        <p:tgtEl>
+                                          <p:spTgt spid="397315">
+                                            <p:txEl>
+                                              <p:pRg st="0" end="0"/>
+                                            </p:txEl>
+                                          </p:spTgt>
+                                        </p:tgtEl>
+                                        <p:attrNameLst>
+                                          <p:attrName>style.visibility</p:attrName>
+                                        </p:attrNameLst>
+                                      </p:cBhvr>
+                                      <p:to>
+                                        <p:strVal val="visible"/>
+                                      </p:to>
+                                    </p:set>
+                                  </p:childTnLst>
+                                </p:cTn>
+                              </p:par>
+                              <p:par>
+                                <p:cTn id="7" presetID="1" presetClass="entr" presetSubtype="0" fill="hold" nodeType="withEffect">
+                                  <p:stCondLst>
+                                    <p:cond delay="0"/>
+                                  </p:stCondLst>
+                                  <p:childTnLst>
+                                    <p:set>
+                                      <p:cBhvr>
+                                        <p:cTn id="8" dur="1" fill="hold">
+                                          <p:stCondLst>
+                                            <p:cond delay="0"/>
+                                          </p:stCondLst>
+                                        </p:cTn>
+                                        <p:tgtEl>
+                                          <p:spTgt spid="397315">
+                                            <p:txEl>
+                                              <p:pRg st="1" end="1"/>
+                                            </p:txEl>
+                                          </p:spTgt>
+                                        </p:tgtEl>
+                                        <p:attrNameLst>
+                                          <p:attrName>style.visibility</p:attrName>
+                                        </p:attrNameLst>
+                                      </p:cBhvr>
+                                      <p:to>
+                                        <p:strVal val="visible"/>
+                                      </p:to>
+                                    </p:set>
+                                  </p:childTnLst>
+                                </p:cTn>
+                              </p:par>
+                            </p:childTnLst>
+                          </p:cTn>
+                        </p:par>
+                      </p:childTnLst>
+                    </p:cTn>
+                  </p:par>
+                  <p:par>
+                    <p:cTn id="9" fill="hold">
+                      <p:stCondLst>
+                        <p:cond delay="indefinite"/>
+                      </p:stCondLst>
+                      <p:childTnLst>
+                        <p:par>
+                          <p:cTn id="10" fill="hold">
+                            <p:stCondLst>
+                              <p:cond delay="0"/>
+                            </p:stCondLst>
+                            <p:childTnLst>
+                              <p:par>
+                                <p:cTn id="11" presetID="1" presetClass="entr" presetSubtype="0" fill="hold" nodeType="clickEffect">
+                                  <p:stCondLst>
+                                    <p:cond delay="0"/>
+                                  </p:stCondLst>
+                                  <p:childTnLst>
+                                    <p:set>
+                                      <p:cBhvr>
+                                        <p:cTn id="12" dur="1" fill="hold">
+                                          <p:stCondLst>
+                                            <p:cond delay="0"/>
+                                          </p:stCondLst>
+                                        </p:cTn>
+                                        <p:tgtEl>
+                                          <p:spTgt spid="397315">
+                                            <p:txEl>
+                                              <p:pRg st="2" end="2"/>
+                                            </p:txEl>
+                                          </p:spTgt>
+                                        </p:tgtEl>
+                                        <p:attrNameLst>
+                                          <p:attrName>style.visibility</p:attrName>
+                                        </p:attrNameLst>
+                                      </p:cBhvr>
+                                      <p:to>
+                                        <p:strVal val="visible"/>
+                                      </p:to>
+                                    </p:set>
+                                  </p:childTnLst>
+                                </p:cTn>
+                              </p:par>
+                            </p:childTnLst>
+                          </p:cTn>
+                        </p:par>
+                      </p:childTnLst>
+                    </p:cTn>
+                  </p:par>
+                  <p:par>
+                    <p:cTn id="13" fill="hold">
+                      <p:stCondLst>
+                        <p:cond delay="indefinite"/>
+                      </p:stCondLst>
+                      <p:childTnLst>
+                        <p:par>
+                          <p:cTn id="14" fill="hold">
+                            <p:stCondLst>
+                              <p:cond delay="0"/>
+                            </p:stCondLst>
+                            <p:childTnLst>
+                              <p:par>
+                                <p:cTn id="15" presetID="1" presetClass="entr" presetSubtype="0" fill="hold" nodeType="clickEffect">
+                                  <p:stCondLst>
+                                    <p:cond delay="0"/>
+                                  </p:stCondLst>
+                                  <p:childTnLst>
+                                    <p:set>
+                                      <p:cBhvr>
+                                        <p:cTn id="16" dur="1" fill="hold">
+                                          <p:stCondLst>
+                                            <p:cond delay="0"/>
+                                          </p:stCondLst>
+                                        </p:cTn>
+                                        <p:tgtEl>
+                                          <p:spTgt spid="397315">
+                                            <p:txEl>
+                                              <p:pRg st="3" end="3"/>
+                                            </p:txEl>
+                                          </p:spTgt>
+                                        </p:tgtEl>
+                                        <p:attrNameLst>
+                                          <p:attrName>style.visibility</p:attrName>
+                                        </p:attrNameLst>
+                                      </p:cBhvr>
+                                      <p:to>
+                                        <p:strVal val="visible"/>
+                                      </p:to>
+                                    </p:set>
+                                  </p:childTnLst>
+                                </p:cTn>
+                              </p:par>
+                            </p:childTnLst>
+                          </p:cTn>
+                        </p:par>
+                      </p:childTnLst>
+                    </p:cTn>
+                  </p:par>
+                  <p:par>
+                    <p:cTn id="17" fill="hold">
+                      <p:stCondLst>
+                        <p:cond delay="indefinite"/>
+                      </p:stCondLst>
+                      <p:childTnLst>
+                        <p:par>
+                          <p:cTn id="18" fill="hold">
+                            <p:stCondLst>
+                              <p:cond delay="0"/>
+                            </p:stCondLst>
+                            <p:childTnLst>
+                              <p:par>
+                                <p:cTn id="19" presetID="1" presetClass="entr" presetSubtype="0" fill="hold" nodeType="clickEffect">
+                                  <p:stCondLst>
+                                    <p:cond delay="0"/>
+                                  </p:stCondLst>
+                                  <p:childTnLst>
+                                    <p:set>
+                                      <p:cBhvr>
+                                        <p:cTn id="20" dur="1" fill="hold">
+                                          <p:stCondLst>
+                                            <p:cond delay="0"/>
+                                          </p:stCondLst>
+                                        </p:cTn>
+                                        <p:tgtEl>
+                                          <p:spTgt spid="397315">
+                                            <p:txEl>
+                                              <p:pRg st="4" end="4"/>
+                                            </p:txEl>
+                                          </p:spTgt>
+                                        </p:tgtEl>
+                                        <p:attrNameLst>
+                                          <p:attrName>style.visibility</p:attrName>
+                                        </p:attrNameLst>
+                                      </p:cBhvr>
+                                      <p:to>
+                                        <p:strVal val="visible"/>
+                                      </p:to>
+                                    </p:set>
+                                  </p:childTnLst>
+                                </p:cTn>
+                              </p:par>
+                            </p:childTnLst>
+                          </p:cTn>
+                        </p:par>
+                      </p:childTnLst>
+                    </p:cTn>
+                  </p:par>
+                  <p:par>
+                    <p:cTn id="21" fill="hold">
+                      <p:stCondLst>
+                        <p:cond delay="indefinite"/>
+                      </p:stCondLst>
+                      <p:childTnLst>
+                        <p:par>
+                          <p:cTn id="22" fill="hold">
+                            <p:stCondLst>
+                              <p:cond delay="0"/>
+                            </p:stCondLst>
+                            <p:childTnLst>
+                              <p:par>
+                                <p:cTn id="23" presetID="1" presetClass="entr" presetSubtype="0" fill="hold" nodeType="clickEffect">
+                                  <p:stCondLst>
+                                    <p:cond delay="0"/>
+                                  </p:stCondLst>
+                                  <p:childTnLst>
+                                    <p:set>
+                                      <p:cBhvr>
+                                        <p:cTn id="24" dur="1" fill="hold">
+                                          <p:stCondLst>
+                                            <p:cond delay="0"/>
+                                          </p:stCondLst>
+                                        </p:cTn>
+                                        <p:tgtEl>
+                                          <p:spTgt spid="397315">
+                                            <p:txEl>
+                                              <p:pRg st="5" end="5"/>
+                                            </p:txEl>
+                                          </p:spTgt>
+                                        </p:tgtEl>
+                                        <p:attrNameLst>
+                                          <p:attrName>style.visibility</p:attrName>
+                                        </p:attrNameLst>
+                                      </p:cBhvr>
+                                      <p:to>
+                                        <p:strVal val="visible"/>
+                                      </p:to>
+                                    </p:set>
+                                  </p:childTnLst>
+                                </p:cTn>
+                              </p:par>
+                            </p:childTnLst>
+                          </p:cTn>
+                        </p:par>
+                      </p:childTnLst>
+                    </p:cTn>
+                  </p:par>
+                </p:childTnLst>
+              </p:cTn>
+              <p:prevCondLst>
+                <p:cond evt="onPrev" delay="0">
+                  <p:tgtEl>
+                    <p:sldTgt/>
+                  </p:tgtEl>
+                </p:cond>
+              </p:prevCondLst>
+              <p:nextCondLst>
+                <p:cond evt="onNext" delay="0">
+                  <p:tgtEl>
+                    <p:sldTgt/>
+                  </p:tgtEl>
+                </p:cond>
+              </p:nextCondLst>
+            </p:seq>
+          </p:childTnLst>
+        </p:cTn>
+      </p:par>
+    </p:tnLst>
+  </p:timing>
+</p:sld>
+</file>
+
+<file path=ppt/slides/slide12.xml><?xml version="1.0" encoding="utf-8"?>
+<p:sld xmlns:a="http://schemas.openxmlformats.org/drawingml/2006/main" xmlns:r="http://schemas.openxmlformats.org/officeDocument/2006/relationships" xmlns:mc="http://schemas.openxmlformats.org/markup-compatibility/2006" xmlns:mv="urn:schemas-microsoft-com:mac:vml" xmlns:p="http://schemas.openxmlformats.org/presentationml/2006/main" mc:Ignorable="mv" mc:PreserveAttributes="mv:*">
+  <p:cSld>
+    <p:spTree>
+      <p:nvGrpSpPr>
+        <p:cNvPr id="1" name=""/>
+        <p:cNvGrpSpPr/>
+        <p:nvPr/>
+      </p:nvGrpSpPr>
+      <p:grpSpPr>
+        <a:xfrm>
+          <a:off x="0" y="0"/>
+          <a:ext cx="0" cy="0"/>
+          <a:chOff x="0" y="0"/>
+          <a:chExt cx="0" cy="0"/>
+        </a:xfrm>
+      </p:grpSpPr>
+      <p:sp>
+        <p:nvSpPr>
           <p:cNvPr id="2" name="Title 1"/>
           <p:cNvSpPr>
             <a:spLocks noGrp="1"/>
@@ -3742,7 +4926,7 @@
         </p:nvSpPr>
         <p:spPr bwMode="auto">
           <a:xfrm>
-            <a:off x="1889365" y="1981200"/>
+            <a:off x="2209800" y="1981200"/>
             <a:ext cx="3657600" cy="3429000"/>
           </a:xfrm>
           <a:prstGeom prst="rect">
@@ -3805,7 +4989,7 @@
         </p:nvCxnSpPr>
         <p:spPr bwMode="auto">
           <a:xfrm>
-            <a:off x="1279765" y="4038600"/>
+            <a:off x="1600200" y="4038600"/>
             <a:ext cx="609600" cy="1588"/>
           </a:xfrm>
           <a:prstGeom prst="straightConnector1">
@@ -3832,7 +5016,7 @@
         </p:nvCxnSpPr>
         <p:spPr bwMode="auto">
           <a:xfrm>
-            <a:off x="1279765" y="4419600"/>
+            <a:off x="1600200" y="4419600"/>
             <a:ext cx="609600" cy="1588"/>
           </a:xfrm>
           <a:prstGeom prst="straightConnector1">
@@ -3859,7 +5043,7 @@
         </p:nvCxnSpPr>
         <p:spPr bwMode="auto">
           <a:xfrm>
-            <a:off x="5546965" y="3884612"/>
+            <a:off x="5867400" y="3884612"/>
             <a:ext cx="609600" cy="1588"/>
           </a:xfrm>
           <a:prstGeom prst="straightConnector1">
@@ -3886,7 +5070,7 @@
         </p:nvCxnSpPr>
         <p:spPr bwMode="auto">
           <a:xfrm>
-            <a:off x="5546965" y="4341812"/>
+            <a:off x="5867400" y="4341812"/>
             <a:ext cx="609600" cy="1588"/>
           </a:xfrm>
           <a:prstGeom prst="straightConnector1">
@@ -3913,7 +5097,7 @@
         </p:nvCxnSpPr>
         <p:spPr bwMode="auto">
           <a:xfrm>
-            <a:off x="5546965" y="4799012"/>
+            <a:off x="5867400" y="4799012"/>
             <a:ext cx="609600" cy="1588"/>
           </a:xfrm>
           <a:prstGeom prst="straightConnector1">
@@ -3940,7 +5124,7 @@
         </p:nvCxnSpPr>
         <p:spPr bwMode="auto">
           <a:xfrm>
-            <a:off x="5546965" y="5256212"/>
+            <a:off x="5867400" y="5256212"/>
             <a:ext cx="609600" cy="1588"/>
           </a:xfrm>
           <a:prstGeom prst="straightConnector1">
@@ -3967,7 +5151,7 @@
         </p:nvCxnSpPr>
         <p:spPr bwMode="auto">
           <a:xfrm>
-            <a:off x="1279765" y="4800600"/>
+            <a:off x="1600200" y="4800600"/>
             <a:ext cx="609600" cy="1588"/>
           </a:xfrm>
           <a:prstGeom prst="straightConnector1">
@@ -3994,7 +5178,7 @@
         </p:nvCxnSpPr>
         <p:spPr bwMode="auto">
           <a:xfrm>
-            <a:off x="1279765" y="5181600"/>
+            <a:off x="1600200" y="5181600"/>
             <a:ext cx="609600" cy="1588"/>
           </a:xfrm>
           <a:prstGeom prst="straightConnector1">
@@ -4021,7 +5205,7 @@
         </p:nvCxnSpPr>
         <p:spPr bwMode="auto">
           <a:xfrm>
-            <a:off x="1279765" y="2284412"/>
+            <a:off x="1600200" y="2284412"/>
             <a:ext cx="609600" cy="1588"/>
           </a:xfrm>
           <a:prstGeom prst="straightConnector1">
@@ -4048,7 +5232,7 @@
         </p:nvCxnSpPr>
         <p:spPr bwMode="auto">
           <a:xfrm>
-            <a:off x="1279765" y="2665412"/>
+            <a:off x="1600200" y="2665412"/>
             <a:ext cx="609600" cy="1588"/>
           </a:xfrm>
           <a:prstGeom prst="straightConnector1">
@@ -4075,7 +5259,7 @@
         </p:nvCxnSpPr>
         <p:spPr bwMode="auto">
           <a:xfrm>
-            <a:off x="1279765" y="3046412"/>
+            <a:off x="1600200" y="3046412"/>
             <a:ext cx="609600" cy="1588"/>
           </a:xfrm>
           <a:prstGeom prst="straightConnector1">
@@ -4102,7 +5286,7 @@
         </p:nvCxnSpPr>
         <p:spPr bwMode="auto">
           <a:xfrm>
-            <a:off x="1279765" y="3427412"/>
+            <a:off x="1600200" y="3427412"/>
             <a:ext cx="609600" cy="1588"/>
           </a:xfrm>
           <a:prstGeom prst="straightConnector1">
@@ -4129,7 +5313,7 @@
         </p:nvCxnSpPr>
         <p:spPr bwMode="auto">
           <a:xfrm>
-            <a:off x="5546965" y="2132012"/>
+            <a:off x="5867400" y="2132012"/>
             <a:ext cx="609600" cy="1588"/>
           </a:xfrm>
           <a:prstGeom prst="straightConnector1">
@@ -4156,7 +5340,7 @@
         </p:nvCxnSpPr>
         <p:spPr bwMode="auto">
           <a:xfrm>
-            <a:off x="5546965" y="2589212"/>
+            <a:off x="5867400" y="2589212"/>
             <a:ext cx="609600" cy="1588"/>
           </a:xfrm>
           <a:prstGeom prst="straightConnector1">
@@ -4183,7 +5367,7 @@
         </p:nvCxnSpPr>
         <p:spPr bwMode="auto">
           <a:xfrm>
-            <a:off x="5546965" y="3046412"/>
+            <a:off x="5867400" y="3046412"/>
             <a:ext cx="609600" cy="1588"/>
           </a:xfrm>
           <a:prstGeom prst="straightConnector1">
@@ -4210,7 +5394,7 @@
         </p:nvCxnSpPr>
         <p:spPr bwMode="auto">
           <a:xfrm>
-            <a:off x="5546965" y="3503612"/>
+            <a:off x="5867400" y="3503612"/>
             <a:ext cx="609600" cy="1588"/>
           </a:xfrm>
           <a:prstGeom prst="straightConnector1">
@@ -4229,168 +5413,198 @@
           <a:effectLst/>
         </p:spPr>
       </p:cxnSp>
-      <p:sp>
-        <p:nvSpPr>
-          <p:cNvPr id="33" name="Left Brace 32"/>
-          <p:cNvSpPr/>
-          <p:nvPr/>
-        </p:nvSpPr>
-        <p:spPr bwMode="auto">
-          <a:xfrm>
-            <a:off x="670165" y="3886200"/>
-            <a:ext cx="381000" cy="1447800"/>
-          </a:xfrm>
-          <a:prstGeom prst="leftBrace">
-            <a:avLst/>
-          </a:prstGeom>
-          <a:noFill/>
-          <a:ln w="28575" cap="flat" cmpd="sng" algn="ctr">
-            <a:solidFill>
-              <a:schemeClr val="accent1">
-                <a:lumMod val="50000"/>
-              </a:schemeClr>
-            </a:solidFill>
-            <a:prstDash val="solid"/>
-            <a:round/>
-            <a:headEnd type="none" w="med" len="med"/>
-            <a:tailEnd type="none" w="lg" len="lg"/>
-          </a:ln>
-          <a:effectLst/>
-        </p:spPr>
-        <p:txBody>
-          <a:bodyPr rtlCol="0" anchor="ctr"/>
-          <a:lstStyle/>
-          <a:p>
-            <a:pPr algn="ctr"/>
-            <a:endParaRPr lang="en-US" dirty="0">
+      <p:grpSp>
+        <p:nvGrpSpPr>
+          <p:cNvPr id="49" name="Group 48"/>
+          <p:cNvGrpSpPr/>
+          <p:nvPr/>
+        </p:nvGrpSpPr>
+        <p:grpSpPr>
+          <a:xfrm>
+            <a:off x="625235" y="2133600"/>
+            <a:ext cx="974965" cy="1447800"/>
+            <a:chOff x="625235" y="2133600"/>
+            <a:chExt cx="974965" cy="1447800"/>
+          </a:xfrm>
+        </p:grpSpPr>
+        <p:sp>
+          <p:nvSpPr>
+            <p:cNvPr id="34" name="Left Brace 33"/>
+            <p:cNvSpPr/>
+            <p:nvPr/>
+          </p:nvSpPr>
+          <p:spPr bwMode="auto">
+            <a:xfrm>
+              <a:off x="1219200" y="2133600"/>
+              <a:ext cx="381000" cy="1447800"/>
+            </a:xfrm>
+            <a:prstGeom prst="leftBrace">
+              <a:avLst/>
+            </a:prstGeom>
+            <a:noFill/>
+            <a:ln w="28575" cap="flat" cmpd="sng" algn="ctr">
               <a:solidFill>
-                <a:srgbClr val="0000E5"/>
+                <a:schemeClr val="accent1">
+                  <a:lumMod val="50000"/>
+                </a:schemeClr>
               </a:solidFill>
-            </a:endParaRPr>
-          </a:p>
-        </p:txBody>
-      </p:sp>
-      <p:sp>
-        <p:nvSpPr>
-          <p:cNvPr id="34" name="Left Brace 33"/>
-          <p:cNvSpPr/>
-          <p:nvPr/>
-        </p:nvSpPr>
-        <p:spPr bwMode="auto">
-          <a:xfrm>
-            <a:off x="670165" y="2133600"/>
-            <a:ext cx="381000" cy="1447800"/>
-          </a:xfrm>
-          <a:prstGeom prst="leftBrace">
-            <a:avLst/>
-          </a:prstGeom>
-          <a:noFill/>
-          <a:ln w="28575" cap="flat" cmpd="sng" algn="ctr">
-            <a:solidFill>
-              <a:schemeClr val="accent1">
-                <a:lumMod val="50000"/>
-              </a:schemeClr>
-            </a:solidFill>
-            <a:prstDash val="solid"/>
-            <a:round/>
-            <a:headEnd type="none" w="med" len="med"/>
-            <a:tailEnd type="none" w="lg" len="lg"/>
-          </a:ln>
-          <a:effectLst/>
-        </p:spPr>
-        <p:txBody>
-          <a:bodyPr rtlCol="0" anchor="ctr"/>
-          <a:lstStyle/>
-          <a:p>
-            <a:pPr algn="ctr"/>
-            <a:endParaRPr lang="en-US" dirty="0">
-              <a:solidFill>
-                <a:srgbClr val="0000E5"/>
-              </a:solidFill>
-            </a:endParaRPr>
-          </a:p>
-        </p:txBody>
-      </p:sp>
-      <p:sp>
-        <p:nvSpPr>
-          <p:cNvPr id="36" name="TextBox 35"/>
-          <p:cNvSpPr txBox="1"/>
-          <p:nvPr/>
-        </p:nvSpPr>
-        <p:spPr>
-          <a:xfrm>
-            <a:off x="76200" y="2438400"/>
-            <a:ext cx="517765" cy="769441"/>
-          </a:xfrm>
-          <a:prstGeom prst="rect">
-            <a:avLst/>
-          </a:prstGeom>
-          <a:noFill/>
-        </p:spPr>
-        <p:txBody>
-          <a:bodyPr wrap="none" rtlCol="0">
-            <a:spAutoFit/>
-          </a:bodyPr>
-          <a:lstStyle/>
-          <a:p>
-            <a:r>
-              <a:rPr lang="en-US" sz="4400" dirty="0" err="1" smtClean="0">
+              <a:prstDash val="solid"/>
+              <a:round/>
+              <a:headEnd type="none" w="med" len="med"/>
+              <a:tailEnd type="none" w="lg" len="lg"/>
+            </a:ln>
+            <a:effectLst/>
+          </p:spPr>
+          <p:txBody>
+            <a:bodyPr rtlCol="0" anchor="ctr"/>
+            <a:lstStyle/>
+            <a:p>
+              <a:pPr algn="ctr"/>
+              <a:endParaRPr lang="en-US" dirty="0">
+                <a:solidFill>
+                  <a:srgbClr val="0000E5"/>
+                </a:solidFill>
+              </a:endParaRPr>
+            </a:p>
+          </p:txBody>
+        </p:sp>
+        <p:sp>
+          <p:nvSpPr>
+            <p:cNvPr id="36" name="TextBox 35"/>
+            <p:cNvSpPr txBox="1"/>
+            <p:nvPr/>
+          </p:nvSpPr>
+          <p:spPr>
+            <a:xfrm>
+              <a:off x="625235" y="2438400"/>
+              <a:ext cx="486356" cy="769441"/>
+            </a:xfrm>
+            <a:prstGeom prst="rect">
+              <a:avLst/>
+            </a:prstGeom>
+            <a:noFill/>
+          </p:spPr>
+          <p:txBody>
+            <a:bodyPr wrap="none" rtlCol="0">
+              <a:spAutoFit/>
+            </a:bodyPr>
+            <a:lstStyle/>
+            <a:p>
+              <a:r>
+                <a:rPr lang="en-US" sz="4400" dirty="0" err="1" smtClean="0">
+                  <a:solidFill>
+                    <a:srgbClr val="0000E5"/>
+                  </a:solidFill>
+                  <a:latin typeface="+mj-lt"/>
+                </a:rPr>
+                <a:t>p</a:t>
+              </a:r>
+              <a:endParaRPr lang="en-US" sz="4400" dirty="0" smtClean="0">
                 <a:solidFill>
                   <a:srgbClr val="0000E5"/>
                 </a:solidFill>
                 <a:latin typeface="+mj-lt"/>
-              </a:rPr>
-              <a:t>x</a:t>
-            </a:r>
-            <a:endParaRPr lang="en-US" sz="4400" dirty="0" smtClean="0">
+              </a:endParaRPr>
+            </a:p>
+          </p:txBody>
+        </p:sp>
+      </p:grpSp>
+      <p:grpSp>
+        <p:nvGrpSpPr>
+          <p:cNvPr id="50" name="Group 49"/>
+          <p:cNvGrpSpPr/>
+          <p:nvPr/>
+        </p:nvGrpSpPr>
+        <p:grpSpPr>
+          <a:xfrm>
+            <a:off x="685800" y="3886200"/>
+            <a:ext cx="914400" cy="1447800"/>
+            <a:chOff x="685800" y="3886200"/>
+            <a:chExt cx="914400" cy="1447800"/>
+          </a:xfrm>
+        </p:grpSpPr>
+        <p:sp>
+          <p:nvSpPr>
+            <p:cNvPr id="33" name="Left Brace 32"/>
+            <p:cNvSpPr/>
+            <p:nvPr/>
+          </p:nvSpPr>
+          <p:spPr bwMode="auto">
+            <a:xfrm>
+              <a:off x="1219200" y="3886200"/>
+              <a:ext cx="381000" cy="1447800"/>
+            </a:xfrm>
+            <a:prstGeom prst="leftBrace">
+              <a:avLst/>
+            </a:prstGeom>
+            <a:noFill/>
+            <a:ln w="28575" cap="flat" cmpd="sng" algn="ctr">
               <a:solidFill>
-                <a:srgbClr val="0000E5"/>
+                <a:schemeClr val="accent1">
+                  <a:lumMod val="50000"/>
+                </a:schemeClr>
               </a:solidFill>
-              <a:latin typeface="+mj-lt"/>
-            </a:endParaRPr>
-          </a:p>
-        </p:txBody>
-      </p:sp>
-      <p:sp>
-        <p:nvSpPr>
-          <p:cNvPr id="37" name="TextBox 36"/>
-          <p:cNvSpPr txBox="1"/>
-          <p:nvPr/>
-        </p:nvSpPr>
-        <p:spPr>
-          <a:xfrm>
-            <a:off x="136765" y="4183559"/>
-            <a:ext cx="478366" cy="769441"/>
-          </a:xfrm>
-          <a:prstGeom prst="rect">
-            <a:avLst/>
-          </a:prstGeom>
-          <a:noFill/>
-        </p:spPr>
-        <p:txBody>
-          <a:bodyPr wrap="none" rtlCol="0">
-            <a:spAutoFit/>
-          </a:bodyPr>
-          <a:lstStyle/>
-          <a:p>
-            <a:r>
-              <a:rPr lang="en-US" sz="4400" dirty="0" err="1" smtClean="0">
+              <a:prstDash val="solid"/>
+              <a:round/>
+              <a:headEnd type="none" w="med" len="med"/>
+              <a:tailEnd type="none" w="lg" len="lg"/>
+            </a:ln>
+            <a:effectLst/>
+          </p:spPr>
+          <p:txBody>
+            <a:bodyPr rtlCol="0" anchor="ctr"/>
+            <a:lstStyle/>
+            <a:p>
+              <a:pPr algn="ctr"/>
+              <a:endParaRPr lang="en-US" dirty="0">
+                <a:solidFill>
+                  <a:srgbClr val="0000E5"/>
+                </a:solidFill>
+              </a:endParaRPr>
+            </a:p>
+          </p:txBody>
+        </p:sp>
+        <p:sp>
+          <p:nvSpPr>
+            <p:cNvPr id="37" name="TextBox 36"/>
+            <p:cNvSpPr txBox="1"/>
+            <p:nvPr/>
+          </p:nvSpPr>
+          <p:spPr>
+            <a:xfrm>
+              <a:off x="685800" y="4183559"/>
+              <a:ext cx="478366" cy="769441"/>
+            </a:xfrm>
+            <a:prstGeom prst="rect">
+              <a:avLst/>
+            </a:prstGeom>
+            <a:noFill/>
+          </p:spPr>
+          <p:txBody>
+            <a:bodyPr wrap="none" rtlCol="0">
+              <a:spAutoFit/>
+            </a:bodyPr>
+            <a:lstStyle/>
+            <a:p>
+              <a:r>
+                <a:rPr lang="en-US" sz="4400" dirty="0" err="1" smtClean="0">
+                  <a:solidFill>
+                    <a:srgbClr val="0000E5"/>
+                  </a:solidFill>
+                  <a:latin typeface="+mj-lt"/>
+                </a:rPr>
+                <a:t>q</a:t>
+              </a:r>
+              <a:endParaRPr lang="en-US" sz="4400" dirty="0" smtClean="0">
                 <a:solidFill>
                   <a:srgbClr val="0000E5"/>
                 </a:solidFill>
                 <a:latin typeface="+mj-lt"/>
-              </a:rPr>
-              <a:t>y</a:t>
-            </a:r>
-            <a:endParaRPr lang="en-US" sz="4400" dirty="0" smtClean="0">
-              <a:solidFill>
-                <a:srgbClr val="0000E5"/>
-              </a:solidFill>
-              <a:latin typeface="+mj-lt"/>
-            </a:endParaRPr>
-          </a:p>
-        </p:txBody>
-      </p:sp>
+              </a:endParaRPr>
+            </a:p>
+          </p:txBody>
+        </p:sp>
+      </p:grpSp>
       <p:grpSp>
         <p:nvGrpSpPr>
           <p:cNvPr id="3" name="Group 40"/>
@@ -4399,7 +5613,7 @@
         </p:nvGrpSpPr>
         <p:grpSpPr>
           <a:xfrm>
-            <a:off x="2041765" y="2209800"/>
+            <a:off x="2362200" y="2209800"/>
             <a:ext cx="1661519" cy="1295400"/>
             <a:chOff x="2362200" y="2209800"/>
             <a:chExt cx="1661519" cy="1295400"/>
@@ -4479,9 +5693,6 @@
                 </a:rPr>
                 <a:t> bits</a:t>
               </a:r>
-              <a:endParaRPr lang="en-US" sz="3200" dirty="0" smtClean="0">
-                <a:latin typeface="+mj-lt"/>
-              </a:endParaRPr>
             </a:p>
           </p:txBody>
         </p:sp>
@@ -4494,7 +5705,7 @@
         </p:nvGrpSpPr>
         <p:grpSpPr>
           <a:xfrm>
-            <a:off x="2117965" y="3962400"/>
+            <a:off x="2438400" y="3962400"/>
             <a:ext cx="1661519" cy="1295400"/>
             <a:chOff x="2362200" y="2209800"/>
             <a:chExt cx="1661519" cy="1295400"/>
@@ -4572,9 +5783,6 @@
                 </a:rPr>
                 <a:t> bits</a:t>
               </a:r>
-              <a:endParaRPr lang="en-US" sz="3200" dirty="0" smtClean="0">
-                <a:latin typeface="+mj-lt"/>
-              </a:endParaRPr>
             </a:p>
           </p:txBody>
         </p:sp>
@@ -4587,7 +5795,7 @@
         </p:nvGrpSpPr>
         <p:grpSpPr>
           <a:xfrm>
-            <a:off x="3565765" y="2133600"/>
+            <a:off x="3886200" y="2133600"/>
             <a:ext cx="1856053" cy="3124200"/>
             <a:chOff x="3935147" y="2057400"/>
             <a:chExt cx="1856053" cy="3124200"/>
@@ -4669,9 +5877,6 @@
                 </a:rPr>
                 <a:t> bits</a:t>
               </a:r>
-              <a:endParaRPr lang="en-US" sz="3200" dirty="0" smtClean="0">
-                <a:latin typeface="+mj-lt"/>
-              </a:endParaRPr>
             </a:p>
           </p:txBody>
         </p:sp>
@@ -4684,7 +5889,7 @@
         </p:nvSpPr>
         <p:spPr>
           <a:xfrm>
-            <a:off x="1965565" y="1295400"/>
+            <a:off x="2286000" y="1295400"/>
             <a:ext cx="3384661" cy="584776"/>
           </a:xfrm>
           <a:prstGeom prst="rect">
@@ -4704,9 +5909,1349 @@
               </a:rPr>
               <a:t>multiplier circuit</a:t>
             </a:r>
-            <a:endParaRPr lang="en-US" sz="3200" dirty="0" smtClean="0">
+          </a:p>
+        </p:txBody>
+      </p:sp>
+      <p:grpSp>
+        <p:nvGrpSpPr>
+          <p:cNvPr id="47" name="Group 46"/>
+          <p:cNvGrpSpPr/>
+          <p:nvPr/>
+        </p:nvGrpSpPr>
+        <p:grpSpPr>
+          <a:xfrm>
+            <a:off x="6705600" y="1981200"/>
+            <a:ext cx="1371600" cy="3505200"/>
+            <a:chOff x="6705600" y="1981200"/>
+            <a:chExt cx="1371600" cy="3505200"/>
+          </a:xfrm>
+        </p:grpSpPr>
+        <p:sp>
+          <p:nvSpPr>
+            <p:cNvPr id="41" name="TextBox 40"/>
+            <p:cNvSpPr txBox="1"/>
+            <p:nvPr/>
+          </p:nvSpPr>
+          <p:spPr>
+            <a:xfrm>
+              <a:off x="7156355" y="3192959"/>
+              <a:ext cx="920845" cy="769441"/>
+            </a:xfrm>
+            <a:prstGeom prst="rect">
+              <a:avLst/>
+            </a:prstGeom>
+            <a:noFill/>
+          </p:spPr>
+          <p:txBody>
+            <a:bodyPr wrap="none" rtlCol="0">
+              <a:spAutoFit/>
+            </a:bodyPr>
+            <a:lstStyle/>
+            <a:p>
+              <a:r>
+                <a:rPr lang="en-US" sz="4400" dirty="0" err="1" smtClean="0">
+                  <a:solidFill>
+                    <a:srgbClr val="0000E5"/>
+                  </a:solidFill>
+                  <a:latin typeface="+mj-lt"/>
+                </a:rPr>
+                <a:t>p</a:t>
+              </a:r>
+              <a:r>
+                <a:rPr lang="en-US" sz="4400" dirty="0" err="1" smtClean="0">
+                  <a:solidFill>
+                    <a:srgbClr val="0000E5"/>
+                  </a:solidFill>
+                  <a:latin typeface="Symbol" charset="2"/>
+                  <a:cs typeface="Symbol" charset="2"/>
+                </a:rPr>
+                <a:t>⋅</a:t>
+              </a:r>
+              <a:r>
+                <a:rPr lang="en-US" sz="4400" dirty="0" err="1" smtClean="0">
+                  <a:solidFill>
+                    <a:srgbClr val="0000E5"/>
+                  </a:solidFill>
+                  <a:latin typeface="+mj-lt"/>
+                </a:rPr>
+                <a:t>q</a:t>
+              </a:r>
+              <a:endParaRPr lang="en-US" sz="4400" dirty="0" smtClean="0">
+                <a:solidFill>
+                  <a:srgbClr val="0000E5"/>
+                </a:solidFill>
+                <a:latin typeface="+mj-lt"/>
+              </a:endParaRPr>
+            </a:p>
+          </p:txBody>
+        </p:sp>
+        <p:sp>
+          <p:nvSpPr>
+            <p:cNvPr id="42" name="Right Brace 41"/>
+            <p:cNvSpPr/>
+            <p:nvPr/>
+          </p:nvSpPr>
+          <p:spPr bwMode="auto">
+            <a:xfrm>
+              <a:off x="6705600" y="1981200"/>
+              <a:ext cx="304800" cy="3505200"/>
+            </a:xfrm>
+            <a:prstGeom prst="rightBrace">
+              <a:avLst/>
+            </a:prstGeom>
+            <a:noFill/>
+            <a:ln w="38100" cap="flat" cmpd="sng" algn="ctr">
+              <a:solidFill>
+                <a:schemeClr val="accent1">
+                  <a:lumMod val="50000"/>
+                </a:schemeClr>
+              </a:solidFill>
+              <a:prstDash val="solid"/>
+              <a:round/>
+              <a:headEnd type="none" w="med" len="med"/>
+              <a:tailEnd type="none"/>
+            </a:ln>
+            <a:effectLst/>
+          </p:spPr>
+          <p:txBody>
+            <a:bodyPr rtlCol="0" anchor="ctr"/>
+            <a:lstStyle/>
+            <a:p>
+              <a:pPr algn="ctr"/>
+              <a:endParaRPr lang="en-US"/>
+            </a:p>
+          </p:txBody>
+        </p:sp>
+      </p:grpSp>
+    </p:spTree>
+  </p:cSld>
+  <p:clrMapOvr>
+    <a:masterClrMapping/>
+  </p:clrMapOvr>
+  <p:transition/>
+  <p:timing>
+    <p:tnLst>
+      <p:par>
+        <p:cTn id="1" dur="indefinite" restart="never" nodeType="tmRoot">
+          <p:childTnLst>
+            <p:seq concurrent="1" nextAc="seek">
+              <p:cTn id="2" dur="indefinite" nodeType="mainSeq">
+                <p:childTnLst>
+                  <p:par>
+                    <p:cTn id="3" fill="hold">
+                      <p:stCondLst>
+                        <p:cond delay="indefinite"/>
+                      </p:stCondLst>
+                      <p:childTnLst>
+                        <p:par>
+                          <p:cTn id="4" fill="hold">
+                            <p:stCondLst>
+                              <p:cond delay="0"/>
+                            </p:stCondLst>
+                            <p:childTnLst>
+                              <p:par>
+                                <p:cTn id="5" presetID="22" presetClass="entr" presetSubtype="8" fill="hold" nodeType="clickEffect">
+                                  <p:stCondLst>
+                                    <p:cond delay="0"/>
+                                  </p:stCondLst>
+                                  <p:childTnLst>
+                                    <p:set>
+                                      <p:cBhvr>
+                                        <p:cTn id="6" dur="1" fill="hold">
+                                          <p:stCondLst>
+                                            <p:cond delay="0"/>
+                                          </p:stCondLst>
+                                        </p:cTn>
+                                        <p:tgtEl>
+                                          <p:spTgt spid="49"/>
+                                        </p:tgtEl>
+                                        <p:attrNameLst>
+                                          <p:attrName>style.visibility</p:attrName>
+                                        </p:attrNameLst>
+                                      </p:cBhvr>
+                                      <p:to>
+                                        <p:strVal val="visible"/>
+                                      </p:to>
+                                    </p:set>
+                                    <p:animEffect transition="in" filter="wipe(left)">
+                                      <p:cBhvr>
+                                        <p:cTn id="7" dur="500"/>
+                                        <p:tgtEl>
+                                          <p:spTgt spid="49"/>
+                                        </p:tgtEl>
+                                      </p:cBhvr>
+                                    </p:animEffect>
+                                  </p:childTnLst>
+                                </p:cTn>
+                              </p:par>
+                            </p:childTnLst>
+                          </p:cTn>
+                        </p:par>
+                      </p:childTnLst>
+                    </p:cTn>
+                  </p:par>
+                  <p:par>
+                    <p:cTn id="8" fill="hold">
+                      <p:stCondLst>
+                        <p:cond delay="indefinite"/>
+                      </p:stCondLst>
+                      <p:childTnLst>
+                        <p:par>
+                          <p:cTn id="9" fill="hold">
+                            <p:stCondLst>
+                              <p:cond delay="0"/>
+                            </p:stCondLst>
+                            <p:childTnLst>
+                              <p:par>
+                                <p:cTn id="10" presetID="22" presetClass="entr" presetSubtype="8" fill="hold" nodeType="clickEffect">
+                                  <p:stCondLst>
+                                    <p:cond delay="0"/>
+                                  </p:stCondLst>
+                                  <p:childTnLst>
+                                    <p:set>
+                                      <p:cBhvr>
+                                        <p:cTn id="11" dur="1" fill="hold">
+                                          <p:stCondLst>
+                                            <p:cond delay="0"/>
+                                          </p:stCondLst>
+                                        </p:cTn>
+                                        <p:tgtEl>
+                                          <p:spTgt spid="50"/>
+                                        </p:tgtEl>
+                                        <p:attrNameLst>
+                                          <p:attrName>style.visibility</p:attrName>
+                                        </p:attrNameLst>
+                                      </p:cBhvr>
+                                      <p:to>
+                                        <p:strVal val="visible"/>
+                                      </p:to>
+                                    </p:set>
+                                    <p:animEffect transition="in" filter="wipe(left)">
+                                      <p:cBhvr>
+                                        <p:cTn id="12" dur="500"/>
+                                        <p:tgtEl>
+                                          <p:spTgt spid="50"/>
+                                        </p:tgtEl>
+                                      </p:cBhvr>
+                                    </p:animEffect>
+                                  </p:childTnLst>
+                                </p:cTn>
+                              </p:par>
+                            </p:childTnLst>
+                          </p:cTn>
+                        </p:par>
+                      </p:childTnLst>
+                    </p:cTn>
+                  </p:par>
+                  <p:par>
+                    <p:cTn id="13" fill="hold">
+                      <p:stCondLst>
+                        <p:cond delay="indefinite"/>
+                      </p:stCondLst>
+                      <p:childTnLst>
+                        <p:par>
+                          <p:cTn id="14" fill="hold">
+                            <p:stCondLst>
+                              <p:cond delay="0"/>
+                            </p:stCondLst>
+                            <p:childTnLst>
+                              <p:par>
+                                <p:cTn id="15" presetID="22" presetClass="entr" presetSubtype="8" fill="hold" nodeType="clickEffect">
+                                  <p:stCondLst>
+                                    <p:cond delay="0"/>
+                                  </p:stCondLst>
+                                  <p:childTnLst>
+                                    <p:set>
+                                      <p:cBhvr>
+                                        <p:cTn id="16" dur="1" fill="hold">
+                                          <p:stCondLst>
+                                            <p:cond delay="0"/>
+                                          </p:stCondLst>
+                                        </p:cTn>
+                                        <p:tgtEl>
+                                          <p:spTgt spid="47"/>
+                                        </p:tgtEl>
+                                        <p:attrNameLst>
+                                          <p:attrName>style.visibility</p:attrName>
+                                        </p:attrNameLst>
+                                      </p:cBhvr>
+                                      <p:to>
+                                        <p:strVal val="visible"/>
+                                      </p:to>
+                                    </p:set>
+                                    <p:animEffect transition="in" filter="wipe(left)">
+                                      <p:cBhvr>
+                                        <p:cTn id="17" dur="500"/>
+                                        <p:tgtEl>
+                                          <p:spTgt spid="47"/>
+                                        </p:tgtEl>
+                                      </p:cBhvr>
+                                    </p:animEffect>
+                                  </p:childTnLst>
+                                </p:cTn>
+                              </p:par>
+                            </p:childTnLst>
+                          </p:cTn>
+                        </p:par>
+                      </p:childTnLst>
+                    </p:cTn>
+                  </p:par>
+                </p:childTnLst>
+              </p:cTn>
+              <p:prevCondLst>
+                <p:cond evt="onPrev" delay="0">
+                  <p:tgtEl>
+                    <p:sldTgt/>
+                  </p:tgtEl>
+                </p:cond>
+              </p:prevCondLst>
+              <p:nextCondLst>
+                <p:cond evt="onNext" delay="0">
+                  <p:tgtEl>
+                    <p:sldTgt/>
+                  </p:tgtEl>
+                </p:cond>
+              </p:nextCondLst>
+            </p:seq>
+          </p:childTnLst>
+        </p:cTn>
+      </p:par>
+    </p:tnLst>
+  </p:timing>
+</p:sld>
+</file>
+
+<file path=ppt/slides/slide13.xml><?xml version="1.0" encoding="utf-8"?>
+<p:sld xmlns:a="http://schemas.openxmlformats.org/drawingml/2006/main" xmlns:r="http://schemas.openxmlformats.org/officeDocument/2006/relationships" xmlns:mc="http://schemas.openxmlformats.org/markup-compatibility/2006" xmlns:mv="urn:schemas-microsoft-com:mac:vml" xmlns:p="http://schemas.openxmlformats.org/presentationml/2006/main" mc:Ignorable="mv" mc:PreserveAttributes="mv:*">
+  <p:cSld>
+    <p:spTree>
+      <p:nvGrpSpPr>
+        <p:cNvPr id="1" name=""/>
+        <p:cNvGrpSpPr/>
+        <p:nvPr/>
+      </p:nvGrpSpPr>
+      <p:grpSpPr>
+        <a:xfrm>
+          <a:off x="0" y="0"/>
+          <a:ext cx="0" cy="0"/>
+          <a:chOff x="0" y="0"/>
+          <a:chExt cx="0" cy="0"/>
+        </a:xfrm>
+      </p:grpSpPr>
+      <p:sp>
+        <p:nvSpPr>
+          <p:cNvPr id="2" name="Title 1"/>
+          <p:cNvSpPr>
+            <a:spLocks noGrp="1"/>
+          </p:cNvSpPr>
+          <p:nvPr>
+            <p:ph type="title"/>
+          </p:nvPr>
+        </p:nvSpPr>
+        <p:spPr/>
+        <p:txBody>
+          <a:bodyPr/>
+          <a:lstStyle/>
+          <a:p>
+            <a:r>
+              <a:rPr lang="en-US" dirty="0" smtClean="0"/>
+              <a:t>Why does SAT-solver break it?</a:t>
+            </a:r>
+            <a:endParaRPr lang="en-US" dirty="0"/>
+          </a:p>
+        </p:txBody>
+      </p:sp>
+      <p:sp>
+        <p:nvSpPr>
+          <p:cNvPr id="4" name="Slide Number Placeholder 3"/>
+          <p:cNvSpPr>
+            <a:spLocks noGrp="1"/>
+          </p:cNvSpPr>
+          <p:nvPr>
+            <p:ph type="sldNum" sz="quarter" idx="4"/>
+          </p:nvPr>
+        </p:nvSpPr>
+        <p:spPr/>
+        <p:txBody>
+          <a:bodyPr/>
+          <a:lstStyle/>
+          <a:p>
+            <a:pPr>
+              <a:defRPr/>
+            </a:pPr>
+            <a:r>
+              <a:rPr lang="en-US" smtClean="0"/>
+              <a:t>l</a:t>
+            </a:r>
+            <a:r>
+              <a:rPr lang="en-US" sz="1200" smtClean="0"/>
+              <a:t>ec 6M.‹#›</a:t>
+            </a:r>
+            <a:endParaRPr lang="en-US" sz="1200" dirty="0"/>
+          </a:p>
+        </p:txBody>
+      </p:sp>
+      <p:sp>
+        <p:nvSpPr>
+          <p:cNvPr id="5" name="Rectangle 4"/>
+          <p:cNvSpPr/>
+          <p:nvPr/>
+        </p:nvSpPr>
+        <p:spPr bwMode="auto">
+          <a:xfrm>
+            <a:off x="1889365" y="1981200"/>
+            <a:ext cx="3657600" cy="3429000"/>
+          </a:xfrm>
+          <a:prstGeom prst="rect">
+            <a:avLst/>
+          </a:prstGeom>
+          <a:noFill/>
+          <a:ln w="38100" cap="flat" cmpd="sng" algn="ctr">
+            <a:solidFill>
+              <a:schemeClr val="tx1"/>
+            </a:solidFill>
+            <a:prstDash val="solid"/>
+            <a:round/>
+            <a:headEnd type="none" w="med" len="med"/>
+            <a:tailEnd type="arrow" w="lg" len="lg"/>
+          </a:ln>
+          <a:effectLst/>
+        </p:spPr>
+        <p:txBody>
+          <a:bodyPr vert="horz" wrap="square" lIns="91440" tIns="45720" rIns="91440" bIns="45720" numCol="1" rtlCol="0" anchor="t" anchorCtr="0" compatLnSpc="1">
+            <a:prstTxWarp prst="textNoShape">
+              <a:avLst/>
+            </a:prstTxWarp>
+          </a:bodyPr>
+          <a:lstStyle/>
+          <a:p>
+            <a:pPr marL="0" marR="0" indent="0" algn="l" defTabSz="914400" rtl="0" eaLnBrk="1" fontAlgn="base" latinLnBrk="0" hangingPunct="1">
+              <a:lnSpc>
+                <a:spcPct val="100000"/>
+              </a:lnSpc>
+              <a:spcBef>
+                <a:spcPct val="0"/>
+              </a:spcBef>
+              <a:spcAft>
+                <a:spcPct val="0"/>
+              </a:spcAft>
+              <a:buClrTx/>
+              <a:buSzTx/>
+              <a:buFontTx/>
+              <a:buNone/>
+              <a:tabLst/>
+            </a:pPr>
+            <a:endParaRPr kumimoji="0" lang="en-US" sz="3600" b="0" i="0" u="none" strike="noStrike" cap="none" normalizeH="0" baseline="0" smtClean="0">
+              <a:ln>
+                <a:noFill/>
+              </a:ln>
+              <a:solidFill>
+                <a:schemeClr val="tx1"/>
+              </a:solidFill>
+              <a:effectLst/>
+              <a:latin typeface="Times New Roman" pitchFamily="18" charset="0"/>
+            </a:endParaRPr>
+          </a:p>
+        </p:txBody>
+      </p:sp>
+      <p:cxnSp>
+        <p:nvCxnSpPr>
+          <p:cNvPr id="11" name="Straight Arrow Connector 10"/>
+          <p:cNvCxnSpPr/>
+          <p:nvPr/>
+        </p:nvCxnSpPr>
+        <p:spPr bwMode="auto">
+          <a:xfrm>
+            <a:off x="1279765" y="4038600"/>
+            <a:ext cx="609600" cy="1588"/>
+          </a:xfrm>
+          <a:prstGeom prst="straightConnector1">
+            <a:avLst/>
+          </a:prstGeom>
+          <a:noFill/>
+          <a:ln w="38100" cap="flat" cmpd="sng" algn="ctr">
+            <a:solidFill>
+              <a:schemeClr val="tx1"/>
+            </a:solidFill>
+            <a:prstDash val="solid"/>
+            <a:round/>
+            <a:headEnd type="none" w="med" len="med"/>
+            <a:tailEnd type="oval" w="lg" len="lg"/>
+          </a:ln>
+          <a:effectLst/>
+        </p:spPr>
+      </p:cxnSp>
+      <p:cxnSp>
+        <p:nvCxnSpPr>
+          <p:cNvPr id="12" name="Straight Arrow Connector 11"/>
+          <p:cNvCxnSpPr/>
+          <p:nvPr/>
+        </p:nvCxnSpPr>
+        <p:spPr bwMode="auto">
+          <a:xfrm>
+            <a:off x="1279765" y="4419600"/>
+            <a:ext cx="609600" cy="1588"/>
+          </a:xfrm>
+          <a:prstGeom prst="straightConnector1">
+            <a:avLst/>
+          </a:prstGeom>
+          <a:noFill/>
+          <a:ln w="38100" cap="flat" cmpd="sng" algn="ctr">
+            <a:solidFill>
+              <a:schemeClr val="tx1"/>
+            </a:solidFill>
+            <a:prstDash val="solid"/>
+            <a:round/>
+            <a:headEnd type="none" w="med" len="med"/>
+            <a:tailEnd type="oval" w="lg" len="lg"/>
+          </a:ln>
+          <a:effectLst/>
+        </p:spPr>
+      </p:cxnSp>
+      <p:cxnSp>
+        <p:nvCxnSpPr>
+          <p:cNvPr id="17" name="Straight Arrow Connector 16"/>
+          <p:cNvCxnSpPr/>
+          <p:nvPr/>
+        </p:nvCxnSpPr>
+        <p:spPr bwMode="auto">
+          <a:xfrm>
+            <a:off x="5546965" y="3884612"/>
+            <a:ext cx="609600" cy="1588"/>
+          </a:xfrm>
+          <a:prstGeom prst="straightConnector1">
+            <a:avLst/>
+          </a:prstGeom>
+          <a:noFill/>
+          <a:ln w="38100" cap="flat" cmpd="sng" algn="ctr">
+            <a:solidFill>
+              <a:schemeClr val="tx1"/>
+            </a:solidFill>
+            <a:prstDash val="solid"/>
+            <a:round/>
+            <a:headEnd type="oval" w="med" len="med"/>
+            <a:tailEnd type="diamond" w="lg" len="lg"/>
+          </a:ln>
+          <a:effectLst/>
+        </p:spPr>
+      </p:cxnSp>
+      <p:cxnSp>
+        <p:nvCxnSpPr>
+          <p:cNvPr id="18" name="Straight Arrow Connector 17"/>
+          <p:cNvCxnSpPr/>
+          <p:nvPr/>
+        </p:nvCxnSpPr>
+        <p:spPr bwMode="auto">
+          <a:xfrm>
+            <a:off x="5546965" y="4341812"/>
+            <a:ext cx="609600" cy="1588"/>
+          </a:xfrm>
+          <a:prstGeom prst="straightConnector1">
+            <a:avLst/>
+          </a:prstGeom>
+          <a:noFill/>
+          <a:ln w="38100" cap="flat" cmpd="sng" algn="ctr">
+            <a:solidFill>
+              <a:schemeClr val="tx1"/>
+            </a:solidFill>
+            <a:prstDash val="solid"/>
+            <a:round/>
+            <a:headEnd type="oval" w="med" len="med"/>
+            <a:tailEnd type="diamond" w="lg" len="lg"/>
+          </a:ln>
+          <a:effectLst/>
+        </p:spPr>
+      </p:cxnSp>
+      <p:cxnSp>
+        <p:nvCxnSpPr>
+          <p:cNvPr id="19" name="Straight Arrow Connector 18"/>
+          <p:cNvCxnSpPr/>
+          <p:nvPr/>
+        </p:nvCxnSpPr>
+        <p:spPr bwMode="auto">
+          <a:xfrm>
+            <a:off x="5546965" y="4799012"/>
+            <a:ext cx="609600" cy="1588"/>
+          </a:xfrm>
+          <a:prstGeom prst="straightConnector1">
+            <a:avLst/>
+          </a:prstGeom>
+          <a:noFill/>
+          <a:ln w="38100" cap="flat" cmpd="sng" algn="ctr">
+            <a:solidFill>
+              <a:schemeClr val="tx1"/>
+            </a:solidFill>
+            <a:prstDash val="solid"/>
+            <a:round/>
+            <a:headEnd type="oval" w="med" len="med"/>
+            <a:tailEnd type="diamond" w="lg" len="lg"/>
+          </a:ln>
+          <a:effectLst/>
+        </p:spPr>
+      </p:cxnSp>
+      <p:cxnSp>
+        <p:nvCxnSpPr>
+          <p:cNvPr id="20" name="Straight Arrow Connector 19"/>
+          <p:cNvCxnSpPr/>
+          <p:nvPr/>
+        </p:nvCxnSpPr>
+        <p:spPr bwMode="auto">
+          <a:xfrm>
+            <a:off x="5546965" y="5256212"/>
+            <a:ext cx="609600" cy="1588"/>
+          </a:xfrm>
+          <a:prstGeom prst="straightConnector1">
+            <a:avLst/>
+          </a:prstGeom>
+          <a:noFill/>
+          <a:ln w="38100" cap="flat" cmpd="sng" algn="ctr">
+            <a:solidFill>
+              <a:schemeClr val="tx1"/>
+            </a:solidFill>
+            <a:prstDash val="solid"/>
+            <a:round/>
+            <a:headEnd type="oval" w="med" len="med"/>
+            <a:tailEnd type="diamond" w="lg" len="lg"/>
+          </a:ln>
+          <a:effectLst/>
+        </p:spPr>
+      </p:cxnSp>
+      <p:cxnSp>
+        <p:nvCxnSpPr>
+          <p:cNvPr id="21" name="Straight Arrow Connector 20"/>
+          <p:cNvCxnSpPr/>
+          <p:nvPr/>
+        </p:nvCxnSpPr>
+        <p:spPr bwMode="auto">
+          <a:xfrm>
+            <a:off x="1279765" y="4800600"/>
+            <a:ext cx="609600" cy="1588"/>
+          </a:xfrm>
+          <a:prstGeom prst="straightConnector1">
+            <a:avLst/>
+          </a:prstGeom>
+          <a:noFill/>
+          <a:ln w="38100" cap="flat" cmpd="sng" algn="ctr">
+            <a:solidFill>
+              <a:schemeClr val="tx1"/>
+            </a:solidFill>
+            <a:prstDash val="solid"/>
+            <a:round/>
+            <a:headEnd type="none" w="med" len="med"/>
+            <a:tailEnd type="oval" w="lg" len="lg"/>
+          </a:ln>
+          <a:effectLst/>
+        </p:spPr>
+      </p:cxnSp>
+      <p:cxnSp>
+        <p:nvCxnSpPr>
+          <p:cNvPr id="22" name="Straight Arrow Connector 21"/>
+          <p:cNvCxnSpPr/>
+          <p:nvPr/>
+        </p:nvCxnSpPr>
+        <p:spPr bwMode="auto">
+          <a:xfrm>
+            <a:off x="1279765" y="5181600"/>
+            <a:ext cx="609600" cy="1588"/>
+          </a:xfrm>
+          <a:prstGeom prst="straightConnector1">
+            <a:avLst/>
+          </a:prstGeom>
+          <a:noFill/>
+          <a:ln w="38100" cap="flat" cmpd="sng" algn="ctr">
+            <a:solidFill>
+              <a:schemeClr val="tx1"/>
+            </a:solidFill>
+            <a:prstDash val="solid"/>
+            <a:round/>
+            <a:headEnd type="none" w="med" len="med"/>
+            <a:tailEnd type="oval" w="lg" len="lg"/>
+          </a:ln>
+          <a:effectLst/>
+        </p:spPr>
+      </p:cxnSp>
+      <p:cxnSp>
+        <p:nvCxnSpPr>
+          <p:cNvPr id="23" name="Straight Arrow Connector 22"/>
+          <p:cNvCxnSpPr/>
+          <p:nvPr/>
+        </p:nvCxnSpPr>
+        <p:spPr bwMode="auto">
+          <a:xfrm>
+            <a:off x="1279765" y="2284412"/>
+            <a:ext cx="609600" cy="1588"/>
+          </a:xfrm>
+          <a:prstGeom prst="straightConnector1">
+            <a:avLst/>
+          </a:prstGeom>
+          <a:noFill/>
+          <a:ln w="38100" cap="flat" cmpd="sng" algn="ctr">
+            <a:solidFill>
+              <a:schemeClr val="tx1"/>
+            </a:solidFill>
+            <a:prstDash val="solid"/>
+            <a:round/>
+            <a:headEnd type="none" w="med" len="med"/>
+            <a:tailEnd type="oval" w="lg" len="lg"/>
+          </a:ln>
+          <a:effectLst/>
+        </p:spPr>
+      </p:cxnSp>
+      <p:cxnSp>
+        <p:nvCxnSpPr>
+          <p:cNvPr id="24" name="Straight Arrow Connector 23"/>
+          <p:cNvCxnSpPr/>
+          <p:nvPr/>
+        </p:nvCxnSpPr>
+        <p:spPr bwMode="auto">
+          <a:xfrm>
+            <a:off x="1279765" y="2665412"/>
+            <a:ext cx="609600" cy="1588"/>
+          </a:xfrm>
+          <a:prstGeom prst="straightConnector1">
+            <a:avLst/>
+          </a:prstGeom>
+          <a:noFill/>
+          <a:ln w="38100" cap="flat" cmpd="sng" algn="ctr">
+            <a:solidFill>
+              <a:schemeClr val="tx1"/>
+            </a:solidFill>
+            <a:prstDash val="solid"/>
+            <a:round/>
+            <a:headEnd type="none" w="med" len="med"/>
+            <a:tailEnd type="oval" w="lg" len="lg"/>
+          </a:ln>
+          <a:effectLst/>
+        </p:spPr>
+      </p:cxnSp>
+      <p:cxnSp>
+        <p:nvCxnSpPr>
+          <p:cNvPr id="25" name="Straight Arrow Connector 24"/>
+          <p:cNvCxnSpPr/>
+          <p:nvPr/>
+        </p:nvCxnSpPr>
+        <p:spPr bwMode="auto">
+          <a:xfrm>
+            <a:off x="1279765" y="3046412"/>
+            <a:ext cx="609600" cy="1588"/>
+          </a:xfrm>
+          <a:prstGeom prst="straightConnector1">
+            <a:avLst/>
+          </a:prstGeom>
+          <a:noFill/>
+          <a:ln w="38100" cap="flat" cmpd="sng" algn="ctr">
+            <a:solidFill>
+              <a:schemeClr val="tx1"/>
+            </a:solidFill>
+            <a:prstDash val="solid"/>
+            <a:round/>
+            <a:headEnd type="none" w="med" len="med"/>
+            <a:tailEnd type="oval" w="lg" len="lg"/>
+          </a:ln>
+          <a:effectLst/>
+        </p:spPr>
+      </p:cxnSp>
+      <p:cxnSp>
+        <p:nvCxnSpPr>
+          <p:cNvPr id="26" name="Straight Arrow Connector 25"/>
+          <p:cNvCxnSpPr/>
+          <p:nvPr/>
+        </p:nvCxnSpPr>
+        <p:spPr bwMode="auto">
+          <a:xfrm>
+            <a:off x="1279765" y="3427412"/>
+            <a:ext cx="609600" cy="1588"/>
+          </a:xfrm>
+          <a:prstGeom prst="straightConnector1">
+            <a:avLst/>
+          </a:prstGeom>
+          <a:noFill/>
+          <a:ln w="38100" cap="flat" cmpd="sng" algn="ctr">
+            <a:solidFill>
+              <a:schemeClr val="tx1"/>
+            </a:solidFill>
+            <a:prstDash val="solid"/>
+            <a:round/>
+            <a:headEnd type="none" w="med" len="med"/>
+            <a:tailEnd type="oval" w="lg" len="lg"/>
+          </a:ln>
+          <a:effectLst/>
+        </p:spPr>
+      </p:cxnSp>
+      <p:cxnSp>
+        <p:nvCxnSpPr>
+          <p:cNvPr id="27" name="Straight Arrow Connector 26"/>
+          <p:cNvCxnSpPr/>
+          <p:nvPr/>
+        </p:nvCxnSpPr>
+        <p:spPr bwMode="auto">
+          <a:xfrm>
+            <a:off x="5546965" y="2132012"/>
+            <a:ext cx="609600" cy="1588"/>
+          </a:xfrm>
+          <a:prstGeom prst="straightConnector1">
+            <a:avLst/>
+          </a:prstGeom>
+          <a:noFill/>
+          <a:ln w="38100" cap="flat" cmpd="sng" algn="ctr">
+            <a:solidFill>
+              <a:schemeClr val="tx1"/>
+            </a:solidFill>
+            <a:prstDash val="solid"/>
+            <a:round/>
+            <a:headEnd type="oval" w="med" len="med"/>
+            <a:tailEnd type="diamond" w="lg" len="lg"/>
+          </a:ln>
+          <a:effectLst/>
+        </p:spPr>
+      </p:cxnSp>
+      <p:cxnSp>
+        <p:nvCxnSpPr>
+          <p:cNvPr id="28" name="Straight Arrow Connector 27"/>
+          <p:cNvCxnSpPr/>
+          <p:nvPr/>
+        </p:nvCxnSpPr>
+        <p:spPr bwMode="auto">
+          <a:xfrm>
+            <a:off x="5546965" y="2589212"/>
+            <a:ext cx="609600" cy="1588"/>
+          </a:xfrm>
+          <a:prstGeom prst="straightConnector1">
+            <a:avLst/>
+          </a:prstGeom>
+          <a:noFill/>
+          <a:ln w="38100" cap="flat" cmpd="sng" algn="ctr">
+            <a:solidFill>
+              <a:schemeClr val="tx1"/>
+            </a:solidFill>
+            <a:prstDash val="solid"/>
+            <a:round/>
+            <a:headEnd type="oval" w="med" len="med"/>
+            <a:tailEnd type="diamond" w="lg" len="lg"/>
+          </a:ln>
+          <a:effectLst/>
+        </p:spPr>
+      </p:cxnSp>
+      <p:cxnSp>
+        <p:nvCxnSpPr>
+          <p:cNvPr id="29" name="Straight Arrow Connector 28"/>
+          <p:cNvCxnSpPr/>
+          <p:nvPr/>
+        </p:nvCxnSpPr>
+        <p:spPr bwMode="auto">
+          <a:xfrm>
+            <a:off x="5546965" y="3046412"/>
+            <a:ext cx="609600" cy="1588"/>
+          </a:xfrm>
+          <a:prstGeom prst="straightConnector1">
+            <a:avLst/>
+          </a:prstGeom>
+          <a:noFill/>
+          <a:ln w="38100" cap="flat" cmpd="sng" algn="ctr">
+            <a:solidFill>
+              <a:schemeClr val="tx1"/>
+            </a:solidFill>
+            <a:prstDash val="solid"/>
+            <a:round/>
+            <a:headEnd type="oval" w="med" len="med"/>
+            <a:tailEnd type="diamond" w="lg" len="lg"/>
+          </a:ln>
+          <a:effectLst/>
+        </p:spPr>
+      </p:cxnSp>
+      <p:cxnSp>
+        <p:nvCxnSpPr>
+          <p:cNvPr id="30" name="Straight Arrow Connector 29"/>
+          <p:cNvCxnSpPr/>
+          <p:nvPr/>
+        </p:nvCxnSpPr>
+        <p:spPr bwMode="auto">
+          <a:xfrm>
+            <a:off x="5546965" y="3503612"/>
+            <a:ext cx="609600" cy="1588"/>
+          </a:xfrm>
+          <a:prstGeom prst="straightConnector1">
+            <a:avLst/>
+          </a:prstGeom>
+          <a:noFill/>
+          <a:ln w="38100" cap="flat" cmpd="sng" algn="ctr">
+            <a:solidFill>
+              <a:schemeClr val="tx1"/>
+            </a:solidFill>
+            <a:prstDash val="solid"/>
+            <a:round/>
+            <a:headEnd type="oval" w="med" len="med"/>
+            <a:tailEnd type="diamond" w="lg" len="lg"/>
+          </a:ln>
+          <a:effectLst/>
+        </p:spPr>
+      </p:cxnSp>
+      <p:sp>
+        <p:nvSpPr>
+          <p:cNvPr id="33" name="Left Brace 32"/>
+          <p:cNvSpPr/>
+          <p:nvPr/>
+        </p:nvSpPr>
+        <p:spPr bwMode="auto">
+          <a:xfrm>
+            <a:off x="670165" y="3886200"/>
+            <a:ext cx="381000" cy="1447800"/>
+          </a:xfrm>
+          <a:prstGeom prst="leftBrace">
+            <a:avLst/>
+          </a:prstGeom>
+          <a:noFill/>
+          <a:ln w="28575" cap="flat" cmpd="sng" algn="ctr">
+            <a:solidFill>
+              <a:schemeClr val="accent1">
+                <a:lumMod val="50000"/>
+              </a:schemeClr>
+            </a:solidFill>
+            <a:prstDash val="solid"/>
+            <a:round/>
+            <a:headEnd type="none" w="med" len="med"/>
+            <a:tailEnd type="none" w="lg" len="lg"/>
+          </a:ln>
+          <a:effectLst/>
+        </p:spPr>
+        <p:txBody>
+          <a:bodyPr rtlCol="0" anchor="ctr"/>
+          <a:lstStyle/>
+          <a:p>
+            <a:pPr algn="ctr"/>
+            <a:endParaRPr lang="en-US" dirty="0">
+              <a:solidFill>
+                <a:srgbClr val="0000E5"/>
+              </a:solidFill>
+            </a:endParaRPr>
+          </a:p>
+        </p:txBody>
+      </p:sp>
+      <p:sp>
+        <p:nvSpPr>
+          <p:cNvPr id="34" name="Left Brace 33"/>
+          <p:cNvSpPr/>
+          <p:nvPr/>
+        </p:nvSpPr>
+        <p:spPr bwMode="auto">
+          <a:xfrm>
+            <a:off x="670165" y="2133600"/>
+            <a:ext cx="381000" cy="1447800"/>
+          </a:xfrm>
+          <a:prstGeom prst="leftBrace">
+            <a:avLst/>
+          </a:prstGeom>
+          <a:noFill/>
+          <a:ln w="28575" cap="flat" cmpd="sng" algn="ctr">
+            <a:solidFill>
+              <a:schemeClr val="accent1">
+                <a:lumMod val="50000"/>
+              </a:schemeClr>
+            </a:solidFill>
+            <a:prstDash val="solid"/>
+            <a:round/>
+            <a:headEnd type="none" w="med" len="med"/>
+            <a:tailEnd type="none" w="lg" len="lg"/>
+          </a:ln>
+          <a:effectLst/>
+        </p:spPr>
+        <p:txBody>
+          <a:bodyPr rtlCol="0" anchor="ctr"/>
+          <a:lstStyle/>
+          <a:p>
+            <a:pPr algn="ctr"/>
+            <a:endParaRPr lang="en-US" dirty="0">
+              <a:solidFill>
+                <a:srgbClr val="0000E5"/>
+              </a:solidFill>
+            </a:endParaRPr>
+          </a:p>
+        </p:txBody>
+      </p:sp>
+      <p:sp>
+        <p:nvSpPr>
+          <p:cNvPr id="36" name="TextBox 35"/>
+          <p:cNvSpPr txBox="1"/>
+          <p:nvPr/>
+        </p:nvSpPr>
+        <p:spPr>
+          <a:xfrm>
+            <a:off x="76200" y="2438400"/>
+            <a:ext cx="517765" cy="769441"/>
+          </a:xfrm>
+          <a:prstGeom prst="rect">
+            <a:avLst/>
+          </a:prstGeom>
+          <a:noFill/>
+        </p:spPr>
+        <p:txBody>
+          <a:bodyPr wrap="none" rtlCol="0">
+            <a:spAutoFit/>
+          </a:bodyPr>
+          <a:lstStyle/>
+          <a:p>
+            <a:r>
+              <a:rPr lang="en-US" sz="4400" dirty="0" err="1" smtClean="0">
+                <a:solidFill>
+                  <a:srgbClr val="0000E5"/>
+                </a:solidFill>
+                <a:latin typeface="+mj-lt"/>
+              </a:rPr>
+              <a:t>x</a:t>
+            </a:r>
+            <a:endParaRPr lang="en-US" sz="4400" dirty="0" smtClean="0">
+              <a:solidFill>
+                <a:srgbClr val="0000E5"/>
+              </a:solidFill>
               <a:latin typeface="+mj-lt"/>
             </a:endParaRPr>
+          </a:p>
+        </p:txBody>
+      </p:sp>
+      <p:sp>
+        <p:nvSpPr>
+          <p:cNvPr id="37" name="TextBox 36"/>
+          <p:cNvSpPr txBox="1"/>
+          <p:nvPr/>
+        </p:nvSpPr>
+        <p:spPr>
+          <a:xfrm>
+            <a:off x="136765" y="4183559"/>
+            <a:ext cx="478366" cy="769441"/>
+          </a:xfrm>
+          <a:prstGeom prst="rect">
+            <a:avLst/>
+          </a:prstGeom>
+          <a:noFill/>
+        </p:spPr>
+        <p:txBody>
+          <a:bodyPr wrap="none" rtlCol="0">
+            <a:spAutoFit/>
+          </a:bodyPr>
+          <a:lstStyle/>
+          <a:p>
+            <a:r>
+              <a:rPr lang="en-US" sz="4400" dirty="0" err="1" smtClean="0">
+                <a:solidFill>
+                  <a:srgbClr val="0000E5"/>
+                </a:solidFill>
+                <a:latin typeface="+mj-lt"/>
+              </a:rPr>
+              <a:t>y</a:t>
+            </a:r>
+            <a:endParaRPr lang="en-US" sz="4400" dirty="0" smtClean="0">
+              <a:solidFill>
+                <a:srgbClr val="0000E5"/>
+              </a:solidFill>
+              <a:latin typeface="+mj-lt"/>
+            </a:endParaRPr>
+          </a:p>
+        </p:txBody>
+      </p:sp>
+      <p:grpSp>
+        <p:nvGrpSpPr>
+          <p:cNvPr id="3" name="Group 40"/>
+          <p:cNvGrpSpPr/>
+          <p:nvPr/>
+        </p:nvGrpSpPr>
+        <p:grpSpPr>
+          <a:xfrm>
+            <a:off x="2041765" y="2209800"/>
+            <a:ext cx="1661519" cy="1295400"/>
+            <a:chOff x="2362200" y="2209800"/>
+            <a:chExt cx="1661519" cy="1295400"/>
+          </a:xfrm>
+        </p:grpSpPr>
+        <p:sp>
+          <p:nvSpPr>
+            <p:cNvPr id="39" name="Right Brace 38"/>
+            <p:cNvSpPr/>
+            <p:nvPr/>
+          </p:nvSpPr>
+          <p:spPr bwMode="auto">
+            <a:xfrm>
+              <a:off x="2362200" y="2209800"/>
+              <a:ext cx="304800" cy="1295400"/>
+            </a:xfrm>
+            <a:prstGeom prst="rightBrace">
+              <a:avLst/>
+            </a:prstGeom>
+            <a:noFill/>
+            <a:ln w="28575" cap="flat" cmpd="sng" algn="ctr">
+              <a:solidFill>
+                <a:schemeClr val="tx2"/>
+              </a:solidFill>
+              <a:prstDash val="solid"/>
+              <a:round/>
+              <a:headEnd type="none" w="med" len="med"/>
+              <a:tailEnd type="none" w="lg" len="lg"/>
+            </a:ln>
+            <a:effectLst/>
+          </p:spPr>
+          <p:txBody>
+            <a:bodyPr rtlCol="0" anchor="ctr"/>
+            <a:lstStyle/>
+            <a:p>
+              <a:pPr algn="ctr"/>
+              <a:endParaRPr lang="en-US"/>
+            </a:p>
+          </p:txBody>
+        </p:sp>
+        <p:sp>
+          <p:nvSpPr>
+            <p:cNvPr id="40" name="TextBox 39"/>
+            <p:cNvSpPr txBox="1"/>
+            <p:nvPr/>
+          </p:nvSpPr>
+          <p:spPr>
+            <a:xfrm>
+              <a:off x="2743200" y="2514600"/>
+              <a:ext cx="1280519" cy="584776"/>
+            </a:xfrm>
+            <a:prstGeom prst="rect">
+              <a:avLst/>
+            </a:prstGeom>
+            <a:noFill/>
+          </p:spPr>
+          <p:txBody>
+            <a:bodyPr wrap="none" rtlCol="0">
+              <a:spAutoFit/>
+            </a:bodyPr>
+            <a:lstStyle/>
+            <a:p>
+              <a:r>
+                <a:rPr lang="en-US" sz="3200" dirty="0" err="1" smtClean="0">
+                  <a:solidFill>
+                    <a:schemeClr val="accent1">
+                      <a:lumMod val="50000"/>
+                    </a:schemeClr>
+                  </a:solidFill>
+                  <a:latin typeface="+mj-lt"/>
+                </a:rPr>
+                <a:t>k</a:t>
+              </a:r>
+              <a:r>
+                <a:rPr lang="en-US" sz="3200" dirty="0" smtClean="0">
+                  <a:latin typeface="+mj-lt"/>
+                </a:rPr>
+                <a:t> bits</a:t>
+              </a:r>
+            </a:p>
+          </p:txBody>
+        </p:sp>
+      </p:grpSp>
+      <p:grpSp>
+        <p:nvGrpSpPr>
+          <p:cNvPr id="6" name="Group 41"/>
+          <p:cNvGrpSpPr/>
+          <p:nvPr/>
+        </p:nvGrpSpPr>
+        <p:grpSpPr>
+          <a:xfrm>
+            <a:off x="2117965" y="3962400"/>
+            <a:ext cx="1661519" cy="1295400"/>
+            <a:chOff x="2362200" y="2209800"/>
+            <a:chExt cx="1661519" cy="1295400"/>
+          </a:xfrm>
+        </p:grpSpPr>
+        <p:sp>
+          <p:nvSpPr>
+            <p:cNvPr id="43" name="Right Brace 42"/>
+            <p:cNvSpPr/>
+            <p:nvPr/>
+          </p:nvSpPr>
+          <p:spPr bwMode="auto">
+            <a:xfrm>
+              <a:off x="2362200" y="2209800"/>
+              <a:ext cx="304800" cy="1295400"/>
+            </a:xfrm>
+            <a:prstGeom prst="rightBrace">
+              <a:avLst/>
+            </a:prstGeom>
+            <a:noFill/>
+            <a:ln w="28575" cap="flat" cmpd="sng" algn="ctr">
+              <a:solidFill>
+                <a:schemeClr val="tx2"/>
+              </a:solidFill>
+              <a:prstDash val="solid"/>
+              <a:round/>
+              <a:headEnd type="none" w="med" len="med"/>
+              <a:tailEnd type="none" w="lg" len="lg"/>
+            </a:ln>
+            <a:effectLst/>
+          </p:spPr>
+          <p:txBody>
+            <a:bodyPr rtlCol="0" anchor="ctr"/>
+            <a:lstStyle/>
+            <a:p>
+              <a:pPr algn="ctr"/>
+              <a:endParaRPr lang="en-US"/>
+            </a:p>
+          </p:txBody>
+        </p:sp>
+        <p:sp>
+          <p:nvSpPr>
+            <p:cNvPr id="44" name="TextBox 43"/>
+            <p:cNvSpPr txBox="1"/>
+            <p:nvPr/>
+          </p:nvSpPr>
+          <p:spPr>
+            <a:xfrm>
+              <a:off x="2743200" y="2514600"/>
+              <a:ext cx="1280519" cy="584776"/>
+            </a:xfrm>
+            <a:prstGeom prst="rect">
+              <a:avLst/>
+            </a:prstGeom>
+            <a:noFill/>
+          </p:spPr>
+          <p:txBody>
+            <a:bodyPr wrap="none" rtlCol="0">
+              <a:spAutoFit/>
+            </a:bodyPr>
+            <a:lstStyle/>
+            <a:p>
+              <a:r>
+                <a:rPr lang="en-US" sz="3200" dirty="0" err="1" smtClean="0">
+                  <a:solidFill>
+                    <a:srgbClr val="0000E5"/>
+                  </a:solidFill>
+                  <a:latin typeface="+mj-lt"/>
+                </a:rPr>
+                <a:t>k</a:t>
+              </a:r>
+              <a:r>
+                <a:rPr lang="en-US" sz="3200" dirty="0" smtClean="0">
+                  <a:latin typeface="+mj-lt"/>
+                </a:rPr>
+                <a:t> bits</a:t>
+              </a:r>
+            </a:p>
+          </p:txBody>
+        </p:sp>
+      </p:grpSp>
+      <p:grpSp>
+        <p:nvGrpSpPr>
+          <p:cNvPr id="7" name="Group 46"/>
+          <p:cNvGrpSpPr/>
+          <p:nvPr/>
+        </p:nvGrpSpPr>
+        <p:grpSpPr>
+          <a:xfrm>
+            <a:off x="3565765" y="2133600"/>
+            <a:ext cx="1856053" cy="3124200"/>
+            <a:chOff x="3935147" y="2057400"/>
+            <a:chExt cx="1856053" cy="3124200"/>
+          </a:xfrm>
+        </p:grpSpPr>
+        <p:sp>
+          <p:nvSpPr>
+            <p:cNvPr id="45" name="Left Brace 44"/>
+            <p:cNvSpPr/>
+            <p:nvPr/>
+          </p:nvSpPr>
+          <p:spPr bwMode="auto">
+            <a:xfrm>
+              <a:off x="5410200" y="2057400"/>
+              <a:ext cx="381000" cy="3124200"/>
+            </a:xfrm>
+            <a:prstGeom prst="leftBrace">
+              <a:avLst/>
+            </a:prstGeom>
+            <a:noFill/>
+            <a:ln w="28575" cap="flat" cmpd="sng" algn="ctr">
+              <a:solidFill>
+                <a:schemeClr val="tx2"/>
+              </a:solidFill>
+              <a:prstDash val="solid"/>
+              <a:round/>
+              <a:headEnd type="none" w="med" len="med"/>
+              <a:tailEnd type="none" w="lg" len="lg"/>
+            </a:ln>
+            <a:effectLst/>
+          </p:spPr>
+          <p:txBody>
+            <a:bodyPr rtlCol="0" anchor="ctr"/>
+            <a:lstStyle/>
+            <a:p>
+              <a:pPr algn="ctr"/>
+              <a:endParaRPr lang="en-US" dirty="0">
+                <a:solidFill>
+                  <a:srgbClr val="0000E5"/>
+                </a:solidFill>
+              </a:endParaRPr>
+            </a:p>
+          </p:txBody>
+        </p:sp>
+        <p:sp>
+          <p:nvSpPr>
+            <p:cNvPr id="46" name="TextBox 45"/>
+            <p:cNvSpPr txBox="1"/>
+            <p:nvPr/>
+          </p:nvSpPr>
+          <p:spPr>
+            <a:xfrm>
+              <a:off x="3935147" y="3301424"/>
+              <a:ext cx="1530988" cy="584776"/>
+            </a:xfrm>
+            <a:prstGeom prst="rect">
+              <a:avLst/>
+            </a:prstGeom>
+            <a:noFill/>
+          </p:spPr>
+          <p:txBody>
+            <a:bodyPr wrap="none" rtlCol="0">
+              <a:spAutoFit/>
+            </a:bodyPr>
+            <a:lstStyle/>
+            <a:p>
+              <a:r>
+                <a:rPr lang="en-US" sz="3200" dirty="0" smtClean="0">
+                  <a:solidFill>
+                    <a:srgbClr val="0000E5"/>
+                  </a:solidFill>
+                  <a:latin typeface="+mj-lt"/>
+                </a:rPr>
+                <a:t>2k</a:t>
+              </a:r>
+              <a:r>
+                <a:rPr lang="en-US" sz="3200" dirty="0" smtClean="0">
+                  <a:latin typeface="+mj-lt"/>
+                </a:rPr>
+                <a:t> bits</a:t>
+              </a:r>
+            </a:p>
+          </p:txBody>
+        </p:sp>
+      </p:grpSp>
+      <p:sp>
+        <p:nvSpPr>
+          <p:cNvPr id="48" name="TextBox 47"/>
+          <p:cNvSpPr txBox="1"/>
+          <p:nvPr/>
+        </p:nvSpPr>
+        <p:spPr>
+          <a:xfrm>
+            <a:off x="1965565" y="1295400"/>
+            <a:ext cx="3384661" cy="584776"/>
+          </a:xfrm>
+          <a:prstGeom prst="rect">
+            <a:avLst/>
+          </a:prstGeom>
+          <a:noFill/>
+        </p:spPr>
+        <p:txBody>
+          <a:bodyPr wrap="none" rtlCol="0">
+            <a:spAutoFit/>
+          </a:bodyPr>
+          <a:lstStyle/>
+          <a:p>
+            <a:r>
+              <a:rPr lang="en-US" sz="3200" dirty="0" smtClean="0">
+                <a:latin typeface="+mj-lt"/>
+              </a:rPr>
+              <a:t>multiplier circuit</a:t>
+            </a:r>
           </a:p>
         </p:txBody>
       </p:sp>
@@ -4874,9 +7419,6 @@
                 </a:rPr>
                 <a:t>equality circuit</a:t>
               </a:r>
-              <a:endParaRPr lang="en-US" sz="3200" dirty="0" smtClean="0">
-                <a:latin typeface="+mj-lt"/>
-              </a:endParaRPr>
             </a:p>
           </p:txBody>
         </p:sp>
@@ -5040,7 +7582,7 @@
 </p:sld>
 </file>
 
-<file path=ppt/slides/slide11.xml><?xml version="1.0" encoding="utf-8"?>
+<file path=ppt/slides/slide14.xml><?xml version="1.0" encoding="utf-8"?>
 <p:sld xmlns:a="http://schemas.openxmlformats.org/drawingml/2006/main" xmlns:r="http://schemas.openxmlformats.org/officeDocument/2006/relationships" xmlns:mc="http://schemas.openxmlformats.org/markup-compatibility/2006" xmlns:mv="urn:schemas-microsoft-com:mac:vml" xmlns:p="http://schemas.openxmlformats.org/presentationml/2006/main" mc:Ignorable="mv" mc:PreserveAttributes="mv:*" show="0">
   <p:cSld>
     <p:spTree>
@@ -5814,9 +8356,6 @@
                 </a:rPr>
                 <a:t> bits</a:t>
               </a:r>
-              <a:endParaRPr lang="en-US" sz="3200" dirty="0" smtClean="0">
-                <a:latin typeface="+mj-lt"/>
-              </a:endParaRPr>
             </a:p>
           </p:txBody>
         </p:sp>
@@ -5907,9 +8446,6 @@
                 </a:rPr>
                 <a:t> bits</a:t>
               </a:r>
-              <a:endParaRPr lang="en-US" sz="3200" dirty="0" smtClean="0">
-                <a:latin typeface="+mj-lt"/>
-              </a:endParaRPr>
             </a:p>
           </p:txBody>
         </p:sp>
@@ -6004,9 +8540,6 @@
                 </a:rPr>
                 <a:t> bits</a:t>
               </a:r>
-              <a:endParaRPr lang="en-US" sz="3200" dirty="0" smtClean="0">
-                <a:latin typeface="+mj-lt"/>
-              </a:endParaRPr>
             </a:p>
           </p:txBody>
         </p:sp>
@@ -6039,9 +8572,6 @@
               </a:rPr>
               <a:t>multiplier circuit</a:t>
             </a:r>
-            <a:endParaRPr lang="en-US" sz="3200" dirty="0" smtClean="0">
-              <a:latin typeface="+mj-lt"/>
-            </a:endParaRPr>
           </a:p>
         </p:txBody>
       </p:sp>
@@ -6209,9 +8739,6 @@
                 </a:rPr>
                 <a:t>equality circuit</a:t>
               </a:r>
-              <a:endParaRPr lang="en-US" sz="3200" dirty="0" smtClean="0">
-                <a:latin typeface="+mj-lt"/>
-              </a:endParaRPr>
             </a:p>
           </p:txBody>
         </p:sp>
@@ -6274,12 +8801,6 @@
               </a:rPr>
               <a:t>0</a:t>
             </a:r>
-            <a:endParaRPr lang="en-US" sz="3600" dirty="0" smtClean="0">
-              <a:solidFill>
-                <a:srgbClr val="FF00FF"/>
-              </a:solidFill>
-              <a:latin typeface="+mj-lt"/>
-            </a:endParaRPr>
           </a:p>
         </p:txBody>
       </p:sp>
@@ -6342,12 +8863,6 @@
                   </a:rPr>
                   <a:t>?</a:t>
                 </a:r>
-                <a:endParaRPr lang="en-US" sz="2800" dirty="0" smtClean="0">
-                  <a:solidFill>
-                    <a:srgbClr val="FF00FF"/>
-                  </a:solidFill>
-                  <a:latin typeface="+mj-lt"/>
-                </a:endParaRPr>
               </a:p>
             </p:txBody>
           </p:sp>
@@ -6382,12 +8897,6 @@
                   </a:rPr>
                   <a:t>?</a:t>
                 </a:r>
-                <a:endParaRPr lang="en-US" sz="2800" dirty="0" smtClean="0">
-                  <a:solidFill>
-                    <a:srgbClr val="FF00FF"/>
-                  </a:solidFill>
-                  <a:latin typeface="+mj-lt"/>
-                </a:endParaRPr>
               </a:p>
             </p:txBody>
           </p:sp>
@@ -6422,12 +8931,6 @@
                   </a:rPr>
                   <a:t>?</a:t>
                 </a:r>
-                <a:endParaRPr lang="en-US" sz="2800" dirty="0" smtClean="0">
-                  <a:solidFill>
-                    <a:srgbClr val="FF00FF"/>
-                  </a:solidFill>
-                  <a:latin typeface="+mj-lt"/>
-                </a:endParaRPr>
               </a:p>
             </p:txBody>
           </p:sp>
@@ -6491,12 +8994,6 @@
                     </a:rPr>
                     <a:t>?</a:t>
                   </a:r>
-                  <a:endParaRPr lang="en-US" sz="2800" dirty="0" smtClean="0">
-                    <a:solidFill>
-                      <a:srgbClr val="FF00FF"/>
-                    </a:solidFill>
-                    <a:latin typeface="+mj-lt"/>
-                  </a:endParaRPr>
                 </a:p>
               </p:txBody>
             </p:sp>
@@ -6531,12 +9028,6 @@
                     </a:rPr>
                     <a:t>?</a:t>
                   </a:r>
-                  <a:endParaRPr lang="en-US" sz="2800" dirty="0" smtClean="0">
-                    <a:solidFill>
-                      <a:srgbClr val="FF00FF"/>
-                    </a:solidFill>
-                    <a:latin typeface="+mj-lt"/>
-                  </a:endParaRPr>
                 </a:p>
               </p:txBody>
             </p:sp>
@@ -6571,12 +9062,6 @@
                     </a:rPr>
                     <a:t>?</a:t>
                   </a:r>
-                  <a:endParaRPr lang="en-US" sz="2800" dirty="0" smtClean="0">
-                    <a:solidFill>
-                      <a:srgbClr val="FF00FF"/>
-                    </a:solidFill>
-                    <a:latin typeface="+mj-lt"/>
-                  </a:endParaRPr>
                 </a:p>
               </p:txBody>
             </p:sp>
@@ -6612,12 +9097,6 @@
                   </a:rPr>
                   <a:t>?</a:t>
                 </a:r>
-                <a:endParaRPr lang="en-US" sz="2800" dirty="0" smtClean="0">
-                  <a:solidFill>
-                    <a:srgbClr val="FF00FF"/>
-                  </a:solidFill>
-                  <a:latin typeface="+mj-lt"/>
-                </a:endParaRPr>
               </a:p>
             </p:txBody>
           </p:sp>
@@ -6755,7 +9234,7 @@
 </p:sld>
 </file>
 
-<file path=ppt/slides/slide12.xml><?xml version="1.0" encoding="utf-8"?>
+<file path=ppt/slides/slide15.xml><?xml version="1.0" encoding="utf-8"?>
 <p:sld xmlns:a="http://schemas.openxmlformats.org/drawingml/2006/main" xmlns:r="http://schemas.openxmlformats.org/officeDocument/2006/relationships" xmlns:mc="http://schemas.openxmlformats.org/markup-compatibility/2006" xmlns:mv="urn:schemas-microsoft-com:mac:vml" xmlns:p="http://schemas.openxmlformats.org/presentationml/2006/main" mc:Ignorable="mv" mc:PreserveAttributes="mv:*">
   <p:cSld>
     <p:spTree>
@@ -7529,9 +10008,6 @@
                 </a:rPr>
                 <a:t> bits</a:t>
               </a:r>
-              <a:endParaRPr lang="en-US" sz="3200" dirty="0" smtClean="0">
-                <a:latin typeface="+mj-lt"/>
-              </a:endParaRPr>
             </a:p>
           </p:txBody>
         </p:sp>
@@ -7622,9 +10098,6 @@
                 </a:rPr>
                 <a:t> bits</a:t>
               </a:r>
-              <a:endParaRPr lang="en-US" sz="3200" dirty="0" smtClean="0">
-                <a:latin typeface="+mj-lt"/>
-              </a:endParaRPr>
             </a:p>
           </p:txBody>
         </p:sp>
@@ -7719,9 +10192,6 @@
                 </a:rPr>
                 <a:t> bits</a:t>
               </a:r>
-              <a:endParaRPr lang="en-US" sz="3200" dirty="0" smtClean="0">
-                <a:latin typeface="+mj-lt"/>
-              </a:endParaRPr>
             </a:p>
           </p:txBody>
         </p:sp>
@@ -7754,9 +10224,6 @@
               </a:rPr>
               <a:t>multiplier circuit</a:t>
             </a:r>
-            <a:endParaRPr lang="en-US" sz="3200" dirty="0" smtClean="0">
-              <a:latin typeface="+mj-lt"/>
-            </a:endParaRPr>
           </a:p>
         </p:txBody>
       </p:sp>
@@ -7924,9 +10391,6 @@
                 </a:rPr>
                 <a:t>equality circuit</a:t>
               </a:r>
-              <a:endParaRPr lang="en-US" sz="3200" dirty="0" smtClean="0">
-                <a:latin typeface="+mj-lt"/>
-              </a:endParaRPr>
             </a:p>
           </p:txBody>
         </p:sp>
@@ -7989,12 +10453,6 @@
               </a:rPr>
               <a:t>0</a:t>
             </a:r>
-            <a:endParaRPr lang="en-US" sz="3600" dirty="0" smtClean="0">
-              <a:solidFill>
-                <a:srgbClr val="FF00FF"/>
-              </a:solidFill>
-              <a:latin typeface="+mj-lt"/>
-            </a:endParaRPr>
           </a:p>
         </p:txBody>
       </p:sp>
@@ -8057,12 +10515,6 @@
                   </a:rPr>
                   <a:t>?</a:t>
                 </a:r>
-                <a:endParaRPr lang="en-US" sz="2800" dirty="0" smtClean="0">
-                  <a:solidFill>
-                    <a:srgbClr val="FF00FF"/>
-                  </a:solidFill>
-                  <a:latin typeface="+mj-lt"/>
-                </a:endParaRPr>
               </a:p>
             </p:txBody>
           </p:sp>
@@ -8097,12 +10549,6 @@
                   </a:rPr>
                   <a:t>?</a:t>
                 </a:r>
-                <a:endParaRPr lang="en-US" sz="2800" dirty="0" smtClean="0">
-                  <a:solidFill>
-                    <a:srgbClr val="FF00FF"/>
-                  </a:solidFill>
-                  <a:latin typeface="+mj-lt"/>
-                </a:endParaRPr>
               </a:p>
             </p:txBody>
           </p:sp>
@@ -8137,12 +10583,6 @@
                   </a:rPr>
                   <a:t>?</a:t>
                 </a:r>
-                <a:endParaRPr lang="en-US" sz="2800" dirty="0" smtClean="0">
-                  <a:solidFill>
-                    <a:srgbClr val="FF00FF"/>
-                  </a:solidFill>
-                  <a:latin typeface="+mj-lt"/>
-                </a:endParaRPr>
               </a:p>
             </p:txBody>
           </p:sp>
@@ -8206,12 +10646,6 @@
                     </a:rPr>
                     <a:t>?</a:t>
                   </a:r>
-                  <a:endParaRPr lang="en-US" sz="2800" dirty="0" smtClean="0">
-                    <a:solidFill>
-                      <a:srgbClr val="FF00FF"/>
-                    </a:solidFill>
-                    <a:latin typeface="+mj-lt"/>
-                  </a:endParaRPr>
                 </a:p>
               </p:txBody>
             </p:sp>
@@ -8246,12 +10680,6 @@
                     </a:rPr>
                     <a:t>?</a:t>
                   </a:r>
-                  <a:endParaRPr lang="en-US" sz="2800" dirty="0" smtClean="0">
-                    <a:solidFill>
-                      <a:srgbClr val="FF00FF"/>
-                    </a:solidFill>
-                    <a:latin typeface="+mj-lt"/>
-                  </a:endParaRPr>
                 </a:p>
               </p:txBody>
             </p:sp>
@@ -8286,12 +10714,6 @@
                     </a:rPr>
                     <a:t>?</a:t>
                   </a:r>
-                  <a:endParaRPr lang="en-US" sz="2800" dirty="0" smtClean="0">
-                    <a:solidFill>
-                      <a:srgbClr val="FF00FF"/>
-                    </a:solidFill>
-                    <a:latin typeface="+mj-lt"/>
-                  </a:endParaRPr>
                 </a:p>
               </p:txBody>
             </p:sp>
@@ -8327,12 +10749,6 @@
                   </a:rPr>
                   <a:t>?</a:t>
                 </a:r>
-                <a:endParaRPr lang="en-US" sz="2800" dirty="0" smtClean="0">
-                  <a:solidFill>
-                    <a:srgbClr val="FF00FF"/>
-                  </a:solidFill>
-                  <a:latin typeface="+mj-lt"/>
-                </a:endParaRPr>
               </a:p>
             </p:txBody>
           </p:sp>
@@ -8418,12 +10834,6 @@
                 </a:rPr>
                 <a:t>SAT?</a:t>
               </a:r>
-              <a:endParaRPr lang="en-US" sz="2800" dirty="0" smtClean="0">
-                <a:solidFill>
-                  <a:srgbClr val="008000"/>
-                </a:solidFill>
-                <a:latin typeface="+mj-lt"/>
-              </a:endParaRPr>
             </a:p>
           </p:txBody>
         </p:sp>
@@ -8560,7 +10970,7 @@
 </p:sld>
 </file>
 
-<file path=ppt/slides/slide13.xml><?xml version="1.0" encoding="utf-8"?>
+<file path=ppt/slides/slide16.xml><?xml version="1.0" encoding="utf-8"?>
 <p:sld xmlns:a="http://schemas.openxmlformats.org/drawingml/2006/main" xmlns:r="http://schemas.openxmlformats.org/officeDocument/2006/relationships" xmlns:mc="http://schemas.openxmlformats.org/markup-compatibility/2006" xmlns:mv="urn:schemas-microsoft-com:mac:vml" xmlns:p="http://schemas.openxmlformats.org/presentationml/2006/main" mc:Ignorable="mv" mc:PreserveAttributes="mv:*">
   <p:cSld>
     <p:spTree>
@@ -9334,9 +11744,6 @@
                 </a:rPr>
                 <a:t> bits</a:t>
               </a:r>
-              <a:endParaRPr lang="en-US" sz="3200" dirty="0" smtClean="0">
-                <a:latin typeface="+mj-lt"/>
-              </a:endParaRPr>
             </a:p>
           </p:txBody>
         </p:sp>
@@ -9427,9 +11834,6 @@
                 </a:rPr>
                 <a:t> bits</a:t>
               </a:r>
-              <a:endParaRPr lang="en-US" sz="3200" dirty="0" smtClean="0">
-                <a:latin typeface="+mj-lt"/>
-              </a:endParaRPr>
             </a:p>
           </p:txBody>
         </p:sp>
@@ -9524,9 +11928,6 @@
                 </a:rPr>
                 <a:t> bits</a:t>
               </a:r>
-              <a:endParaRPr lang="en-US" sz="3200" dirty="0" smtClean="0">
-                <a:latin typeface="+mj-lt"/>
-              </a:endParaRPr>
             </a:p>
           </p:txBody>
         </p:sp>
@@ -9559,9 +11960,6 @@
               </a:rPr>
               <a:t>multiplier circuit</a:t>
             </a:r>
-            <a:endParaRPr lang="en-US" sz="3200" dirty="0" smtClean="0">
-              <a:latin typeface="+mj-lt"/>
-            </a:endParaRPr>
           </a:p>
         </p:txBody>
       </p:sp>
@@ -9729,9 +12127,6 @@
                 </a:rPr>
                 <a:t>equality circuit</a:t>
               </a:r>
-              <a:endParaRPr lang="en-US" sz="3200" dirty="0" smtClean="0">
-                <a:latin typeface="+mj-lt"/>
-              </a:endParaRPr>
             </a:p>
           </p:txBody>
         </p:sp>
@@ -9794,12 +12189,6 @@
               </a:rPr>
               <a:t>0</a:t>
             </a:r>
-            <a:endParaRPr lang="en-US" sz="3600" dirty="0" smtClean="0">
-              <a:solidFill>
-                <a:srgbClr val="008000"/>
-              </a:solidFill>
-              <a:latin typeface="+mj-lt"/>
-            </a:endParaRPr>
           </a:p>
         </p:txBody>
       </p:sp>
@@ -9862,12 +12251,6 @@
                   </a:rPr>
                   <a:t>?</a:t>
                 </a:r>
-                <a:endParaRPr lang="en-US" sz="2800" dirty="0" smtClean="0">
-                  <a:solidFill>
-                    <a:srgbClr val="FF00FF"/>
-                  </a:solidFill>
-                  <a:latin typeface="+mj-lt"/>
-                </a:endParaRPr>
               </a:p>
             </p:txBody>
           </p:sp>
@@ -9902,12 +12285,6 @@
                   </a:rPr>
                   <a:t>?</a:t>
                 </a:r>
-                <a:endParaRPr lang="en-US" sz="2800" dirty="0" smtClean="0">
-                  <a:solidFill>
-                    <a:srgbClr val="FF00FF"/>
-                  </a:solidFill>
-                  <a:latin typeface="+mj-lt"/>
-                </a:endParaRPr>
               </a:p>
             </p:txBody>
           </p:sp>
@@ -9942,12 +12319,6 @@
                   </a:rPr>
                   <a:t>?</a:t>
                 </a:r>
-                <a:endParaRPr lang="en-US" sz="2800" dirty="0" smtClean="0">
-                  <a:solidFill>
-                    <a:srgbClr val="FF00FF"/>
-                  </a:solidFill>
-                  <a:latin typeface="+mj-lt"/>
-                </a:endParaRPr>
               </a:p>
             </p:txBody>
           </p:sp>
@@ -10011,12 +12382,6 @@
                     </a:rPr>
                     <a:t>?</a:t>
                   </a:r>
-                  <a:endParaRPr lang="en-US" sz="2800" dirty="0" smtClean="0">
-                    <a:solidFill>
-                      <a:srgbClr val="FF00FF"/>
-                    </a:solidFill>
-                    <a:latin typeface="+mj-lt"/>
-                  </a:endParaRPr>
                 </a:p>
               </p:txBody>
             </p:sp>
@@ -10051,12 +12416,6 @@
                     </a:rPr>
                     <a:t>?</a:t>
                   </a:r>
-                  <a:endParaRPr lang="en-US" sz="2800" dirty="0" smtClean="0">
-                    <a:solidFill>
-                      <a:srgbClr val="FF00FF"/>
-                    </a:solidFill>
-                    <a:latin typeface="+mj-lt"/>
-                  </a:endParaRPr>
                 </a:p>
               </p:txBody>
             </p:sp>
@@ -10091,12 +12450,6 @@
                     </a:rPr>
                     <a:t>?</a:t>
                   </a:r>
-                  <a:endParaRPr lang="en-US" sz="2800" dirty="0" smtClean="0">
-                    <a:solidFill>
-                      <a:srgbClr val="FF00FF"/>
-                    </a:solidFill>
-                    <a:latin typeface="+mj-lt"/>
-                  </a:endParaRPr>
                 </a:p>
               </p:txBody>
             </p:sp>
@@ -10132,12 +12485,6 @@
                   </a:rPr>
                   <a:t>?</a:t>
                 </a:r>
-                <a:endParaRPr lang="en-US" sz="2800" dirty="0" smtClean="0">
-                  <a:solidFill>
-                    <a:srgbClr val="FF00FF"/>
-                  </a:solidFill>
-                  <a:latin typeface="+mj-lt"/>
-                </a:endParaRPr>
               </a:p>
             </p:txBody>
           </p:sp>
@@ -10223,12 +12570,6 @@
                 </a:rPr>
                 <a:t>SAT?</a:t>
               </a:r>
-              <a:endParaRPr lang="en-US" sz="2800" dirty="0" smtClean="0">
-                <a:solidFill>
-                  <a:srgbClr val="008000"/>
-                </a:solidFill>
-                <a:latin typeface="+mj-lt"/>
-              </a:endParaRPr>
             </a:p>
           </p:txBody>
         </p:sp>
@@ -10251,7 +12592,7 @@
 </p:sld>
 </file>
 
-<file path=ppt/slides/slide14.xml><?xml version="1.0" encoding="utf-8"?>
+<file path=ppt/slides/slide17.xml><?xml version="1.0" encoding="utf-8"?>
 <p:sld xmlns:a="http://schemas.openxmlformats.org/drawingml/2006/main" xmlns:r="http://schemas.openxmlformats.org/officeDocument/2006/relationships" xmlns:mc="http://schemas.openxmlformats.org/markup-compatibility/2006" xmlns:mv="urn:schemas-microsoft-com:mac:vml" xmlns:p="http://schemas.openxmlformats.org/presentationml/2006/main" mc:Ignorable="mv" mc:PreserveAttributes="mv:*">
   <p:cSld>
     <p:spTree>
@@ -11025,9 +13366,6 @@
                 </a:rPr>
                 <a:t> bits</a:t>
               </a:r>
-              <a:endParaRPr lang="en-US" sz="3200" dirty="0" smtClean="0">
-                <a:latin typeface="+mj-lt"/>
-              </a:endParaRPr>
             </a:p>
           </p:txBody>
         </p:sp>
@@ -11118,9 +13456,6 @@
                 </a:rPr>
                 <a:t> bits</a:t>
               </a:r>
-              <a:endParaRPr lang="en-US" sz="3200" dirty="0" smtClean="0">
-                <a:latin typeface="+mj-lt"/>
-              </a:endParaRPr>
             </a:p>
           </p:txBody>
         </p:sp>
@@ -11215,9 +13550,6 @@
                 </a:rPr>
                 <a:t> bits</a:t>
               </a:r>
-              <a:endParaRPr lang="en-US" sz="3200" dirty="0" smtClean="0">
-                <a:latin typeface="+mj-lt"/>
-              </a:endParaRPr>
             </a:p>
           </p:txBody>
         </p:sp>
@@ -11250,9 +13582,6 @@
               </a:rPr>
               <a:t>multiplier circuit</a:t>
             </a:r>
-            <a:endParaRPr lang="en-US" sz="3200" dirty="0" smtClean="0">
-              <a:latin typeface="+mj-lt"/>
-            </a:endParaRPr>
           </a:p>
         </p:txBody>
       </p:sp>
@@ -11420,9 +13749,6 @@
                 </a:rPr>
                 <a:t>equality circuit</a:t>
               </a:r>
-              <a:endParaRPr lang="en-US" sz="3200" dirty="0" smtClean="0">
-                <a:latin typeface="+mj-lt"/>
-              </a:endParaRPr>
             </a:p>
           </p:txBody>
         </p:sp>
@@ -11485,12 +13811,6 @@
               </a:rPr>
               <a:t>0</a:t>
             </a:r>
-            <a:endParaRPr lang="en-US" sz="3600" dirty="0" smtClean="0">
-              <a:solidFill>
-                <a:srgbClr val="008000"/>
-              </a:solidFill>
-              <a:latin typeface="+mj-lt"/>
-            </a:endParaRPr>
           </a:p>
         </p:txBody>
       </p:sp>
@@ -11553,12 +13873,6 @@
                   </a:rPr>
                   <a:t>0</a:t>
                 </a:r>
-                <a:endParaRPr lang="en-US" sz="3200" dirty="0" smtClean="0">
-                  <a:solidFill>
-                    <a:srgbClr val="FF00FF"/>
-                  </a:solidFill>
-                  <a:latin typeface="+mj-lt"/>
-                </a:endParaRPr>
               </a:p>
             </p:txBody>
           </p:sp>
@@ -11593,12 +13907,6 @@
                   </a:rPr>
                   <a:t>?</a:t>
                 </a:r>
-                <a:endParaRPr lang="en-US" sz="2800" dirty="0" smtClean="0">
-                  <a:solidFill>
-                    <a:srgbClr val="FF00FF"/>
-                  </a:solidFill>
-                  <a:latin typeface="+mj-lt"/>
-                </a:endParaRPr>
               </a:p>
             </p:txBody>
           </p:sp>
@@ -11633,12 +13941,6 @@
                   </a:rPr>
                   <a:t>?</a:t>
                 </a:r>
-                <a:endParaRPr lang="en-US" sz="2800" dirty="0" smtClean="0">
-                  <a:solidFill>
-                    <a:srgbClr val="FF00FF"/>
-                  </a:solidFill>
-                  <a:latin typeface="+mj-lt"/>
-                </a:endParaRPr>
               </a:p>
             </p:txBody>
           </p:sp>
@@ -11702,12 +14004,6 @@
                     </a:rPr>
                     <a:t>?</a:t>
                   </a:r>
-                  <a:endParaRPr lang="en-US" sz="2800" dirty="0" smtClean="0">
-                    <a:solidFill>
-                      <a:srgbClr val="FF00FF"/>
-                    </a:solidFill>
-                    <a:latin typeface="+mj-lt"/>
-                  </a:endParaRPr>
                 </a:p>
               </p:txBody>
             </p:sp>
@@ -11742,12 +14038,6 @@
                     </a:rPr>
                     <a:t>?</a:t>
                   </a:r>
-                  <a:endParaRPr lang="en-US" sz="2800" dirty="0" smtClean="0">
-                    <a:solidFill>
-                      <a:srgbClr val="FF00FF"/>
-                    </a:solidFill>
-                    <a:latin typeface="+mj-lt"/>
-                  </a:endParaRPr>
                 </a:p>
               </p:txBody>
             </p:sp>
@@ -11782,12 +14072,6 @@
                     </a:rPr>
                     <a:t>?</a:t>
                   </a:r>
-                  <a:endParaRPr lang="en-US" sz="2800" dirty="0" smtClean="0">
-                    <a:solidFill>
-                      <a:srgbClr val="FF00FF"/>
-                    </a:solidFill>
-                    <a:latin typeface="+mj-lt"/>
-                  </a:endParaRPr>
                 </a:p>
               </p:txBody>
             </p:sp>
@@ -11823,12 +14107,6 @@
                   </a:rPr>
                   <a:t>?</a:t>
                 </a:r>
-                <a:endParaRPr lang="en-US" sz="2800" dirty="0" smtClean="0">
-                  <a:solidFill>
-                    <a:srgbClr val="FF00FF"/>
-                  </a:solidFill>
-                  <a:latin typeface="+mj-lt"/>
-                </a:endParaRPr>
               </a:p>
             </p:txBody>
           </p:sp>
@@ -11914,12 +14192,6 @@
                 </a:rPr>
                 <a:t>SAT?</a:t>
               </a:r>
-              <a:endParaRPr lang="en-US" sz="2800" dirty="0" smtClean="0">
-                <a:solidFill>
-                  <a:srgbClr val="008000"/>
-                </a:solidFill>
-                <a:latin typeface="+mj-lt"/>
-              </a:endParaRPr>
             </a:p>
           </p:txBody>
         </p:sp>
@@ -12007,12 +14279,6 @@
                 </a:rPr>
                 <a:t>SAT?</a:t>
               </a:r>
-              <a:endParaRPr lang="en-US" sz="2800" dirty="0" smtClean="0">
-                <a:solidFill>
-                  <a:srgbClr val="FF0000"/>
-                </a:solidFill>
-                <a:latin typeface="+mj-lt"/>
-              </a:endParaRPr>
             </a:p>
           </p:txBody>
         </p:sp>
@@ -12111,7 +14377,7 @@
 </p:sld>
 </file>
 
-<file path=ppt/slides/slide15.xml><?xml version="1.0" encoding="utf-8"?>
+<file path=ppt/slides/slide18.xml><?xml version="1.0" encoding="utf-8"?>
 <p:sld xmlns:a="http://schemas.openxmlformats.org/drawingml/2006/main" xmlns:r="http://schemas.openxmlformats.org/officeDocument/2006/relationships" xmlns:mc="http://schemas.openxmlformats.org/markup-compatibility/2006" xmlns:mv="urn:schemas-microsoft-com:mac:vml" xmlns:p="http://schemas.openxmlformats.org/presentationml/2006/main" mc:Ignorable="mv" mc:PreserveAttributes="mv:*">
   <p:cSld>
     <p:spTree>
@@ -12885,9 +15151,6 @@
                 </a:rPr>
                 <a:t> bits</a:t>
               </a:r>
-              <a:endParaRPr lang="en-US" sz="3200" dirty="0" smtClean="0">
-                <a:latin typeface="+mj-lt"/>
-              </a:endParaRPr>
             </a:p>
           </p:txBody>
         </p:sp>
@@ -12978,9 +15241,6 @@
                 </a:rPr>
                 <a:t> bits</a:t>
               </a:r>
-              <a:endParaRPr lang="en-US" sz="3200" dirty="0" smtClean="0">
-                <a:latin typeface="+mj-lt"/>
-              </a:endParaRPr>
             </a:p>
           </p:txBody>
         </p:sp>
@@ -13075,9 +15335,6 @@
                 </a:rPr>
                 <a:t> bits</a:t>
               </a:r>
-              <a:endParaRPr lang="en-US" sz="3200" dirty="0" smtClean="0">
-                <a:latin typeface="+mj-lt"/>
-              </a:endParaRPr>
             </a:p>
           </p:txBody>
         </p:sp>
@@ -13110,9 +15367,6 @@
               </a:rPr>
               <a:t>multiplier circuit</a:t>
             </a:r>
-            <a:endParaRPr lang="en-US" sz="3200" dirty="0" smtClean="0">
-              <a:latin typeface="+mj-lt"/>
-            </a:endParaRPr>
           </a:p>
         </p:txBody>
       </p:sp>
@@ -13280,9 +15534,6 @@
                 </a:rPr>
                 <a:t>equality circuit</a:t>
               </a:r>
-              <a:endParaRPr lang="en-US" sz="3200" dirty="0" smtClean="0">
-                <a:latin typeface="+mj-lt"/>
-              </a:endParaRPr>
             </a:p>
           </p:txBody>
         </p:sp>
@@ -13345,12 +15596,6 @@
               </a:rPr>
               <a:t>0</a:t>
             </a:r>
-            <a:endParaRPr lang="en-US" sz="3600" dirty="0" smtClean="0">
-              <a:solidFill>
-                <a:srgbClr val="008000"/>
-              </a:solidFill>
-              <a:latin typeface="+mj-lt"/>
-            </a:endParaRPr>
           </a:p>
         </p:txBody>
       </p:sp>
@@ -13413,12 +15658,6 @@
                   </a:rPr>
                   <a:t>1</a:t>
                 </a:r>
-                <a:endParaRPr lang="en-US" sz="3200" dirty="0" smtClean="0">
-                  <a:solidFill>
-                    <a:srgbClr val="008000"/>
-                  </a:solidFill>
-                  <a:latin typeface="+mj-lt"/>
-                </a:endParaRPr>
               </a:p>
             </p:txBody>
           </p:sp>
@@ -13453,12 +15692,6 @@
                   </a:rPr>
                   <a:t>?</a:t>
                 </a:r>
-                <a:endParaRPr lang="en-US" sz="2800" dirty="0" smtClean="0">
-                  <a:solidFill>
-                    <a:srgbClr val="FF00FF"/>
-                  </a:solidFill>
-                  <a:latin typeface="+mj-lt"/>
-                </a:endParaRPr>
               </a:p>
             </p:txBody>
           </p:sp>
@@ -13493,12 +15726,6 @@
                   </a:rPr>
                   <a:t>?</a:t>
                 </a:r>
-                <a:endParaRPr lang="en-US" sz="2800" dirty="0" smtClean="0">
-                  <a:solidFill>
-                    <a:srgbClr val="FF00FF"/>
-                  </a:solidFill>
-                  <a:latin typeface="+mj-lt"/>
-                </a:endParaRPr>
               </a:p>
             </p:txBody>
           </p:sp>
@@ -13562,12 +15789,6 @@
                     </a:rPr>
                     <a:t>?</a:t>
                   </a:r>
-                  <a:endParaRPr lang="en-US" sz="2800" dirty="0" smtClean="0">
-                    <a:solidFill>
-                      <a:srgbClr val="FF00FF"/>
-                    </a:solidFill>
-                    <a:latin typeface="+mj-lt"/>
-                  </a:endParaRPr>
                 </a:p>
               </p:txBody>
             </p:sp>
@@ -13602,12 +15823,6 @@
                     </a:rPr>
                     <a:t>?</a:t>
                   </a:r>
-                  <a:endParaRPr lang="en-US" sz="2800" dirty="0" smtClean="0">
-                    <a:solidFill>
-                      <a:srgbClr val="FF00FF"/>
-                    </a:solidFill>
-                    <a:latin typeface="+mj-lt"/>
-                  </a:endParaRPr>
                 </a:p>
               </p:txBody>
             </p:sp>
@@ -13642,12 +15857,6 @@
                     </a:rPr>
                     <a:t>?</a:t>
                   </a:r>
-                  <a:endParaRPr lang="en-US" sz="2800" dirty="0" smtClean="0">
-                    <a:solidFill>
-                      <a:srgbClr val="FF00FF"/>
-                    </a:solidFill>
-                    <a:latin typeface="+mj-lt"/>
-                  </a:endParaRPr>
                 </a:p>
               </p:txBody>
             </p:sp>
@@ -13683,12 +15892,6 @@
                   </a:rPr>
                   <a:t>?</a:t>
                 </a:r>
-                <a:endParaRPr lang="en-US" sz="2800" dirty="0" smtClean="0">
-                  <a:solidFill>
-                    <a:srgbClr val="FF00FF"/>
-                  </a:solidFill>
-                  <a:latin typeface="+mj-lt"/>
-                </a:endParaRPr>
               </a:p>
             </p:txBody>
           </p:sp>
@@ -13774,12 +15977,6 @@
                 </a:rPr>
                 <a:t>SAT?</a:t>
               </a:r>
-              <a:endParaRPr lang="en-US" sz="2800" dirty="0" smtClean="0">
-                <a:solidFill>
-                  <a:srgbClr val="008000"/>
-                </a:solidFill>
-                <a:latin typeface="+mj-lt"/>
-              </a:endParaRPr>
             </a:p>
           </p:txBody>
         </p:sp>
@@ -13802,7 +15999,7 @@
 </p:sld>
 </file>
 
-<file path=ppt/slides/slide16.xml><?xml version="1.0" encoding="utf-8"?>
+<file path=ppt/slides/slide19.xml><?xml version="1.0" encoding="utf-8"?>
 <p:sld xmlns:a="http://schemas.openxmlformats.org/drawingml/2006/main" xmlns:r="http://schemas.openxmlformats.org/officeDocument/2006/relationships" xmlns:mc="http://schemas.openxmlformats.org/markup-compatibility/2006" xmlns:mv="urn:schemas-microsoft-com:mac:vml" xmlns:p="http://schemas.openxmlformats.org/presentationml/2006/main" mc:Ignorable="mv" mc:PreserveAttributes="mv:*">
   <p:cSld>
     <p:spTree>
@@ -14576,9 +16773,6 @@
                 </a:rPr>
                 <a:t> bits</a:t>
               </a:r>
-              <a:endParaRPr lang="en-US" sz="3200" dirty="0" smtClean="0">
-                <a:latin typeface="+mj-lt"/>
-              </a:endParaRPr>
             </a:p>
           </p:txBody>
         </p:sp>
@@ -14669,9 +16863,6 @@
                 </a:rPr>
                 <a:t> bits</a:t>
               </a:r>
-              <a:endParaRPr lang="en-US" sz="3200" dirty="0" smtClean="0">
-                <a:latin typeface="+mj-lt"/>
-              </a:endParaRPr>
             </a:p>
           </p:txBody>
         </p:sp>
@@ -14766,9 +16957,6 @@
                 </a:rPr>
                 <a:t> bits</a:t>
               </a:r>
-              <a:endParaRPr lang="en-US" sz="3200" dirty="0" smtClean="0">
-                <a:latin typeface="+mj-lt"/>
-              </a:endParaRPr>
             </a:p>
           </p:txBody>
         </p:sp>
@@ -14801,9 +16989,6 @@
               </a:rPr>
               <a:t>multiplier circuit</a:t>
             </a:r>
-            <a:endParaRPr lang="en-US" sz="3200" dirty="0" smtClean="0">
-              <a:latin typeface="+mj-lt"/>
-            </a:endParaRPr>
           </a:p>
         </p:txBody>
       </p:sp>
@@ -14971,9 +17156,6 @@
                 </a:rPr>
                 <a:t>equality circuit</a:t>
               </a:r>
-              <a:endParaRPr lang="en-US" sz="3200" dirty="0" smtClean="0">
-                <a:latin typeface="+mj-lt"/>
-              </a:endParaRPr>
             </a:p>
           </p:txBody>
         </p:sp>
@@ -15036,12 +17218,6 @@
               </a:rPr>
               <a:t>0</a:t>
             </a:r>
-            <a:endParaRPr lang="en-US" sz="3600" dirty="0" smtClean="0">
-              <a:solidFill>
-                <a:srgbClr val="008000"/>
-              </a:solidFill>
-              <a:latin typeface="+mj-lt"/>
-            </a:endParaRPr>
           </a:p>
         </p:txBody>
       </p:sp>
@@ -15104,12 +17280,6 @@
                   </a:rPr>
                   <a:t>1</a:t>
                 </a:r>
-                <a:endParaRPr lang="en-US" sz="3200" dirty="0" smtClean="0">
-                  <a:solidFill>
-                    <a:srgbClr val="008000"/>
-                  </a:solidFill>
-                  <a:latin typeface="+mj-lt"/>
-                </a:endParaRPr>
               </a:p>
             </p:txBody>
           </p:sp>
@@ -15144,12 +17314,6 @@
                   </a:rPr>
                   <a:t>0</a:t>
                 </a:r>
-                <a:endParaRPr lang="en-US" sz="3200" dirty="0" smtClean="0">
-                  <a:solidFill>
-                    <a:srgbClr val="FF00FF"/>
-                  </a:solidFill>
-                  <a:latin typeface="+mj-lt"/>
-                </a:endParaRPr>
               </a:p>
             </p:txBody>
           </p:sp>
@@ -15184,12 +17348,6 @@
                   </a:rPr>
                   <a:t>?</a:t>
                 </a:r>
-                <a:endParaRPr lang="en-US" sz="2800" dirty="0" smtClean="0">
-                  <a:solidFill>
-                    <a:srgbClr val="FF00FF"/>
-                  </a:solidFill>
-                  <a:latin typeface="+mj-lt"/>
-                </a:endParaRPr>
               </a:p>
             </p:txBody>
           </p:sp>
@@ -15253,12 +17411,6 @@
                     </a:rPr>
                     <a:t>?</a:t>
                   </a:r>
-                  <a:endParaRPr lang="en-US" sz="2800" dirty="0" smtClean="0">
-                    <a:solidFill>
-                      <a:srgbClr val="FF00FF"/>
-                    </a:solidFill>
-                    <a:latin typeface="+mj-lt"/>
-                  </a:endParaRPr>
                 </a:p>
               </p:txBody>
             </p:sp>
@@ -15293,12 +17445,6 @@
                     </a:rPr>
                     <a:t>?</a:t>
                   </a:r>
-                  <a:endParaRPr lang="en-US" sz="2800" dirty="0" smtClean="0">
-                    <a:solidFill>
-                      <a:srgbClr val="FF00FF"/>
-                    </a:solidFill>
-                    <a:latin typeface="+mj-lt"/>
-                  </a:endParaRPr>
                 </a:p>
               </p:txBody>
             </p:sp>
@@ -15333,12 +17479,6 @@
                     </a:rPr>
                     <a:t>?</a:t>
                   </a:r>
-                  <a:endParaRPr lang="en-US" sz="2800" dirty="0" smtClean="0">
-                    <a:solidFill>
-                      <a:srgbClr val="FF00FF"/>
-                    </a:solidFill>
-                    <a:latin typeface="+mj-lt"/>
-                  </a:endParaRPr>
                 </a:p>
               </p:txBody>
             </p:sp>
@@ -15374,12 +17514,6 @@
                   </a:rPr>
                   <a:t>?</a:t>
                 </a:r>
-                <a:endParaRPr lang="en-US" sz="2800" dirty="0" smtClean="0">
-                  <a:solidFill>
-                    <a:srgbClr val="FF00FF"/>
-                  </a:solidFill>
-                  <a:latin typeface="+mj-lt"/>
-                </a:endParaRPr>
               </a:p>
             </p:txBody>
           </p:sp>
@@ -15465,12 +17599,6 @@
                 </a:rPr>
                 <a:t>SAT?</a:t>
               </a:r>
-              <a:endParaRPr lang="en-US" sz="2800" dirty="0" smtClean="0">
-                <a:solidFill>
-                  <a:srgbClr val="008000"/>
-                </a:solidFill>
-                <a:latin typeface="+mj-lt"/>
-              </a:endParaRPr>
             </a:p>
           </p:txBody>
         </p:sp>
@@ -15493,7 +17621,132 @@
 </p:sld>
 </file>
 
-<file path=ppt/slides/slide17.xml><?xml version="1.0" encoding="utf-8"?>
+<file path=ppt/slides/slide2.xml><?xml version="1.0" encoding="utf-8"?>
+<p:sld xmlns:a="http://schemas.openxmlformats.org/drawingml/2006/main" xmlns:r="http://schemas.openxmlformats.org/officeDocument/2006/relationships" xmlns:mc="http://schemas.openxmlformats.org/markup-compatibility/2006" xmlns:mv="urn:schemas-microsoft-com:mac:vml" xmlns:p="http://schemas.openxmlformats.org/presentationml/2006/main" mc:Ignorable="mv" mc:PreserveAttributes="mv:*">
+  <p:cSld>
+    <p:spTree>
+      <p:nvGrpSpPr>
+        <p:cNvPr id="1" name=""/>
+        <p:cNvGrpSpPr/>
+        <p:nvPr/>
+      </p:nvGrpSpPr>
+      <p:grpSpPr>
+        <a:xfrm>
+          <a:off x="0" y="0"/>
+          <a:ext cx="0" cy="0"/>
+          <a:chOff x="0" y="0"/>
+          <a:chExt cx="0" cy="0"/>
+        </a:xfrm>
+      </p:grpSpPr>
+      <p:sp>
+        <p:nvSpPr>
+          <p:cNvPr id="4" name="Slide Number Placeholder 3"/>
+          <p:cNvSpPr>
+            <a:spLocks noGrp="1"/>
+          </p:cNvSpPr>
+          <p:nvPr>
+            <p:ph type="sldNum" sz="quarter" idx="4"/>
+          </p:nvPr>
+        </p:nvSpPr>
+        <p:spPr>
+          <a:xfrm>
+            <a:off x="6477000" y="6553200"/>
+            <a:ext cx="2667000" cy="307777"/>
+          </a:xfrm>
+        </p:spPr>
+        <p:txBody>
+          <a:bodyPr/>
+          <a:lstStyle/>
+          <a:p>
+            <a:pPr>
+              <a:defRPr/>
+            </a:pPr>
+            <a:r>
+              <a:rPr lang="en-US" dirty="0" err="1" smtClean="0"/>
+              <a:t>lec</a:t>
+            </a:r>
+            <a:r>
+              <a:rPr lang="en-US" dirty="0" smtClean="0"/>
+              <a:t> 6M.</a:t>
+            </a:r>
+            <a:fld id="{03D159E7-7261-456C-B1C2-8B1BCE6FD8AA}" type="slidenum">
+              <a:rPr lang="en-US" smtClean="0"/>
+              <a:pPr>
+                <a:defRPr/>
+              </a:pPr>
+              <a:t>2</a:t>
+            </a:fld>
+            <a:endParaRPr lang="en-US" dirty="0"/>
+          </a:p>
+        </p:txBody>
+      </p:sp>
+      <p:sp>
+        <p:nvSpPr>
+          <p:cNvPr id="14339" name="Rectangle 2"/>
+          <p:cNvSpPr>
+            <a:spLocks noGrp="1" noChangeArrowheads="1"/>
+          </p:cNvSpPr>
+          <p:nvPr>
+            <p:ph type="title"/>
+          </p:nvPr>
+        </p:nvSpPr>
+        <p:spPr/>
+        <p:txBody>
+          <a:bodyPr/>
+          <a:lstStyle/>
+          <a:p>
+            <a:pPr eaLnBrk="1" hangingPunct="1"/>
+            <a:r>
+              <a:rPr lang="en-US" smtClean="0"/>
+              <a:t>RSA Public Key Encryption</a:t>
+            </a:r>
+          </a:p>
+        </p:txBody>
+      </p:sp>
+      <p:pic>
+        <p:nvPicPr>
+          <p:cNvPr id="14340" name="Picture 4" descr="rivest_shamir_adelman_photo"/>
+          <p:cNvPicPr>
+            <a:picLocks noGrp="1" noChangeAspect="1" noChangeArrowheads="1"/>
+          </p:cNvPicPr>
+          <p:nvPr>
+            <p:ph idx="1"/>
+          </p:nvPr>
+        </p:nvPicPr>
+        <p:blipFill>
+          <a:blip r:embed="rId3"/>
+          <a:srcRect/>
+          <a:stretch>
+            <a:fillRect/>
+          </a:stretch>
+        </p:blipFill>
+        <p:spPr>
+          <a:xfrm>
+            <a:off x="1619250" y="1354138"/>
+            <a:ext cx="6032500" cy="4335462"/>
+          </a:xfrm>
+          <a:noFill/>
+        </p:spPr>
+      </p:pic>
+    </p:spTree>
+  </p:cSld>
+  <p:clrMapOvr>
+    <a:masterClrMapping/>
+  </p:clrMapOvr>
+  <p:transition spd="slow">
+    <p:fade thruBlk="1"/>
+  </p:transition>
+  <p:timing>
+    <p:tnLst>
+      <p:par>
+        <p:cTn id="1" dur="indefinite" restart="never" nodeType="tmRoot"/>
+      </p:par>
+    </p:tnLst>
+  </p:timing>
+</p:sld>
+</file>
+
+<file path=ppt/slides/slide20.xml><?xml version="1.0" encoding="utf-8"?>
 <p:sld xmlns:a="http://schemas.openxmlformats.org/drawingml/2006/main" xmlns:r="http://schemas.openxmlformats.org/officeDocument/2006/relationships" xmlns:mc="http://schemas.openxmlformats.org/markup-compatibility/2006" xmlns:mv="urn:schemas-microsoft-com:mac:vml" xmlns:p="http://schemas.openxmlformats.org/presentationml/2006/main" mc:Ignorable="mv" mc:PreserveAttributes="mv:*">
   <p:cSld>
     <p:spTree>
@@ -16267,9 +18520,6 @@
                 </a:rPr>
                 <a:t> bits</a:t>
               </a:r>
-              <a:endParaRPr lang="en-US" sz="3200" dirty="0" smtClean="0">
-                <a:latin typeface="+mj-lt"/>
-              </a:endParaRPr>
             </a:p>
           </p:txBody>
         </p:sp>
@@ -16360,9 +18610,6 @@
                 </a:rPr>
                 <a:t> bits</a:t>
               </a:r>
-              <a:endParaRPr lang="en-US" sz="3200" dirty="0" smtClean="0">
-                <a:latin typeface="+mj-lt"/>
-              </a:endParaRPr>
             </a:p>
           </p:txBody>
         </p:sp>
@@ -16457,9 +18704,6 @@
                 </a:rPr>
                 <a:t> bits</a:t>
               </a:r>
-              <a:endParaRPr lang="en-US" sz="3200" dirty="0" smtClean="0">
-                <a:latin typeface="+mj-lt"/>
-              </a:endParaRPr>
             </a:p>
           </p:txBody>
         </p:sp>
@@ -16492,9 +18736,6 @@
               </a:rPr>
               <a:t>multiplier circuit</a:t>
             </a:r>
-            <a:endParaRPr lang="en-US" sz="3200" dirty="0" smtClean="0">
-              <a:latin typeface="+mj-lt"/>
-            </a:endParaRPr>
           </a:p>
         </p:txBody>
       </p:sp>
@@ -16662,9 +18903,6 @@
                 </a:rPr>
                 <a:t>equality circuit</a:t>
               </a:r>
-              <a:endParaRPr lang="en-US" sz="3200" dirty="0" smtClean="0">
-                <a:latin typeface="+mj-lt"/>
-              </a:endParaRPr>
             </a:p>
           </p:txBody>
         </p:sp>
@@ -16727,12 +18965,6 @@
               </a:rPr>
               <a:t>0</a:t>
             </a:r>
-            <a:endParaRPr lang="en-US" sz="3600" dirty="0" smtClean="0">
-              <a:solidFill>
-                <a:srgbClr val="008000"/>
-              </a:solidFill>
-              <a:latin typeface="+mj-lt"/>
-            </a:endParaRPr>
           </a:p>
         </p:txBody>
       </p:sp>
@@ -16795,12 +19027,6 @@
                   </a:rPr>
                   <a:t>1</a:t>
                 </a:r>
-                <a:endParaRPr lang="en-US" sz="3200" dirty="0" smtClean="0">
-                  <a:solidFill>
-                    <a:srgbClr val="008000"/>
-                  </a:solidFill>
-                  <a:latin typeface="+mj-lt"/>
-                </a:endParaRPr>
               </a:p>
             </p:txBody>
           </p:sp>
@@ -16835,12 +19061,6 @@
                   </a:rPr>
                   <a:t>0</a:t>
                 </a:r>
-                <a:endParaRPr lang="en-US" sz="3200" dirty="0" smtClean="0">
-                  <a:solidFill>
-                    <a:srgbClr val="008000"/>
-                  </a:solidFill>
-                  <a:latin typeface="+mj-lt"/>
-                </a:endParaRPr>
               </a:p>
             </p:txBody>
           </p:sp>
@@ -16875,12 +19095,6 @@
                   </a:rPr>
                   <a:t>?</a:t>
                 </a:r>
-                <a:endParaRPr lang="en-US" sz="2800" dirty="0" smtClean="0">
-                  <a:solidFill>
-                    <a:srgbClr val="FF00FF"/>
-                  </a:solidFill>
-                  <a:latin typeface="+mj-lt"/>
-                </a:endParaRPr>
               </a:p>
             </p:txBody>
           </p:sp>
@@ -16944,12 +19158,6 @@
                     </a:rPr>
                     <a:t>?</a:t>
                   </a:r>
-                  <a:endParaRPr lang="en-US" sz="2800" dirty="0" smtClean="0">
-                    <a:solidFill>
-                      <a:srgbClr val="FF00FF"/>
-                    </a:solidFill>
-                    <a:latin typeface="+mj-lt"/>
-                  </a:endParaRPr>
                 </a:p>
               </p:txBody>
             </p:sp>
@@ -16984,12 +19192,6 @@
                     </a:rPr>
                     <a:t>?</a:t>
                   </a:r>
-                  <a:endParaRPr lang="en-US" sz="2800" dirty="0" smtClean="0">
-                    <a:solidFill>
-                      <a:srgbClr val="FF00FF"/>
-                    </a:solidFill>
-                    <a:latin typeface="+mj-lt"/>
-                  </a:endParaRPr>
                 </a:p>
               </p:txBody>
             </p:sp>
@@ -17024,12 +19226,6 @@
                     </a:rPr>
                     <a:t>?</a:t>
                   </a:r>
-                  <a:endParaRPr lang="en-US" sz="2800" dirty="0" smtClean="0">
-                    <a:solidFill>
-                      <a:srgbClr val="FF00FF"/>
-                    </a:solidFill>
-                    <a:latin typeface="+mj-lt"/>
-                  </a:endParaRPr>
                 </a:p>
               </p:txBody>
             </p:sp>
@@ -17065,12 +19261,6 @@
                   </a:rPr>
                   <a:t>?</a:t>
                 </a:r>
-                <a:endParaRPr lang="en-US" sz="2800" dirty="0" smtClean="0">
-                  <a:solidFill>
-                    <a:srgbClr val="FF00FF"/>
-                  </a:solidFill>
-                  <a:latin typeface="+mj-lt"/>
-                </a:endParaRPr>
               </a:p>
             </p:txBody>
           </p:sp>
@@ -17156,12 +19346,6 @@
                 </a:rPr>
                 <a:t>SAT?</a:t>
               </a:r>
-              <a:endParaRPr lang="en-US" sz="2800" dirty="0" smtClean="0">
-                <a:solidFill>
-                  <a:srgbClr val="008000"/>
-                </a:solidFill>
-                <a:latin typeface="+mj-lt"/>
-              </a:endParaRPr>
             </a:p>
           </p:txBody>
         </p:sp>
@@ -17211,9 +19395,6 @@
               </a:rPr>
               <a:t> SAT tests…</a:t>
             </a:r>
-            <a:endParaRPr lang="en-US" sz="4400" dirty="0" smtClean="0">
-              <a:latin typeface="+mj-lt"/>
-            </a:endParaRPr>
           </a:p>
         </p:txBody>
       </p:sp>
@@ -17314,7 +19495,7 @@
 </p:sld>
 </file>
 
-<file path=ppt/slides/slide18.xml><?xml version="1.0" encoding="utf-8"?>
+<file path=ppt/slides/slide21.xml><?xml version="1.0" encoding="utf-8"?>
 <p:sld xmlns:a="http://schemas.openxmlformats.org/drawingml/2006/main" xmlns:r="http://schemas.openxmlformats.org/officeDocument/2006/relationships" xmlns:mc="http://schemas.openxmlformats.org/markup-compatibility/2006" xmlns:mv="urn:schemas-microsoft-com:mac:vml" xmlns:p="http://schemas.openxmlformats.org/presentationml/2006/main" mc:Ignorable="mv" mc:PreserveAttributes="mv:*">
   <p:cSld>
     <p:spTree>
@@ -18047,9 +20228,6 @@
                 </a:rPr>
                 <a:t> bits</a:t>
               </a:r>
-              <a:endParaRPr lang="en-US" sz="3200" dirty="0" smtClean="0">
-                <a:latin typeface="+mj-lt"/>
-              </a:endParaRPr>
             </a:p>
           </p:txBody>
         </p:sp>
@@ -18140,9 +20318,6 @@
                 </a:rPr>
                 <a:t> bits</a:t>
               </a:r>
-              <a:endParaRPr lang="en-US" sz="3200" dirty="0" smtClean="0">
-                <a:latin typeface="+mj-lt"/>
-              </a:endParaRPr>
             </a:p>
           </p:txBody>
         </p:sp>
@@ -18237,9 +20412,6 @@
                 </a:rPr>
                 <a:t> bits</a:t>
               </a:r>
-              <a:endParaRPr lang="en-US" sz="3200" dirty="0" smtClean="0">
-                <a:latin typeface="+mj-lt"/>
-              </a:endParaRPr>
             </a:p>
           </p:txBody>
         </p:sp>
@@ -18272,9 +20444,6 @@
               </a:rPr>
               <a:t>multiplier circuit</a:t>
             </a:r>
-            <a:endParaRPr lang="en-US" sz="3200" dirty="0" smtClean="0">
-              <a:latin typeface="+mj-lt"/>
-            </a:endParaRPr>
           </a:p>
         </p:txBody>
       </p:sp>
@@ -18442,9 +20611,6 @@
                 </a:rPr>
                 <a:t>equality circuit</a:t>
               </a:r>
-              <a:endParaRPr lang="en-US" sz="3200" dirty="0" smtClean="0">
-                <a:latin typeface="+mj-lt"/>
-              </a:endParaRPr>
             </a:p>
           </p:txBody>
         </p:sp>
@@ -18507,12 +20673,6 @@
               </a:rPr>
               <a:t>0</a:t>
             </a:r>
-            <a:endParaRPr lang="en-US" sz="3600" dirty="0" smtClean="0">
-              <a:solidFill>
-                <a:srgbClr val="008000"/>
-              </a:solidFill>
-              <a:latin typeface="+mj-lt"/>
-            </a:endParaRPr>
           </a:p>
         </p:txBody>
       </p:sp>
@@ -18575,12 +20735,6 @@
                   </a:rPr>
                   <a:t>1</a:t>
                 </a:r>
-                <a:endParaRPr lang="en-US" sz="3200" dirty="0" smtClean="0">
-                  <a:solidFill>
-                    <a:srgbClr val="008000"/>
-                  </a:solidFill>
-                  <a:latin typeface="+mj-lt"/>
-                </a:endParaRPr>
               </a:p>
             </p:txBody>
           </p:sp>
@@ -18615,12 +20769,6 @@
                   </a:rPr>
                   <a:t>0</a:t>
                 </a:r>
-                <a:endParaRPr lang="en-US" sz="3200" dirty="0" smtClean="0">
-                  <a:solidFill>
-                    <a:srgbClr val="008000"/>
-                  </a:solidFill>
-                  <a:latin typeface="+mj-lt"/>
-                </a:endParaRPr>
               </a:p>
             </p:txBody>
           </p:sp>
@@ -18655,12 +20803,6 @@
                   </a:rPr>
                   <a:t>1</a:t>
                 </a:r>
-                <a:endParaRPr lang="en-US" sz="2800" dirty="0" smtClean="0">
-                  <a:solidFill>
-                    <a:srgbClr val="008000"/>
-                  </a:solidFill>
-                  <a:latin typeface="+mj-lt"/>
-                </a:endParaRPr>
               </a:p>
             </p:txBody>
           </p:sp>
@@ -18724,12 +20866,6 @@
                     </a:rPr>
                     <a:t>1</a:t>
                   </a:r>
-                  <a:endParaRPr lang="en-US" sz="2800" dirty="0" smtClean="0">
-                    <a:solidFill>
-                      <a:srgbClr val="008000"/>
-                    </a:solidFill>
-                    <a:latin typeface="+mj-lt"/>
-                  </a:endParaRPr>
                 </a:p>
               </p:txBody>
             </p:sp>
@@ -18764,12 +20900,6 @@
                     </a:rPr>
                     <a:t>0</a:t>
                   </a:r>
-                  <a:endParaRPr lang="en-US" sz="2800" dirty="0" smtClean="0">
-                    <a:solidFill>
-                      <a:srgbClr val="008000"/>
-                    </a:solidFill>
-                    <a:latin typeface="+mj-lt"/>
-                  </a:endParaRPr>
                 </a:p>
               </p:txBody>
             </p:sp>
@@ -18804,12 +20934,6 @@
                     </a:rPr>
                     <a:t>1</a:t>
                   </a:r>
-                  <a:endParaRPr lang="en-US" sz="2800" dirty="0" smtClean="0">
-                    <a:solidFill>
-                      <a:srgbClr val="008000"/>
-                    </a:solidFill>
-                    <a:latin typeface="+mj-lt"/>
-                  </a:endParaRPr>
                 </a:p>
               </p:txBody>
             </p:sp>
@@ -18845,12 +20969,6 @@
                   </a:rPr>
                   <a:t>0</a:t>
                 </a:r>
-                <a:endParaRPr lang="en-US" sz="2800" dirty="0" smtClean="0">
-                  <a:solidFill>
-                    <a:srgbClr val="008000"/>
-                  </a:solidFill>
-                  <a:latin typeface="+mj-lt"/>
-                </a:endParaRPr>
               </a:p>
             </p:txBody>
           </p:sp>
@@ -18935,12 +21053,6 @@
               </a:rPr>
               <a:t>!</a:t>
             </a:r>
-            <a:endParaRPr lang="en-US" sz="5400" dirty="0" smtClean="0">
-              <a:solidFill>
-                <a:srgbClr val="930093"/>
-              </a:solidFill>
-              <a:latin typeface="+mj-lt"/>
-            </a:endParaRPr>
           </a:p>
         </p:txBody>
       </p:sp>
@@ -18962,7 +21074,7 @@
 </p:sld>
 </file>
 
-<file path=ppt/slides/slide19.xml><?xml version="1.0" encoding="utf-8"?>
+<file path=ppt/slides/slide22.xml><?xml version="1.0" encoding="utf-8"?>
 <p:sld xmlns:a="http://schemas.openxmlformats.org/drawingml/2006/main" xmlns:r="http://schemas.openxmlformats.org/officeDocument/2006/relationships" xmlns:mc="http://schemas.openxmlformats.org/markup-compatibility/2006" xmlns:mv="urn:schemas-microsoft-com:mac:vml" xmlns:p="http://schemas.openxmlformats.org/presentationml/2006/main" mc:Ignorable="mv" mc:PreserveAttributes="mv:*">
   <p:cSld>
     <p:spTree>
@@ -19002,33 +21114,21 @@
             <a:pPr eaLnBrk="1" hangingPunct="1"/>
             <a:r>
               <a:rPr lang="en-US" sz="4400" dirty="0" smtClean="0"/>
-              <a:t>SAT-solvers work on </a:t>
-            </a:r>
-            <a:r>
-              <a:rPr lang="en-US" sz="4400" dirty="0" smtClean="0"/>
-              <a:t>formulas. </a:t>
+              <a:t>SAT-solvers work on formulas. </a:t>
             </a:r>
           </a:p>
           <a:p>
             <a:pPr eaLnBrk="1" hangingPunct="1"/>
             <a:r>
               <a:rPr lang="en-US" sz="4400" dirty="0" smtClean="0"/>
-              <a:t>Formula equivalent </a:t>
-            </a:r>
-            <a:r>
-              <a:rPr lang="en-US" sz="4400" dirty="0" smtClean="0"/>
-              <a:t>to circuit</a:t>
+              <a:t>Formula equivalent to circuit</a:t>
             </a:r>
           </a:p>
           <a:p>
             <a:pPr eaLnBrk="1" hangingPunct="1"/>
             <a:r>
               <a:rPr lang="en-US" sz="4400" dirty="0" smtClean="0"/>
-              <a:t>may be </a:t>
-            </a:r>
-            <a:r>
-              <a:rPr lang="en-US" sz="4400" dirty="0" smtClean="0"/>
-              <a:t>too big to check.</a:t>
+              <a:t>may be too big to check.</a:t>
             </a:r>
           </a:p>
           <a:p>
@@ -19106,7 +21206,7 @@
               <a:pPr>
                 <a:defRPr/>
               </a:pPr>
-              <a:t>19</a:t>
+              <a:t>22</a:t>
             </a:fld>
             <a:endParaRPr lang="en-US" dirty="0"/>
           </a:p>
@@ -19567,132 +21667,7 @@
 </p:sld>
 </file>
 
-<file path=ppt/slides/slide2.xml><?xml version="1.0" encoding="utf-8"?>
-<p:sld xmlns:a="http://schemas.openxmlformats.org/drawingml/2006/main" xmlns:r="http://schemas.openxmlformats.org/officeDocument/2006/relationships" xmlns:mc="http://schemas.openxmlformats.org/markup-compatibility/2006" xmlns:mv="urn:schemas-microsoft-com:mac:vml" xmlns:p="http://schemas.openxmlformats.org/presentationml/2006/main" mc:Ignorable="mv" mc:PreserveAttributes="mv:*">
-  <p:cSld>
-    <p:spTree>
-      <p:nvGrpSpPr>
-        <p:cNvPr id="1" name=""/>
-        <p:cNvGrpSpPr/>
-        <p:nvPr/>
-      </p:nvGrpSpPr>
-      <p:grpSpPr>
-        <a:xfrm>
-          <a:off x="0" y="0"/>
-          <a:ext cx="0" cy="0"/>
-          <a:chOff x="0" y="0"/>
-          <a:chExt cx="0" cy="0"/>
-        </a:xfrm>
-      </p:grpSpPr>
-      <p:sp>
-        <p:nvSpPr>
-          <p:cNvPr id="4" name="Slide Number Placeholder 3"/>
-          <p:cNvSpPr>
-            <a:spLocks noGrp="1"/>
-          </p:cNvSpPr>
-          <p:nvPr>
-            <p:ph type="sldNum" sz="quarter" idx="4"/>
-          </p:nvPr>
-        </p:nvSpPr>
-        <p:spPr>
-          <a:xfrm>
-            <a:off x="6477000" y="6553200"/>
-            <a:ext cx="2667000" cy="307777"/>
-          </a:xfrm>
-        </p:spPr>
-        <p:txBody>
-          <a:bodyPr/>
-          <a:lstStyle/>
-          <a:p>
-            <a:pPr>
-              <a:defRPr/>
-            </a:pPr>
-            <a:r>
-              <a:rPr lang="en-US" dirty="0" err="1" smtClean="0"/>
-              <a:t>lec</a:t>
-            </a:r>
-            <a:r>
-              <a:rPr lang="en-US" dirty="0" smtClean="0"/>
-              <a:t> 6M.</a:t>
-            </a:r>
-            <a:fld id="{03D159E7-7261-456C-B1C2-8B1BCE6FD8AA}" type="slidenum">
-              <a:rPr lang="en-US" smtClean="0"/>
-              <a:pPr>
-                <a:defRPr/>
-              </a:pPr>
-              <a:t>2</a:t>
-            </a:fld>
-            <a:endParaRPr lang="en-US" dirty="0"/>
-          </a:p>
-        </p:txBody>
-      </p:sp>
-      <p:sp>
-        <p:nvSpPr>
-          <p:cNvPr id="14339" name="Rectangle 2"/>
-          <p:cNvSpPr>
-            <a:spLocks noGrp="1" noChangeArrowheads="1"/>
-          </p:cNvSpPr>
-          <p:nvPr>
-            <p:ph type="title"/>
-          </p:nvPr>
-        </p:nvSpPr>
-        <p:spPr/>
-        <p:txBody>
-          <a:bodyPr/>
-          <a:lstStyle/>
-          <a:p>
-            <a:pPr eaLnBrk="1" hangingPunct="1"/>
-            <a:r>
-              <a:rPr lang="en-US" smtClean="0"/>
-              <a:t>RSA Public Key Encryption</a:t>
-            </a:r>
-          </a:p>
-        </p:txBody>
-      </p:sp>
-      <p:pic>
-        <p:nvPicPr>
-          <p:cNvPr id="14340" name="Picture 4" descr="rivest_shamir_adelman_photo"/>
-          <p:cNvPicPr>
-            <a:picLocks noGrp="1" noChangeAspect="1" noChangeArrowheads="1"/>
-          </p:cNvPicPr>
-          <p:nvPr>
-            <p:ph idx="1"/>
-          </p:nvPr>
-        </p:nvPicPr>
-        <p:blipFill>
-          <a:blip r:embed="rId3"/>
-          <a:srcRect/>
-          <a:stretch>
-            <a:fillRect/>
-          </a:stretch>
-        </p:blipFill>
-        <p:spPr>
-          <a:xfrm>
-            <a:off x="1619250" y="1354138"/>
-            <a:ext cx="6032500" cy="4335462"/>
-          </a:xfrm>
-          <a:noFill/>
-        </p:spPr>
-      </p:pic>
-    </p:spTree>
-  </p:cSld>
-  <p:clrMapOvr>
-    <a:masterClrMapping/>
-  </p:clrMapOvr>
-  <p:transition spd="slow">
-    <p:fade thruBlk="1"/>
-  </p:transition>
-  <p:timing>
-    <p:tnLst>
-      <p:par>
-        <p:cTn id="1" dur="indefinite" restart="never" nodeType="tmRoot"/>
-      </p:par>
-    </p:tnLst>
-  </p:timing>
-</p:sld>
-</file>
-
-<file path=ppt/slides/slide20.xml><?xml version="1.0" encoding="utf-8"?>
+<file path=ppt/slides/slide23.xml><?xml version="1.0" encoding="utf-8"?>
 <p:sld xmlns:a="http://schemas.openxmlformats.org/drawingml/2006/main" xmlns:r="http://schemas.openxmlformats.org/officeDocument/2006/relationships" xmlns:mc="http://schemas.openxmlformats.org/markup-compatibility/2006" xmlns:mv="urn:schemas-microsoft-com:mac:vml" xmlns:p="http://schemas.openxmlformats.org/presentationml/2006/main" mc:Ignorable="mv" mc:PreserveAttributes="mv:*">
   <p:cSld>
     <p:spTree>
@@ -19744,8 +21719,8 @@
         </p:nvSpPr>
         <p:spPr>
           <a:xfrm>
-            <a:off x="76200" y="1295400"/>
-            <a:ext cx="8915400" cy="4495800"/>
+            <a:off x="38100" y="2286000"/>
+            <a:ext cx="9029700" cy="2286000"/>
           </a:xfrm>
         </p:spPr>
         <p:txBody>
@@ -19754,21 +21729,14 @@
           <a:p>
             <a:pPr algn="ctr" eaLnBrk="1" hangingPunct="1"/>
             <a:r>
-              <a:rPr lang="en-US" sz="12700" dirty="0"/>
-              <a:t>Problems</a:t>
-            </a:r>
-          </a:p>
-          <a:p>
-            <a:pPr algn="ctr" eaLnBrk="1" hangingPunct="1"/>
-            <a:r>
               <a:rPr lang="en-US" sz="12700" dirty="0" smtClean="0"/>
-              <a:t>1 </a:t>
+              <a:t>Problem </a:t>
             </a:r>
             <a:r>
               <a:rPr lang="en-US" sz="12700" dirty="0" smtClean="0">
                 <a:sym typeface="Euclid Symbol" pitchFamily="18" charset="2"/>
               </a:rPr>
-              <a:t>&amp; 2</a:t>
+              <a:t>2</a:t>
             </a:r>
             <a:endParaRPr lang="en-US" sz="12700" dirty="0"/>
           </a:p>
@@ -19810,7 +21778,7 @@
               <a:pPr>
                 <a:defRPr/>
               </a:pPr>
-              <a:t>20</a:t>
+              <a:t>23</a:t>
             </a:fld>
             <a:endParaRPr lang="en-US" dirty="0"/>
           </a:p>
@@ -19832,7 +21800,7 @@
 </p:sld>
 </file>
 
-<file path=ppt/slides/slide21.xml><?xml version="1.0" encoding="utf-8"?>
+<file path=ppt/slides/slide24.xml><?xml version="1.0" encoding="utf-8"?>
 <p:sld xmlns:a="http://schemas.openxmlformats.org/drawingml/2006/main" xmlns:r="http://schemas.openxmlformats.org/officeDocument/2006/relationships" xmlns:mc="http://schemas.openxmlformats.org/markup-compatibility/2006" xmlns:mv="urn:schemas-microsoft-com:mac:vml" xmlns:p="http://schemas.openxmlformats.org/presentationml/2006/main" mc:Ignorable="mv" mc:PreserveAttributes="mv:*" show="0">
   <p:cSld>
     <p:spTree>
@@ -20998,7 +22966,6 @@
               <a:rPr lang="en-US" sz="5400" dirty="0" smtClean="0"/>
               <a:t>: </a:t>
             </a:r>
-            <a:endParaRPr lang="en-US" sz="5400" dirty="0" smtClean="0"/>
           </a:p>
           <a:p>
             <a:pPr eaLnBrk="1" hangingPunct="1">
@@ -21031,17 +22998,7 @@
                   </a:schemeClr>
                 </a:solidFill>
               </a:rPr>
-              <a:t>rem((</a:t>
-            </a:r>
-            <a:r>
-              <a:rPr lang="en-US" sz="5400" dirty="0" err="1" smtClean="0">
-                <a:solidFill>
-                  <a:schemeClr val="accent5">
-                    <a:lumMod val="50000"/>
-                  </a:schemeClr>
-                </a:solidFill>
-              </a:rPr>
-              <a:t>m</a:t>
+              <a:t>rem((m</a:t>
             </a:r>
             <a:r>
               <a:rPr lang="en-US" sz="5400" dirty="0" smtClean="0">
@@ -21997,7 +23954,7 @@
               <a:rPr lang="en-US" dirty="0" smtClean="0"/>
               <a:t> 6M.</a:t>
             </a:r>
-            <a:fld id="{3C84E341-AEF3-493B-A8EE-DBBF671E8583}" type="slidenum">
+            <a:fld id="{6A5E9C01-C108-4A5C-AE7A-FB77D488E7D9}" type="slidenum">
               <a:rPr lang="en-US" smtClean="0"/>
               <a:pPr>
                 <a:defRPr/>
@@ -22010,7 +23967,7 @@
       </p:sp>
       <p:sp>
         <p:nvSpPr>
-          <p:cNvPr id="18435" name="Rectangle 2"/>
+          <p:cNvPr id="16387" name="Rectangle 2"/>
           <p:cNvSpPr>
             <a:spLocks noGrp="1" noChangeArrowheads="1"/>
           </p:cNvSpPr>
@@ -22025,15 +23982,16 @@
           <a:p>
             <a:pPr eaLnBrk="1" hangingPunct="1"/>
             <a:r>
-              <a:rPr lang="en-US" sz="4800" smtClean="0"/>
-              <a:t>Why does this work?</a:t>
-            </a:r>
+              <a:rPr lang="en-US" dirty="0" smtClean="0"/>
+              <a:t>lots of primes</a:t>
+            </a:r>
+            <a:endParaRPr lang="en-US" dirty="0" smtClean="0"/>
           </a:p>
         </p:txBody>
       </p:sp>
       <p:sp>
         <p:nvSpPr>
-          <p:cNvPr id="35844" name="Rectangle 4"/>
+          <p:cNvPr id="408579" name="Rectangle 3"/>
           <p:cNvSpPr>
             <a:spLocks noGrp="1" noChangeArrowheads="1"/>
           </p:cNvSpPr>
@@ -22043,59 +24001,88 @@
         </p:nvSpPr>
         <p:spPr>
           <a:xfrm>
-            <a:off x="533400" y="1600200"/>
-            <a:ext cx="8026400" cy="3505200"/>
+            <a:off x="685800" y="838200"/>
+            <a:ext cx="7620000" cy="5562600"/>
           </a:xfrm>
         </p:spPr>
         <p:txBody>
           <a:bodyPr/>
           <a:lstStyle/>
           <a:p>
-            <a:pPr eaLnBrk="1" hangingPunct="1">
-              <a:buFontTx/>
-              <a:buNone/>
-              <a:defRPr/>
-            </a:pPr>
-            <a:r>
-              <a:rPr lang="en-US" sz="6000" dirty="0" smtClean="0"/>
-              <a:t>follows easily from </a:t>
+            <a:pPr eaLnBrk="1" hangingPunct="1"/>
+            <a:r>
+              <a:rPr lang="en-US" sz="4000" dirty="0" smtClean="0">
+                <a:solidFill>
+                  <a:srgbClr val="930093"/>
+                </a:solidFill>
+              </a:rPr>
+              <a:t>Prime Number </a:t>
+            </a:r>
+            <a:r>
+              <a:rPr lang="en-US" sz="4000" dirty="0" err="1" smtClean="0">
+                <a:solidFill>
+                  <a:srgbClr val="930093"/>
+                </a:solidFill>
+              </a:rPr>
+              <a:t>Thm</a:t>
+            </a:r>
+            <a:r>
+              <a:rPr lang="en-US" sz="4000" dirty="0" smtClean="0">
+                <a:solidFill>
+                  <a:srgbClr val="930093"/>
+                </a:solidFill>
+              </a:rPr>
+              <a:t>:</a:t>
             </a:r>
           </a:p>
           <a:p>
-            <a:pPr eaLnBrk="1" hangingPunct="1">
-              <a:buFontTx/>
-              <a:buNone/>
-              <a:defRPr/>
-            </a:pPr>
-            <a:r>
-              <a:rPr lang="en-US" sz="6000" dirty="0" smtClean="0"/>
-              <a:t>Euler’s Theorem when</a:t>
-            </a:r>
-          </a:p>
-          <a:p>
-            <a:pPr eaLnBrk="1" hangingPunct="1">
-              <a:buFontTx/>
-              <a:buNone/>
-              <a:defRPr/>
-            </a:pPr>
-            <a:r>
-              <a:rPr lang="en-US" sz="6000" dirty="0" smtClean="0">
+            <a:pPr eaLnBrk="1" hangingPunct="1"/>
+            <a:r>
+              <a:rPr lang="en-US" sz="5400" dirty="0" err="1" smtClean="0">
                 <a:solidFill>
-                  <a:schemeClr val="accent5">
+                  <a:schemeClr val="accent1">
                     <a:lumMod val="50000"/>
                   </a:schemeClr>
                 </a:solidFill>
               </a:rPr>
-              <a:t>m</a:t>
-            </a:r>
-            <a:r>
-              <a:rPr lang="en-US" sz="6000" dirty="0" smtClean="0"/>
-              <a:t> has inverse mod </a:t>
-            </a:r>
-            <a:r>
-              <a:rPr lang="en-US" sz="6000" dirty="0" smtClean="0">
+              <a:t>π(n</a:t>
+            </a:r>
+            <a:r>
+              <a:rPr lang="en-US" sz="5400" dirty="0" smtClean="0">
                 <a:solidFill>
-                  <a:schemeClr val="accent5">
+                  <a:schemeClr val="accent1">
+                    <a:lumMod val="50000"/>
+                  </a:schemeClr>
+                </a:solidFill>
+              </a:rPr>
+              <a:t>) ::= |primes </a:t>
+            </a:r>
+            <a:r>
+              <a:rPr lang="en-US" sz="5400" b="1" dirty="0" smtClean="0">
+                <a:solidFill>
+                  <a:schemeClr val="accent1">
+                    <a:lumMod val="50000"/>
+                  </a:schemeClr>
+                </a:solidFill>
+                <a:latin typeface="Euclid Symbol" charset="2"/>
+                <a:cs typeface="Euclid Symbol" charset="2"/>
+              </a:rPr>
+              <a:t>≤</a:t>
+            </a:r>
+            <a:r>
+              <a:rPr lang="en-US" sz="5400" dirty="0" smtClean="0">
+                <a:solidFill>
+                  <a:schemeClr val="accent1">
+                    <a:lumMod val="50000"/>
+                  </a:schemeClr>
+                </a:solidFill>
+              </a:rPr>
+              <a:t> </a:t>
+            </a:r>
+            <a:r>
+              <a:rPr lang="en-US" sz="5400" dirty="0" err="1" smtClean="0">
+                <a:solidFill>
+                  <a:schemeClr val="accent1">
                     <a:lumMod val="50000"/>
                   </a:schemeClr>
                 </a:solidFill>
@@ -22103,9 +24090,190 @@
               <a:t>n</a:t>
             </a:r>
             <a:r>
-              <a:rPr lang="en-US" sz="6000" dirty="0" smtClean="0"/>
+              <a:rPr lang="en-US" sz="5400" dirty="0" smtClean="0">
+                <a:solidFill>
+                  <a:schemeClr val="accent1">
+                    <a:lumMod val="50000"/>
+                  </a:schemeClr>
+                </a:solidFill>
+              </a:rPr>
+              <a:t>|</a:t>
+            </a:r>
+          </a:p>
+          <a:p>
+            <a:pPr eaLnBrk="1" hangingPunct="1"/>
+            <a:r>
+              <a:rPr lang="en-US" sz="5400" dirty="0" smtClean="0">
+                <a:solidFill>
+                  <a:schemeClr val="accent1">
+                    <a:lumMod val="50000"/>
+                  </a:schemeClr>
+                </a:solidFill>
+              </a:rPr>
+              <a:t>       </a:t>
+            </a:r>
+            <a:r>
+              <a:rPr lang="en-US" sz="4800" dirty="0" smtClean="0">
+                <a:solidFill>
+                  <a:schemeClr val="accent1">
+                    <a:lumMod val="50000"/>
+                  </a:schemeClr>
+                </a:solidFill>
+              </a:rPr>
+              <a:t> ~ </a:t>
+            </a:r>
+            <a:r>
+              <a:rPr lang="en-US" sz="4800" dirty="0" err="1" smtClean="0">
+                <a:solidFill>
+                  <a:schemeClr val="accent1">
+                    <a:lumMod val="50000"/>
+                  </a:schemeClr>
+                </a:solidFill>
+              </a:rPr>
+              <a:t>n/ln</a:t>
+            </a:r>
+            <a:r>
+              <a:rPr lang="en-US" sz="4800" dirty="0" smtClean="0">
+                <a:solidFill>
+                  <a:schemeClr val="accent1">
+                    <a:lumMod val="50000"/>
+                  </a:schemeClr>
+                </a:solidFill>
+              </a:rPr>
               <a:t> </a:t>
             </a:r>
+            <a:r>
+              <a:rPr lang="en-US" sz="4800" dirty="0" err="1" smtClean="0">
+                <a:solidFill>
+                  <a:schemeClr val="accent1">
+                    <a:lumMod val="50000"/>
+                  </a:schemeClr>
+                </a:solidFill>
+              </a:rPr>
+              <a:t>n</a:t>
+            </a:r>
+            <a:r>
+              <a:rPr lang="en-US" sz="4800" dirty="0" smtClean="0">
+                <a:solidFill>
+                  <a:schemeClr val="accent1">
+                    <a:lumMod val="50000"/>
+                  </a:schemeClr>
+                </a:solidFill>
+              </a:rPr>
+              <a:t>  </a:t>
+            </a:r>
+            <a:r>
+              <a:rPr lang="en-US" sz="4800" dirty="0" smtClean="0"/>
+              <a:t>(deep </a:t>
+            </a:r>
+            <a:r>
+              <a:rPr lang="en-US" sz="4800" dirty="0" err="1" smtClean="0"/>
+              <a:t>thm</a:t>
+            </a:r>
+            <a:r>
+              <a:rPr lang="en-US" sz="4800" dirty="0" smtClean="0"/>
+              <a:t>)</a:t>
+            </a:r>
+            <a:endParaRPr lang="en-US" sz="5400" dirty="0" smtClean="0"/>
+          </a:p>
+          <a:p>
+            <a:pPr algn="ctr" eaLnBrk="1" hangingPunct="1"/>
+            <a:r>
+              <a:rPr lang="en-US" sz="6000" dirty="0" err="1" smtClean="0">
+                <a:solidFill>
+                  <a:schemeClr val="accent1">
+                    <a:lumMod val="50000"/>
+                  </a:schemeClr>
+                </a:solidFill>
+              </a:rPr>
+              <a:t>π(n</a:t>
+            </a:r>
+            <a:r>
+              <a:rPr lang="en-US" sz="6000" dirty="0" smtClean="0">
+                <a:solidFill>
+                  <a:schemeClr val="accent1">
+                    <a:lumMod val="50000"/>
+                  </a:schemeClr>
+                </a:solidFill>
+              </a:rPr>
+              <a:t>) </a:t>
+            </a:r>
+            <a:r>
+              <a:rPr lang="en-US" sz="6000" b="1" dirty="0" smtClean="0">
+                <a:solidFill>
+                  <a:schemeClr val="accent1">
+                    <a:lumMod val="50000"/>
+                  </a:schemeClr>
+                </a:solidFill>
+                <a:latin typeface="Euclid Symbol" charset="2"/>
+                <a:cs typeface="Euclid Symbol" charset="2"/>
+              </a:rPr>
+              <a:t>&gt;  </a:t>
+            </a:r>
+            <a:r>
+              <a:rPr lang="en-US" sz="6000" dirty="0" smtClean="0">
+                <a:solidFill>
+                  <a:schemeClr val="accent1">
+                    <a:lumMod val="50000"/>
+                  </a:schemeClr>
+                </a:solidFill>
+                <a:latin typeface="Comic Sans MS"/>
+                <a:cs typeface="Comic Sans MS"/>
+              </a:rPr>
+              <a:t>n/4 log </a:t>
+            </a:r>
+            <a:r>
+              <a:rPr lang="en-US" sz="6000" dirty="0" err="1" smtClean="0">
+                <a:solidFill>
+                  <a:schemeClr val="accent1">
+                    <a:lumMod val="50000"/>
+                  </a:schemeClr>
+                </a:solidFill>
+                <a:latin typeface="Comic Sans MS"/>
+                <a:cs typeface="Comic Sans MS"/>
+              </a:rPr>
+              <a:t>n</a:t>
+            </a:r>
+            <a:endParaRPr lang="en-US" sz="6000" dirty="0" smtClean="0">
+              <a:solidFill>
+                <a:schemeClr val="accent1">
+                  <a:lumMod val="50000"/>
+                </a:schemeClr>
+              </a:solidFill>
+              <a:latin typeface="Comic Sans MS"/>
+              <a:cs typeface="Comic Sans MS"/>
+            </a:endParaRPr>
+          </a:p>
+          <a:p>
+            <a:pPr algn="ctr" eaLnBrk="1" hangingPunct="1"/>
+            <a:r>
+              <a:rPr lang="en-US" sz="4800" dirty="0" err="1" smtClean="0"/>
+              <a:t>Chebyshev’s</a:t>
+            </a:r>
+            <a:r>
+              <a:rPr lang="en-US" sz="4800" dirty="0" smtClean="0"/>
+              <a:t> bound</a:t>
+            </a:r>
+          </a:p>
+          <a:p>
+            <a:pPr algn="ctr" eaLnBrk="1" hangingPunct="1"/>
+            <a:r>
+              <a:rPr lang="en-US" sz="4800" dirty="0" smtClean="0">
+                <a:solidFill>
+                  <a:srgbClr val="000000"/>
+                </a:solidFill>
+                <a:latin typeface="Comic Sans MS"/>
+                <a:cs typeface="Comic Sans MS"/>
+              </a:rPr>
+              <a:t>“elementary” proof</a:t>
+            </a:r>
+            <a:endParaRPr lang="en-US" sz="4800" dirty="0" smtClean="0">
+              <a:solidFill>
+                <a:srgbClr val="000000"/>
+              </a:solidFill>
+              <a:latin typeface="Comic Sans MS"/>
+              <a:cs typeface="Comic Sans MS"/>
+            </a:endParaRPr>
           </a:p>
         </p:txBody>
       </p:sp>
@@ -22114,15 +24282,407 @@
   <p:clrMapOvr>
     <a:masterClrMapping/>
   </p:clrMapOvr>
-  <p:transition>
-    <p:fade/>
+  <p:transition spd="slow">
+    <p:fade thruBlk="1"/>
   </p:transition>
   <p:timing>
     <p:tnLst>
       <p:par>
-        <p:cTn id="1" dur="indefinite" restart="never" nodeType="tmRoot"/>
+        <p:cTn id="1" dur="indefinite" restart="never" nodeType="tmRoot">
+          <p:childTnLst>
+            <p:seq concurrent="1" nextAc="seek">
+              <p:cTn id="2" dur="indefinite" nodeType="mainSeq">
+                <p:childTnLst>
+                  <p:par>
+                    <p:cTn id="3" fill="hold">
+                      <p:stCondLst>
+                        <p:cond delay="indefinite"/>
+                      </p:stCondLst>
+                      <p:childTnLst>
+                        <p:par>
+                          <p:cTn id="4" fill="hold">
+                            <p:stCondLst>
+                              <p:cond delay="0"/>
+                            </p:stCondLst>
+                            <p:childTnLst>
+                              <p:par>
+                                <p:cTn id="5" presetID="10" presetClass="entr" presetSubtype="0" fill="hold" grpId="0" nodeType="clickEffect">
+                                  <p:stCondLst>
+                                    <p:cond delay="0"/>
+                                  </p:stCondLst>
+                                  <p:childTnLst>
+                                    <p:set>
+                                      <p:cBhvr>
+                                        <p:cTn id="6" dur="1" fill="hold">
+                                          <p:stCondLst>
+                                            <p:cond delay="0"/>
+                                          </p:stCondLst>
+                                        </p:cTn>
+                                        <p:tgtEl>
+                                          <p:spTgt spid="408579">
+                                            <p:txEl>
+                                              <p:pRg st="0" end="0"/>
+                                            </p:txEl>
+                                          </p:spTgt>
+                                        </p:tgtEl>
+                                        <p:attrNameLst>
+                                          <p:attrName>style.visibility</p:attrName>
+                                        </p:attrNameLst>
+                                      </p:cBhvr>
+                                      <p:to>
+                                        <p:strVal val="visible"/>
+                                      </p:to>
+                                    </p:set>
+                                    <p:animEffect transition="in" filter="fade">
+                                      <p:cBhvr>
+                                        <p:cTn id="7" dur="500"/>
+                                        <p:tgtEl>
+                                          <p:spTgt spid="408579">
+                                            <p:txEl>
+                                              <p:pRg st="0" end="0"/>
+                                            </p:txEl>
+                                          </p:spTgt>
+                                        </p:tgtEl>
+                                      </p:cBhvr>
+                                    </p:animEffect>
+                                  </p:childTnLst>
+                                </p:cTn>
+                              </p:par>
+                            </p:childTnLst>
+                          </p:cTn>
+                        </p:par>
+                      </p:childTnLst>
+                    </p:cTn>
+                  </p:par>
+                  <p:par>
+                    <p:cTn id="8" fill="hold">
+                      <p:stCondLst>
+                        <p:cond delay="indefinite"/>
+                      </p:stCondLst>
+                      <p:childTnLst>
+                        <p:par>
+                          <p:cTn id="9" fill="hold">
+                            <p:stCondLst>
+                              <p:cond delay="0"/>
+                            </p:stCondLst>
+                            <p:childTnLst>
+                              <p:par>
+                                <p:cTn id="10" presetID="10" presetClass="entr" presetSubtype="0" fill="hold" grpId="0" nodeType="clickEffect">
+                                  <p:stCondLst>
+                                    <p:cond delay="0"/>
+                                  </p:stCondLst>
+                                  <p:childTnLst>
+                                    <p:set>
+                                      <p:cBhvr>
+                                        <p:cTn id="11" dur="1" fill="hold">
+                                          <p:stCondLst>
+                                            <p:cond delay="0"/>
+                                          </p:stCondLst>
+                                        </p:cTn>
+                                        <p:tgtEl>
+                                          <p:spTgt spid="408579">
+                                            <p:txEl>
+                                              <p:pRg st="1" end="1"/>
+                                            </p:txEl>
+                                          </p:spTgt>
+                                        </p:tgtEl>
+                                        <p:attrNameLst>
+                                          <p:attrName>style.visibility</p:attrName>
+                                        </p:attrNameLst>
+                                      </p:cBhvr>
+                                      <p:to>
+                                        <p:strVal val="visible"/>
+                                      </p:to>
+                                    </p:set>
+                                    <p:animEffect transition="in" filter="fade">
+                                      <p:cBhvr>
+                                        <p:cTn id="12" dur="500"/>
+                                        <p:tgtEl>
+                                          <p:spTgt spid="408579">
+                                            <p:txEl>
+                                              <p:pRg st="1" end="1"/>
+                                            </p:txEl>
+                                          </p:spTgt>
+                                        </p:tgtEl>
+                                      </p:cBhvr>
+                                    </p:animEffect>
+                                  </p:childTnLst>
+                                </p:cTn>
+                              </p:par>
+                            </p:childTnLst>
+                          </p:cTn>
+                        </p:par>
+                      </p:childTnLst>
+                    </p:cTn>
+                  </p:par>
+                  <p:par>
+                    <p:cTn id="13" fill="hold">
+                      <p:stCondLst>
+                        <p:cond delay="indefinite"/>
+                      </p:stCondLst>
+                      <p:childTnLst>
+                        <p:par>
+                          <p:cTn id="14" fill="hold">
+                            <p:stCondLst>
+                              <p:cond delay="0"/>
+                            </p:stCondLst>
+                            <p:childTnLst>
+                              <p:par>
+                                <p:cTn id="15" presetID="10" presetClass="entr" presetSubtype="0" fill="hold" grpId="0" nodeType="clickEffect">
+                                  <p:stCondLst>
+                                    <p:cond delay="0"/>
+                                  </p:stCondLst>
+                                  <p:childTnLst>
+                                    <p:set>
+                                      <p:cBhvr>
+                                        <p:cTn id="16" dur="1" fill="hold">
+                                          <p:stCondLst>
+                                            <p:cond delay="0"/>
+                                          </p:stCondLst>
+                                        </p:cTn>
+                                        <p:tgtEl>
+                                          <p:spTgt spid="408579">
+                                            <p:txEl>
+                                              <p:pRg st="2" end="2"/>
+                                            </p:txEl>
+                                          </p:spTgt>
+                                        </p:tgtEl>
+                                        <p:attrNameLst>
+                                          <p:attrName>style.visibility</p:attrName>
+                                        </p:attrNameLst>
+                                      </p:cBhvr>
+                                      <p:to>
+                                        <p:strVal val="visible"/>
+                                      </p:to>
+                                    </p:set>
+                                    <p:animEffect transition="in" filter="fade">
+                                      <p:cBhvr>
+                                        <p:cTn id="17" dur="500"/>
+                                        <p:tgtEl>
+                                          <p:spTgt spid="408579">
+                                            <p:txEl>
+                                              <p:pRg st="2" end="2"/>
+                                            </p:txEl>
+                                          </p:spTgt>
+                                        </p:tgtEl>
+                                      </p:cBhvr>
+                                    </p:animEffect>
+                                  </p:childTnLst>
+                                </p:cTn>
+                              </p:par>
+                            </p:childTnLst>
+                          </p:cTn>
+                        </p:par>
+                      </p:childTnLst>
+                    </p:cTn>
+                  </p:par>
+                  <p:par>
+                    <p:cTn id="18" fill="hold">
+                      <p:stCondLst>
+                        <p:cond delay="indefinite"/>
+                      </p:stCondLst>
+                      <p:childTnLst>
+                        <p:par>
+                          <p:cTn id="19" fill="hold">
+                            <p:stCondLst>
+                              <p:cond delay="0"/>
+                            </p:stCondLst>
+                            <p:childTnLst>
+                              <p:par>
+                                <p:cTn id="20" presetID="10" presetClass="entr" presetSubtype="0" fill="hold" grpId="0" nodeType="clickEffect">
+                                  <p:stCondLst>
+                                    <p:cond delay="0"/>
+                                  </p:stCondLst>
+                                  <p:childTnLst>
+                                    <p:set>
+                                      <p:cBhvr>
+                                        <p:cTn id="21" dur="1" fill="hold">
+                                          <p:stCondLst>
+                                            <p:cond delay="0"/>
+                                          </p:stCondLst>
+                                        </p:cTn>
+                                        <p:tgtEl>
+                                          <p:spTgt spid="408579">
+                                            <p:txEl>
+                                              <p:pRg st="3" end="3"/>
+                                            </p:txEl>
+                                          </p:spTgt>
+                                        </p:tgtEl>
+                                        <p:attrNameLst>
+                                          <p:attrName>style.visibility</p:attrName>
+                                        </p:attrNameLst>
+                                      </p:cBhvr>
+                                      <p:to>
+                                        <p:strVal val="visible"/>
+                                      </p:to>
+                                    </p:set>
+                                    <p:animEffect transition="in" filter="fade">
+                                      <p:cBhvr>
+                                        <p:cTn id="22" dur="500"/>
+                                        <p:tgtEl>
+                                          <p:spTgt spid="408579">
+                                            <p:txEl>
+                                              <p:pRg st="3" end="3"/>
+                                            </p:txEl>
+                                          </p:spTgt>
+                                        </p:tgtEl>
+                                      </p:cBhvr>
+                                    </p:animEffect>
+                                  </p:childTnLst>
+                                </p:cTn>
+                              </p:par>
+                            </p:childTnLst>
+                          </p:cTn>
+                        </p:par>
+                      </p:childTnLst>
+                    </p:cTn>
+                  </p:par>
+                  <p:par>
+                    <p:cTn id="23" fill="hold">
+                      <p:stCondLst>
+                        <p:cond delay="indefinite"/>
+                      </p:stCondLst>
+                      <p:childTnLst>
+                        <p:par>
+                          <p:cTn id="24" fill="hold">
+                            <p:stCondLst>
+                              <p:cond delay="0"/>
+                            </p:stCondLst>
+                            <p:childTnLst>
+                              <p:par>
+                                <p:cTn id="25" presetID="10" presetClass="entr" presetSubtype="0" fill="hold" grpId="0" nodeType="clickEffect">
+                                  <p:stCondLst>
+                                    <p:cond delay="0"/>
+                                  </p:stCondLst>
+                                  <p:childTnLst>
+                                    <p:set>
+                                      <p:cBhvr>
+                                        <p:cTn id="26" dur="1" fill="hold">
+                                          <p:stCondLst>
+                                            <p:cond delay="0"/>
+                                          </p:stCondLst>
+                                        </p:cTn>
+                                        <p:tgtEl>
+                                          <p:spTgt spid="408579">
+                                            <p:txEl>
+                                              <p:pRg st="4" end="4"/>
+                                            </p:txEl>
+                                          </p:spTgt>
+                                        </p:tgtEl>
+                                        <p:attrNameLst>
+                                          <p:attrName>style.visibility</p:attrName>
+                                        </p:attrNameLst>
+                                      </p:cBhvr>
+                                      <p:to>
+                                        <p:strVal val="visible"/>
+                                      </p:to>
+                                    </p:set>
+                                    <p:animEffect transition="in" filter="fade">
+                                      <p:cBhvr>
+                                        <p:cTn id="27" dur="500"/>
+                                        <p:tgtEl>
+                                          <p:spTgt spid="408579">
+                                            <p:txEl>
+                                              <p:pRg st="4" end="4"/>
+                                            </p:txEl>
+                                          </p:spTgt>
+                                        </p:tgtEl>
+                                      </p:cBhvr>
+                                    </p:animEffect>
+                                  </p:childTnLst>
+                                </p:cTn>
+                              </p:par>
+                            </p:childTnLst>
+                          </p:cTn>
+                        </p:par>
+                      </p:childTnLst>
+                    </p:cTn>
+                  </p:par>
+                  <p:par>
+                    <p:cTn id="28" fill="hold">
+                      <p:stCondLst>
+                        <p:cond delay="indefinite"/>
+                      </p:stCondLst>
+                      <p:childTnLst>
+                        <p:par>
+                          <p:cTn id="29" fill="hold">
+                            <p:stCondLst>
+                              <p:cond delay="0"/>
+                            </p:stCondLst>
+                            <p:childTnLst>
+                              <p:par>
+                                <p:cTn id="30" presetID="10" presetClass="entr" presetSubtype="0" fill="hold" grpId="0" nodeType="clickEffect">
+                                  <p:stCondLst>
+                                    <p:cond delay="0"/>
+                                  </p:stCondLst>
+                                  <p:childTnLst>
+                                    <p:set>
+                                      <p:cBhvr>
+                                        <p:cTn id="31" dur="1" fill="hold">
+                                          <p:stCondLst>
+                                            <p:cond delay="0"/>
+                                          </p:stCondLst>
+                                        </p:cTn>
+                                        <p:tgtEl>
+                                          <p:spTgt spid="408579">
+                                            <p:txEl>
+                                              <p:pRg st="5" end="5"/>
+                                            </p:txEl>
+                                          </p:spTgt>
+                                        </p:tgtEl>
+                                        <p:attrNameLst>
+                                          <p:attrName>style.visibility</p:attrName>
+                                        </p:attrNameLst>
+                                      </p:cBhvr>
+                                      <p:to>
+                                        <p:strVal val="visible"/>
+                                      </p:to>
+                                    </p:set>
+                                    <p:animEffect transition="in" filter="fade">
+                                      <p:cBhvr>
+                                        <p:cTn id="32" dur="500"/>
+                                        <p:tgtEl>
+                                          <p:spTgt spid="408579">
+                                            <p:txEl>
+                                              <p:pRg st="5" end="5"/>
+                                            </p:txEl>
+                                          </p:spTgt>
+                                        </p:tgtEl>
+                                      </p:cBhvr>
+                                    </p:animEffect>
+                                  </p:childTnLst>
+                                </p:cTn>
+                              </p:par>
+                            </p:childTnLst>
+                          </p:cTn>
+                        </p:par>
+                      </p:childTnLst>
+                    </p:cTn>
+                  </p:par>
+                </p:childTnLst>
+              </p:cTn>
+              <p:prevCondLst>
+                <p:cond evt="onPrev" delay="0">
+                  <p:tgtEl>
+                    <p:sldTgt/>
+                  </p:tgtEl>
+                </p:cond>
+              </p:prevCondLst>
+              <p:nextCondLst>
+                <p:cond evt="onNext" delay="0">
+                  <p:tgtEl>
+                    <p:sldTgt/>
+                  </p:tgtEl>
+                </p:cond>
+              </p:nextCondLst>
+            </p:seq>
+          </p:childTnLst>
+        </p:cTn>
       </p:par>
     </p:tnLst>
+    <p:bldLst>
+      <p:bldP spid="408579" grpId="0" build="p"/>
+    </p:bldLst>
   </p:timing>
 </p:sld>
 </file>
@@ -22175,7 +24735,7 @@
               <a:rPr lang="en-US" dirty="0" smtClean="0"/>
               <a:t> 6M.</a:t>
             </a:r>
-            <a:fld id="{39475D55-F769-4D1E-BA0D-F03B0BEACB86}" type="slidenum">
+            <a:fld id="{6A5E9C01-C108-4A5C-AE7A-FB77D488E7D9}" type="slidenum">
               <a:rPr lang="en-US" smtClean="0"/>
               <a:pPr>
                 <a:defRPr/>
@@ -22188,7 +24748,7 @@
       </p:sp>
       <p:sp>
         <p:nvSpPr>
-          <p:cNvPr id="19459" name="Rectangle 2"/>
+          <p:cNvPr id="16387" name="Rectangle 2"/>
           <p:cNvSpPr>
             <a:spLocks noGrp="1" noChangeArrowheads="1"/>
           </p:cNvSpPr>
@@ -22203,15 +24763,16 @@
           <a:p>
             <a:pPr eaLnBrk="1" hangingPunct="1"/>
             <a:r>
-              <a:rPr lang="en-US" sz="4800" smtClean="0"/>
-              <a:t>Why does this work?</a:t>
-            </a:r>
+              <a:rPr lang="en-US" dirty="0" smtClean="0"/>
+              <a:t>lots of primes</a:t>
+            </a:r>
+            <a:endParaRPr lang="en-US" dirty="0" smtClean="0"/>
           </a:p>
         </p:txBody>
       </p:sp>
       <p:sp>
         <p:nvSpPr>
-          <p:cNvPr id="35844" name="Rectangle 4"/>
+          <p:cNvPr id="408579" name="Rectangle 3"/>
           <p:cNvSpPr>
             <a:spLocks noGrp="1" noChangeArrowheads="1"/>
           </p:cNvSpPr>
@@ -22221,135 +24782,166 @@
         </p:nvSpPr>
         <p:spPr>
           <a:xfrm>
-            <a:off x="787400" y="1308100"/>
-            <a:ext cx="7594600" cy="2514600"/>
+            <a:off x="685800" y="1371600"/>
+            <a:ext cx="7848600" cy="4953000"/>
           </a:xfrm>
         </p:spPr>
         <p:txBody>
           <a:bodyPr/>
           <a:lstStyle/>
           <a:p>
-            <a:pPr eaLnBrk="1" hangingPunct="1">
-              <a:buFontTx/>
-              <a:buNone/>
-              <a:defRPr/>
-            </a:pPr>
-            <a:r>
-              <a:rPr lang="en-US" sz="6600" dirty="0" smtClean="0"/>
-              <a:t>actually works for </a:t>
-            </a:r>
-          </a:p>
-          <a:p>
-            <a:pPr eaLnBrk="1" hangingPunct="1">
-              <a:buFontTx/>
-              <a:buNone/>
-              <a:defRPr/>
-            </a:pPr>
-            <a:r>
-              <a:rPr lang="en-US" sz="6600" dirty="0" smtClean="0"/>
-              <a:t>all </a:t>
-            </a:r>
-            <a:r>
-              <a:rPr lang="en-US" sz="6600" dirty="0" smtClean="0">
+            <a:pPr eaLnBrk="1" hangingPunct="1"/>
+            <a:r>
+              <a:rPr lang="en-US" sz="5400" dirty="0" smtClean="0">
                 <a:solidFill>
                   <a:schemeClr val="accent1">
                     <a:lumMod val="50000"/>
                   </a:schemeClr>
                 </a:solidFill>
               </a:rPr>
-              <a:t>m</a:t>
+              <a:t>so for 200 digit #’</a:t>
+            </a:r>
+            <a:r>
+              <a:rPr lang="en-US" sz="5400" dirty="0" err="1" smtClean="0">
+                <a:solidFill>
+                  <a:schemeClr val="accent1">
+                    <a:lumMod val="50000"/>
+                  </a:schemeClr>
+                </a:solidFill>
+              </a:rPr>
+              <a:t>s</a:t>
+            </a:r>
+            <a:r>
+              <a:rPr lang="en-US" sz="5400" dirty="0" smtClean="0">
+                <a:solidFill>
+                  <a:schemeClr val="accent1">
+                    <a:lumMod val="50000"/>
+                  </a:schemeClr>
+                </a:solidFill>
+              </a:rPr>
+              <a:t>,</a:t>
             </a:r>
           </a:p>
-        </p:txBody>
-      </p:sp>
-      <p:sp>
-        <p:nvSpPr>
-          <p:cNvPr id="5" name="TextBox 4"/>
-          <p:cNvSpPr txBox="1"/>
-          <p:nvPr/>
-        </p:nvSpPr>
-        <p:spPr>
-          <a:xfrm>
-            <a:off x="304800" y="2514600"/>
-            <a:ext cx="8496300" cy="2326791"/>
-          </a:xfrm>
-          <a:prstGeom prst="rect">
-            <a:avLst/>
-          </a:prstGeom>
-          <a:noFill/>
-        </p:spPr>
-        <p:txBody>
-          <a:bodyPr wrap="square">
-            <a:spAutoFit/>
-          </a:bodyPr>
-          <a:lstStyle/>
           <a:p>
-            <a:pPr marL="342900" indent="-342900" eaLnBrk="1" hangingPunct="1">
-              <a:spcBef>
-                <a:spcPct val="20000"/>
-              </a:spcBef>
-              <a:defRPr/>
-            </a:pPr>
-            <a:r>
-              <a:rPr lang="en-US" sz="6600" kern="0" dirty="0" smtClean="0">
+            <a:pPr eaLnBrk="1" hangingPunct="1"/>
+            <a:r>
+              <a:rPr lang="en-US" sz="5400" dirty="0" smtClean="0">
+                <a:solidFill>
+                  <a:schemeClr val="accent1">
+                    <a:lumMod val="50000"/>
+                  </a:schemeClr>
+                </a:solidFill>
+              </a:rPr>
+              <a:t>at least 1/1000 is prime</a:t>
+            </a:r>
+          </a:p>
+          <a:p>
+            <a:pPr algn="ctr" eaLnBrk="1" hangingPunct="1"/>
+            <a:r>
+              <a:rPr lang="en-US" sz="6000" dirty="0" err="1" smtClean="0">
+                <a:solidFill>
+                  <a:schemeClr val="accent1">
+                    <a:lumMod val="50000"/>
+                  </a:schemeClr>
+                </a:solidFill>
+              </a:rPr>
+              <a:t>π</a:t>
+            </a:r>
+            <a:r>
+              <a:rPr lang="en-US" sz="6000" dirty="0" err="1" smtClean="0">
+                <a:solidFill>
+                  <a:schemeClr val="accent1">
+                    <a:lumMod val="50000"/>
+                  </a:schemeClr>
+                </a:solidFill>
+              </a:rPr>
+              <a:t>(n</a:t>
+            </a:r>
+            <a:r>
+              <a:rPr lang="en-US" sz="6000" dirty="0" smtClean="0">
+                <a:solidFill>
+                  <a:schemeClr val="accent1">
+                    <a:lumMod val="50000"/>
+                  </a:schemeClr>
+                </a:solidFill>
+              </a:rPr>
+              <a:t>) </a:t>
+            </a:r>
+            <a:r>
+              <a:rPr lang="en-US" sz="6000" b="1" dirty="0" smtClean="0">
+                <a:solidFill>
+                  <a:schemeClr val="accent1">
+                    <a:lumMod val="50000"/>
+                  </a:schemeClr>
+                </a:solidFill>
+                <a:latin typeface="Euclid Symbol" charset="2"/>
+                <a:cs typeface="Euclid Symbol" charset="2"/>
+              </a:rPr>
+              <a:t>&gt;  </a:t>
+            </a:r>
+            <a:r>
+              <a:rPr lang="en-US" sz="6000" dirty="0" smtClean="0">
+                <a:solidFill>
+                  <a:schemeClr val="accent1">
+                    <a:lumMod val="50000"/>
+                  </a:schemeClr>
+                </a:solidFill>
+                <a:latin typeface="Comic Sans MS"/>
+                <a:cs typeface="Comic Sans MS"/>
+              </a:rPr>
+              <a:t>n/4 log </a:t>
+            </a:r>
+            <a:r>
+              <a:rPr lang="en-US" sz="6000" dirty="0" err="1" smtClean="0">
+                <a:solidFill>
+                  <a:schemeClr val="accent1">
+                    <a:lumMod val="50000"/>
+                  </a:schemeClr>
+                </a:solidFill>
+                <a:latin typeface="Comic Sans MS"/>
+                <a:cs typeface="Comic Sans MS"/>
+              </a:rPr>
+              <a:t>n</a:t>
+            </a:r>
+            <a:endParaRPr lang="en-US" sz="6000" dirty="0" smtClean="0">
+              <a:solidFill>
+                <a:schemeClr val="accent1">
+                  <a:lumMod val="50000"/>
+                </a:schemeClr>
+              </a:solidFill>
+              <a:latin typeface="Comic Sans MS"/>
+              <a:cs typeface="Comic Sans MS"/>
+            </a:endParaRPr>
+          </a:p>
+          <a:p>
+            <a:pPr algn="ctr" eaLnBrk="1" hangingPunct="1"/>
+            <a:r>
+              <a:rPr lang="en-US" sz="4800" dirty="0" err="1" smtClean="0"/>
+              <a:t>Chebyshev’s</a:t>
+            </a:r>
+            <a:r>
+              <a:rPr lang="en-US" sz="4800" dirty="0" smtClean="0"/>
+              <a:t> bound</a:t>
+            </a:r>
+          </a:p>
+          <a:p>
+            <a:pPr algn="ctr" eaLnBrk="1" hangingPunct="1"/>
+            <a:r>
+              <a:rPr lang="en-US" sz="4800" dirty="0" smtClean="0">
                 <a:solidFill>
                   <a:srgbClr val="000000"/>
                 </a:solidFill>
                 <a:latin typeface="Comic Sans MS"/>
+                <a:cs typeface="Comic Sans MS"/>
               </a:rPr>
-              <a:t>      </a:t>
-            </a:r>
-            <a:r>
-              <a:rPr lang="en-US" sz="6600" kern="0" dirty="0" smtClean="0">
-                <a:solidFill>
-                  <a:schemeClr val="accent5">
-                    <a:lumMod val="50000"/>
-                  </a:schemeClr>
-                </a:solidFill>
-                <a:latin typeface="Comic Sans MS"/>
-              </a:rPr>
-              <a:t>   </a:t>
-            </a:r>
-            <a:r>
-              <a:rPr lang="en-US" sz="6600" kern="0" dirty="0" smtClean="0">
-                <a:solidFill>
-                  <a:srgbClr val="000000"/>
-                </a:solidFill>
-                <a:latin typeface="Comic Sans MS"/>
-              </a:rPr>
-              <a:t>  … explained </a:t>
-            </a:r>
-            <a:r>
-              <a:rPr lang="en-US" sz="6600" kern="0" dirty="0">
-                <a:solidFill>
-                  <a:srgbClr val="000000"/>
-                </a:solidFill>
-                <a:latin typeface="Comic Sans MS"/>
-              </a:rPr>
-              <a:t>in</a:t>
-            </a:r>
-          </a:p>
-          <a:p>
-            <a:pPr marL="342900" indent="-342900" eaLnBrk="1" hangingPunct="1">
-              <a:spcBef>
-                <a:spcPct val="20000"/>
-              </a:spcBef>
-              <a:defRPr/>
-            </a:pPr>
-            <a:r>
-              <a:rPr lang="en-US" sz="6600" kern="0" dirty="0" smtClean="0">
-                <a:solidFill>
-                  <a:srgbClr val="000000"/>
-                </a:solidFill>
-                <a:latin typeface="Comic Sans MS"/>
-              </a:rPr>
-              <a:t>  Class Problem 2</a:t>
-            </a:r>
-            <a:endParaRPr lang="en-US" sz="6600" kern="0" dirty="0">
+              <a:t>“elementary” proof</a:t>
+            </a:r>
+            <a:endParaRPr lang="en-US" sz="4800" dirty="0" smtClean="0">
               <a:solidFill>
                 <a:srgbClr val="000000"/>
               </a:solidFill>
               <a:latin typeface="Comic Sans MS"/>
+              <a:cs typeface="Comic Sans MS"/>
             </a:endParaRPr>
           </a:p>
         </p:txBody>
@@ -22383,7 +24975,7 @@
                             </p:stCondLst>
                             <p:childTnLst>
                               <p:par>
-                                <p:cTn id="5" presetID="1" presetClass="entr" presetSubtype="0" fill="hold" grpId="0" nodeType="clickEffect">
+                                <p:cTn id="5" presetID="22" presetClass="entr" presetSubtype="1" fill="hold" grpId="1" nodeType="clickEffect">
                                   <p:stCondLst>
                                     <p:cond delay="0"/>
                                   </p:stCondLst>
@@ -22396,7 +24988,11 @@
                                           </p:stCondLst>
                                         </p:cTn>
                                         <p:tgtEl>
-                                          <p:spTgt spid="5"/>
+                                          <p:spTgt spid="408579">
+                                            <p:txEl>
+                                              <p:pRg st="0" end="0"/>
+                                            </p:txEl>
+                                          </p:spTgt>
                                         </p:tgtEl>
                                         <p:attrNameLst>
                                           <p:attrName>style.visibility</p:attrName>
@@ -22406,6 +25002,79 @@
                                         <p:strVal val="visible"/>
                                       </p:to>
                                     </p:set>
+                                    <p:animEffect transition="in" filter="wipe(up)">
+                                      <p:cBhvr>
+                                        <p:cTn id="7" dur="500"/>
+                                        <p:tgtEl>
+                                          <p:spTgt spid="408579">
+                                            <p:txEl>
+                                              <p:pRg st="0" end="0"/>
+                                            </p:txEl>
+                                          </p:spTgt>
+                                        </p:tgtEl>
+                                      </p:cBhvr>
+                                    </p:animEffect>
+                                  </p:childTnLst>
+                                </p:cTn>
+                              </p:par>
+                            </p:childTnLst>
+                          </p:cTn>
+                        </p:par>
+                      </p:childTnLst>
+                    </p:cTn>
+                  </p:par>
+                  <p:par>
+                    <p:cTn id="8" fill="hold">
+                      <p:stCondLst>
+                        <p:cond delay="indefinite"/>
+                      </p:stCondLst>
+                      <p:childTnLst>
+                        <p:par>
+                          <p:cTn id="9" fill="hold">
+                            <p:stCondLst>
+                              <p:cond delay="0"/>
+                            </p:stCondLst>
+                            <p:childTnLst>
+                              <p:par>
+                                <p:cTn id="10" presetID="22" presetClass="entr" presetSubtype="1" fill="hold" grpId="1" nodeType="clickEffect">
+                                  <p:stCondLst>
+                                    <p:cond delay="0"/>
+                                  </p:stCondLst>
+                                  <p:childTnLst>
+                                    <p:set>
+                                      <p:cBhvr>
+                                        <p:cTn id="11" dur="1" fill="hold">
+                                          <p:stCondLst>
+                                            <p:cond delay="0"/>
+                                          </p:stCondLst>
+                                        </p:cTn>
+                                        <p:tgtEl>
+                                          <p:spTgt spid="408579">
+                                            <p:txEl>
+                                              <p:pRg st="1" end="1"/>
+                                            </p:txEl>
+                                          </p:spTgt>
+                                        </p:tgtEl>
+                                        <p:attrNameLst>
+                                          <p:attrName>style.visibility</p:attrName>
+                                        </p:attrNameLst>
+                                      </p:cBhvr>
+                                      <p:to>
+                                        <p:strVal val="visible"/>
+                                      </p:to>
+                                    </p:set>
+                                    <p:animEffect transition="in" filter="wipe(up)">
+                                      <p:cBhvr>
+                                        <p:cTn id="12" dur="500"/>
+                                        <p:tgtEl>
+                                          <p:spTgt spid="408579">
+                                            <p:txEl>
+                                              <p:pRg st="1" end="1"/>
+                                            </p:txEl>
+                                          </p:spTgt>
+                                        </p:tgtEl>
+                                      </p:cBhvr>
+                                    </p:animEffect>
                                   </p:childTnLst>
                                 </p:cTn>
                               </p:par>
@@ -22437,7 +25106,7 @@
       </p:par>
     </p:tnLst>
     <p:bldLst>
-      <p:bldP spid="5" grpId="0"/>
+      <p:bldP spid="408579" grpId="1" build="p"/>
     </p:bldLst>
   </p:timing>
 </p:sld>
@@ -22491,7 +25160,7 @@
               <a:rPr lang="en-US" dirty="0" smtClean="0"/>
               <a:t> 6M.</a:t>
             </a:r>
-            <a:fld id="{F389C0C6-D6B8-4BCF-9EE6-7CFCBB0EDCA3}" type="slidenum">
+            <a:fld id="{6A5E9C01-C108-4A5C-AE7A-FB77D488E7D9}" type="slidenum">
               <a:rPr lang="en-US" smtClean="0"/>
               <a:pPr>
                 <a:defRPr/>
@@ -22504,7 +25173,7 @@
       </p:sp>
       <p:sp>
         <p:nvSpPr>
-          <p:cNvPr id="20483" name="Rectangle 2"/>
+          <p:cNvPr id="16387" name="Rectangle 2"/>
           <p:cNvSpPr>
             <a:spLocks noGrp="1" noChangeArrowheads="1"/>
           </p:cNvSpPr>
@@ -22519,15 +25188,30 @@
           <a:p>
             <a:pPr eaLnBrk="1" hangingPunct="1"/>
             <a:r>
-              <a:rPr lang="en-US" sz="5400" smtClean="0"/>
-              <a:t>Why is it secure?</a:t>
-            </a:r>
+              <a:rPr lang="en-US" sz="4400" dirty="0" smtClean="0"/>
+              <a:t>test if </a:t>
+            </a:r>
+            <a:r>
+              <a:rPr lang="en-US" sz="4400" dirty="0" err="1" smtClean="0">
+                <a:solidFill>
+                  <a:schemeClr val="accent1">
+                    <a:lumMod val="50000"/>
+                  </a:schemeClr>
+                </a:solidFill>
+              </a:rPr>
+              <a:t>n</a:t>
+            </a:r>
+            <a:r>
+              <a:rPr lang="en-US" sz="4400" dirty="0" smtClean="0"/>
+              <a:t> is prime</a:t>
+            </a:r>
+            <a:endParaRPr lang="en-US" sz="4400" dirty="0" smtClean="0"/>
           </a:p>
         </p:txBody>
       </p:sp>
       <p:sp>
         <p:nvSpPr>
-          <p:cNvPr id="397315" name="Rectangle 3"/>
+          <p:cNvPr id="408579" name="Rectangle 3"/>
           <p:cNvSpPr>
             <a:spLocks noGrp="1" noChangeArrowheads="1"/>
           </p:cNvSpPr>
@@ -22537,201 +25221,225 @@
         </p:nvSpPr>
         <p:spPr>
           <a:xfrm>
-            <a:off x="152400" y="1066800"/>
-            <a:ext cx="8839200" cy="5257800"/>
+            <a:off x="457200" y="990600"/>
+            <a:ext cx="8229600" cy="4953000"/>
           </a:xfrm>
         </p:spPr>
         <p:txBody>
           <a:bodyPr/>
           <a:lstStyle/>
           <a:p>
-            <a:pPr eaLnBrk="1" hangingPunct="1">
-              <a:lnSpc>
-                <a:spcPct val="90000"/>
-              </a:lnSpc>
-              <a:buFont typeface="Arial" pitchFamily="34" charset="0"/>
-              <a:buChar char="•"/>
-            </a:pPr>
-            <a:r>
-              <a:rPr lang="en-US" sz="4800" dirty="0" smtClean="0"/>
-              <a:t>easy to break </a:t>
-            </a:r>
-            <a:r>
-              <a:rPr lang="en-US" sz="4800" i="1" dirty="0" smtClean="0"/>
-              <a:t>if</a:t>
-            </a:r>
-            <a:r>
-              <a:rPr lang="en-US" sz="4800" dirty="0" smtClean="0"/>
-              <a:t> can factor </a:t>
-            </a:r>
+            <a:pPr eaLnBrk="1" hangingPunct="1"/>
             <a:r>
               <a:rPr lang="en-US" sz="4800" dirty="0" smtClean="0">
                 <a:solidFill>
-                  <a:schemeClr val="accent5">
+                  <a:srgbClr val="000000"/>
+                </a:solidFill>
+                <a:latin typeface="Comic Sans MS"/>
+                <a:cs typeface="Comic Sans MS"/>
+              </a:rPr>
+              <a:t>check if</a:t>
+            </a:r>
+          </a:p>
+          <a:p>
+            <a:pPr algn="ctr" eaLnBrk="1" hangingPunct="1"/>
+            <a:r>
+              <a:rPr lang="en-US" sz="5400" dirty="0" smtClean="0">
+                <a:solidFill>
+                  <a:srgbClr val="0000E5"/>
+                </a:solidFill>
+                <a:latin typeface="Comic Sans MS"/>
+                <a:cs typeface="Comic Sans MS"/>
+              </a:rPr>
+              <a:t>rem(a</a:t>
+            </a:r>
+            <a:r>
+              <a:rPr lang="en-US" sz="5400" baseline="30000" dirty="0" smtClean="0">
+                <a:solidFill>
+                  <a:srgbClr val="0000E5"/>
+                </a:solidFill>
+                <a:latin typeface="Comic Sans MS"/>
+                <a:cs typeface="Comic Sans MS"/>
+              </a:rPr>
+              <a:t>n-1</a:t>
+            </a:r>
+            <a:r>
+              <a:rPr lang="en-US" sz="5400" dirty="0" smtClean="0">
+                <a:solidFill>
+                  <a:srgbClr val="0000E5"/>
+                </a:solidFill>
+                <a:latin typeface="Comic Sans MS"/>
+                <a:cs typeface="Comic Sans MS"/>
+              </a:rPr>
+              <a:t>, </a:t>
+            </a:r>
+            <a:r>
+              <a:rPr lang="en-US" sz="5400" dirty="0" err="1" smtClean="0">
+                <a:solidFill>
+                  <a:srgbClr val="0000E5"/>
+                </a:solidFill>
+                <a:latin typeface="Comic Sans MS"/>
+                <a:cs typeface="Comic Sans MS"/>
+              </a:rPr>
+              <a:t>n</a:t>
+            </a:r>
+            <a:r>
+              <a:rPr lang="en-US" sz="5400" dirty="0" smtClean="0">
+                <a:solidFill>
+                  <a:srgbClr val="0000E5"/>
+                </a:solidFill>
+                <a:latin typeface="Comic Sans MS"/>
+                <a:cs typeface="Comic Sans MS"/>
+              </a:rPr>
+              <a:t>) = 1</a:t>
+            </a:r>
+          </a:p>
+          <a:p>
+            <a:pPr eaLnBrk="1" hangingPunct="1"/>
+            <a:r>
+              <a:rPr lang="en-US" sz="4800" dirty="0" smtClean="0">
+                <a:solidFill>
+                  <a:schemeClr val="tx2"/>
+                </a:solidFill>
+                <a:latin typeface="Comic Sans MS"/>
+                <a:cs typeface="Comic Sans MS"/>
+              </a:rPr>
+              <a:t>if fails, not prime </a:t>
+            </a:r>
+            <a:r>
+              <a:rPr lang="en-US" sz="4800" dirty="0" smtClean="0">
+                <a:solidFill>
+                  <a:schemeClr val="tx2"/>
+                </a:solidFill>
+                <a:latin typeface="Comic Sans MS"/>
+                <a:cs typeface="Comic Sans MS"/>
+              </a:rPr>
+              <a:t>(Fermat)</a:t>
+            </a:r>
+          </a:p>
+          <a:p>
+            <a:pPr eaLnBrk="1" hangingPunct="1"/>
+            <a:r>
+              <a:rPr lang="en-US" sz="4800" dirty="0" smtClean="0">
+                <a:solidFill>
+                  <a:schemeClr val="tx2"/>
+                </a:solidFill>
+                <a:latin typeface="Comic Sans MS"/>
+                <a:cs typeface="Comic Sans MS"/>
+              </a:rPr>
+              <a:t>choose random</a:t>
+            </a:r>
+            <a:r>
+              <a:rPr lang="en-US" sz="4800" dirty="0" smtClean="0">
+                <a:solidFill>
+                  <a:schemeClr val="accent1">
                     <a:lumMod val="50000"/>
                   </a:schemeClr>
                 </a:solidFill>
+                <a:latin typeface="Comic Sans MS"/>
+                <a:cs typeface="Comic Sans MS"/>
               </a:rPr>
-              <a:t>n</a:t>
+              <a:t> a</a:t>
+            </a:r>
+            <a:r>
+              <a:rPr lang="en-US" sz="4800" dirty="0" smtClean="0">
+                <a:solidFill>
+                  <a:schemeClr val="tx2"/>
+                </a:solidFill>
+                <a:latin typeface="Comic Sans MS"/>
+                <a:cs typeface="Comic Sans MS"/>
+              </a:rPr>
+              <a:t> in</a:t>
+            </a:r>
+            <a:r>
+              <a:rPr lang="en-US" sz="4800" dirty="0" smtClean="0">
+                <a:solidFill>
+                  <a:srgbClr val="0000E5"/>
+                </a:solidFill>
+                <a:latin typeface="Comic Sans MS"/>
+                <a:cs typeface="Comic Sans MS"/>
+              </a:rPr>
+              <a:t> [1,n)</a:t>
+            </a:r>
+            <a:r>
+              <a:rPr lang="en-US" sz="4800" dirty="0" smtClean="0">
+                <a:latin typeface="Comic Sans MS"/>
+                <a:cs typeface="Comic Sans MS"/>
+              </a:rPr>
+              <a:t>.</a:t>
             </a:r>
           </a:p>
           <a:p>
-            <a:pPr eaLnBrk="1" hangingPunct="1">
-              <a:lnSpc>
-                <a:spcPct val="90000"/>
-              </a:lnSpc>
-              <a:buFontTx/>
-              <a:buNone/>
-            </a:pPr>
-            <a:r>
-              <a:rPr lang="en-US" sz="4400" dirty="0" smtClean="0"/>
-              <a:t>  (find </a:t>
-            </a:r>
-            <a:r>
-              <a:rPr lang="en-US" sz="4400" dirty="0" smtClean="0">
+            <a:pPr eaLnBrk="1" hangingPunct="1"/>
+            <a:r>
+              <a:rPr lang="en-US" sz="4800" dirty="0" smtClean="0">
+                <a:latin typeface="Comic Sans MS"/>
+                <a:cs typeface="Comic Sans MS"/>
+              </a:rPr>
+              <a:t>if not prime, </a:t>
+            </a:r>
+            <a:r>
+              <a:rPr lang="en-US" sz="4800" dirty="0" err="1" smtClean="0">
                 <a:solidFill>
-                  <a:schemeClr val="accent5">
+                  <a:schemeClr val="accent1">
                     <a:lumMod val="50000"/>
                   </a:schemeClr>
                 </a:solidFill>
+                <a:latin typeface="Comic Sans MS"/>
+                <a:cs typeface="Comic Sans MS"/>
               </a:rPr>
-              <a:t>d</a:t>
-            </a:r>
-            <a:r>
-              <a:rPr lang="en-US" sz="4400" dirty="0" smtClean="0">
+              <a:t>Pr(fails</a:t>
+            </a:r>
+            <a:r>
+              <a:rPr lang="en-US" sz="4800" dirty="0" smtClean="0">
                 <a:solidFill>
-                  <a:srgbClr val="3333CC"/>
-                </a:solidFill>
-              </a:rPr>
-              <a:t> </a:t>
-            </a:r>
-            <a:r>
-              <a:rPr lang="en-US" sz="4400" dirty="0" smtClean="0"/>
-              <a:t>same way</a:t>
-            </a:r>
-            <a:r>
-              <a:rPr lang="en-US" sz="4400" dirty="0" smtClean="0"/>
-              <a:t> receiver </a:t>
-            </a:r>
-            <a:r>
-              <a:rPr lang="en-US" sz="4400" dirty="0" smtClean="0"/>
-              <a:t>did)</a:t>
-            </a:r>
-          </a:p>
-          <a:p>
-            <a:pPr eaLnBrk="1" hangingPunct="1">
-              <a:lnSpc>
-                <a:spcPct val="90000"/>
-              </a:lnSpc>
-              <a:buFont typeface="Arial" pitchFamily="34" charset="0"/>
-              <a:buChar char="•"/>
-            </a:pPr>
-            <a:r>
-              <a:rPr lang="en-US" sz="4400" dirty="0" smtClean="0"/>
-              <a:t>conversely, from </a:t>
-            </a:r>
-            <a:r>
-              <a:rPr lang="en-US" sz="4400" dirty="0" smtClean="0">
-                <a:solidFill>
-                  <a:schemeClr val="accent5">
+                  <a:schemeClr val="accent1">
                     <a:lumMod val="50000"/>
                   </a:schemeClr>
                 </a:solidFill>
+                <a:latin typeface="Comic Sans MS"/>
+                <a:cs typeface="Comic Sans MS"/>
               </a:rPr>
-              <a:t>d</a:t>
-            </a:r>
-            <a:r>
-              <a:rPr lang="en-US" sz="4400" dirty="0" smtClean="0">
+              <a:t>)</a:t>
+            </a:r>
+            <a:r>
+              <a:rPr lang="en-US" sz="4800" b="1" dirty="0" smtClean="0">
                 <a:solidFill>
-                  <a:srgbClr val="3333CC"/>
-                </a:solidFill>
-              </a:rPr>
-              <a:t> </a:t>
-            </a:r>
-            <a:r>
-              <a:rPr lang="en-US" sz="4400" dirty="0" smtClean="0"/>
-              <a:t>can factor </a:t>
-            </a:r>
-            <a:r>
-              <a:rPr lang="en-US" sz="4400" dirty="0" smtClean="0">
-                <a:solidFill>
-                  <a:schemeClr val="accent5">
+                  <a:schemeClr val="accent1">
                     <a:lumMod val="50000"/>
                   </a:schemeClr>
                 </a:solidFill>
+                <a:latin typeface="Euclid Symbol" charset="2"/>
+                <a:cs typeface="Euclid Symbol" charset="2"/>
               </a:rPr>
-              <a:t>n</a:t>
-            </a:r>
-            <a:endParaRPr lang="en-US" sz="4400" dirty="0" smtClean="0"/>
-          </a:p>
-          <a:p>
-            <a:pPr eaLnBrk="1" hangingPunct="1">
-              <a:lnSpc>
-                <a:spcPct val="90000"/>
-              </a:lnSpc>
-              <a:buFontTx/>
-              <a:buNone/>
-            </a:pPr>
-            <a:r>
-              <a:rPr lang="en-US" sz="4400" dirty="0" smtClean="0"/>
-              <a:t>  (but </a:t>
-            </a:r>
-            <a:r>
-              <a:rPr lang="en-US" sz="4400" dirty="0" smtClean="0">
+              <a:t>&gt;</a:t>
+            </a:r>
+            <a:r>
+              <a:rPr lang="en-US" sz="4800" dirty="0" smtClean="0">
                 <a:solidFill>
-                  <a:srgbClr val="FF00FF"/>
-                </a:solidFill>
-              </a:rPr>
-              <a:t>factoring appears hard</a:t>
-            </a:r>
-          </a:p>
-          <a:p>
-            <a:pPr eaLnBrk="1" hangingPunct="1">
-              <a:lnSpc>
-                <a:spcPct val="90000"/>
-              </a:lnSpc>
-              <a:buFontTx/>
-              <a:buNone/>
-            </a:pPr>
-            <a:r>
-              <a:rPr lang="en-US" sz="4400" dirty="0" smtClean="0">
-                <a:solidFill>
-                  <a:srgbClr val="FF00FF"/>
-                </a:solidFill>
-              </a:rPr>
-              <a:t>   </a:t>
-            </a:r>
-            <a:r>
-              <a:rPr lang="en-US" sz="4400" dirty="0" smtClean="0"/>
-              <a:t>so finding </a:t>
-            </a:r>
-            <a:r>
-              <a:rPr lang="en-US" sz="4400" dirty="0" smtClean="0">
-                <a:solidFill>
-                  <a:schemeClr val="accent5">
+                  <a:schemeClr val="accent1">
                     <a:lumMod val="50000"/>
                   </a:schemeClr>
                 </a:solidFill>
+                <a:latin typeface="Comic Sans MS"/>
+                <a:cs typeface="Comic Sans MS"/>
               </a:rPr>
-              <a:t>d</a:t>
-            </a:r>
-            <a:r>
-              <a:rPr lang="en-US" sz="4400" dirty="0" smtClean="0"/>
-              <a:t> must also be hard)</a:t>
+              <a:t>1/2</a:t>
             </a:r>
           </a:p>
           <a:p>
-            <a:pPr eaLnBrk="1" hangingPunct="1">
-              <a:lnSpc>
-                <a:spcPct val="90000"/>
-              </a:lnSpc>
-              <a:buFont typeface="Arial" pitchFamily="34" charset="0"/>
-              <a:buChar char="•"/>
-            </a:pPr>
-            <a:r>
-              <a:rPr lang="en-US" sz="4400" dirty="0" smtClean="0"/>
-              <a:t> RSA has withstood 30 years of attacks</a:t>
-            </a:r>
+            <a:pPr eaLnBrk="1" hangingPunct="1"/>
+            <a:r>
+              <a:rPr lang="en-US" sz="4000" dirty="0" smtClean="0">
+                <a:latin typeface="Comic Sans MS"/>
+                <a:cs typeface="Comic Sans MS"/>
+              </a:rPr>
+              <a:t>(with rare exceptions) </a:t>
+            </a:r>
+            <a:endParaRPr lang="en-US" sz="4000" dirty="0" smtClean="0">
+              <a:latin typeface="Comic Sans MS"/>
+              <a:cs typeface="Comic Sans MS"/>
+            </a:endParaRPr>
           </a:p>
         </p:txBody>
       </p:sp>
@@ -22740,7 +25448,7 @@
   <p:clrMapOvr>
     <a:masterClrMapping/>
   </p:clrMapOvr>
-  <p:transition spd="slow">
+  <p:transition spd="med">
     <p:fade thruBlk="1"/>
   </p:transition>
   <p:timing>
@@ -22764,7 +25472,7 @@
                             </p:stCondLst>
                             <p:childTnLst>
                               <p:par>
-                                <p:cTn id="5" presetID="1" presetClass="entr" presetSubtype="0" fill="hold" nodeType="clickEffect">
+                                <p:cTn id="5" presetID="9" presetClass="entr" presetSubtype="0" fill="hold" grpId="0" nodeType="clickEffect">
                                   <p:stCondLst>
                                     <p:cond delay="0"/>
                                   </p:stCondLst>
@@ -22777,38 +25485,7 @@
                                           </p:stCondLst>
                                         </p:cTn>
                                         <p:tgtEl>
-                                          <p:spTgt spid="397315">
-                                            <p:txEl>
-                                              <p:pRg st="0" end="0"/>
-                                            </p:txEl>
-                                          </p:spTgt>
-                                        </p:tgtEl>
-                                        <p:attrNameLst>
-                                          <p:attrName>style.visibility</p:attrName>
-                                        </p:attrNameLst>
-                                      </p:cBhvr>
-                                      <p:to>
-                                        <p:strVal val="visible"/>
-                                      </p:to>
-                                    </p:set>
-                                  </p:childTnLst>
-                                </p:cTn>
-                              </p:par>
-                              <p:par>
-                                <p:cTn id="7" presetID="1" presetClass="entr" presetSubtype="0" fill="hold" nodeType="withEffect">
-                                  <p:stCondLst>
-                                    <p:cond delay="0"/>
-                                  </p:stCondLst>
-                                  <p:childTnLst>
-                                    <p:set>
-                                      <p:cBhvr>
-                                        <p:cTn id="8" dur="1" fill="hold">
-                                          <p:stCondLst>
-                                            <p:cond delay="0"/>
-                                          </p:stCondLst>
-                                        </p:cTn>
-                                        <p:tgtEl>
-                                          <p:spTgt spid="397315">
+                                          <p:spTgt spid="408579">
                                             <p:txEl>
                                               <p:pRg st="1" end="1"/>
                                             </p:txEl>
@@ -22822,1478 +25499,15 @@
                                         <p:strVal val="visible"/>
                                       </p:to>
                                     </p:set>
-                                  </p:childTnLst>
-                                </p:cTn>
-                              </p:par>
-                            </p:childTnLst>
-                          </p:cTn>
-                        </p:par>
-                      </p:childTnLst>
-                    </p:cTn>
-                  </p:par>
-                  <p:par>
-                    <p:cTn id="9" fill="hold">
-                      <p:stCondLst>
-                        <p:cond delay="indefinite"/>
-                      </p:stCondLst>
-                      <p:childTnLst>
-                        <p:par>
-                          <p:cTn id="10" fill="hold">
-                            <p:stCondLst>
-                              <p:cond delay="0"/>
-                            </p:stCondLst>
-                            <p:childTnLst>
-                              <p:par>
-                                <p:cTn id="11" presetID="1" presetClass="entr" presetSubtype="0" fill="hold" nodeType="clickEffect">
-                                  <p:stCondLst>
-                                    <p:cond delay="0"/>
-                                  </p:stCondLst>
-                                  <p:childTnLst>
-                                    <p:set>
-                                      <p:cBhvr>
-                                        <p:cTn id="12" dur="1" fill="hold">
-                                          <p:stCondLst>
-                                            <p:cond delay="0"/>
-                                          </p:stCondLst>
-                                        </p:cTn>
-                                        <p:tgtEl>
-                                          <p:spTgt spid="397315">
-                                            <p:txEl>
-                                              <p:pRg st="2" end="2"/>
-                                            </p:txEl>
-                                          </p:spTgt>
-                                        </p:tgtEl>
-                                        <p:attrNameLst>
-                                          <p:attrName>style.visibility</p:attrName>
-                                        </p:attrNameLst>
-                                      </p:cBhvr>
-                                      <p:to>
-                                        <p:strVal val="visible"/>
-                                      </p:to>
-                                    </p:set>
-                                  </p:childTnLst>
-                                </p:cTn>
-                              </p:par>
-                            </p:childTnLst>
-                          </p:cTn>
-                        </p:par>
-                      </p:childTnLst>
-                    </p:cTn>
-                  </p:par>
-                  <p:par>
-                    <p:cTn id="13" fill="hold">
-                      <p:stCondLst>
-                        <p:cond delay="indefinite"/>
-                      </p:stCondLst>
-                      <p:childTnLst>
-                        <p:par>
-                          <p:cTn id="14" fill="hold">
-                            <p:stCondLst>
-                              <p:cond delay="0"/>
-                            </p:stCondLst>
-                            <p:childTnLst>
-                              <p:par>
-                                <p:cTn id="15" presetID="1" presetClass="entr" presetSubtype="0" fill="hold" nodeType="clickEffect">
-                                  <p:stCondLst>
-                                    <p:cond delay="0"/>
-                                  </p:stCondLst>
-                                  <p:childTnLst>
-                                    <p:set>
-                                      <p:cBhvr>
-                                        <p:cTn id="16" dur="1" fill="hold">
-                                          <p:stCondLst>
-                                            <p:cond delay="0"/>
-                                          </p:stCondLst>
-                                        </p:cTn>
-                                        <p:tgtEl>
-                                          <p:spTgt spid="397315">
-                                            <p:txEl>
-                                              <p:pRg st="3" end="3"/>
-                                            </p:txEl>
-                                          </p:spTgt>
-                                        </p:tgtEl>
-                                        <p:attrNameLst>
-                                          <p:attrName>style.visibility</p:attrName>
-                                        </p:attrNameLst>
-                                      </p:cBhvr>
-                                      <p:to>
-                                        <p:strVal val="visible"/>
-                                      </p:to>
-                                    </p:set>
-                                  </p:childTnLst>
-                                </p:cTn>
-                              </p:par>
-                            </p:childTnLst>
-                          </p:cTn>
-                        </p:par>
-                      </p:childTnLst>
-                    </p:cTn>
-                  </p:par>
-                  <p:par>
-                    <p:cTn id="17" fill="hold">
-                      <p:stCondLst>
-                        <p:cond delay="indefinite"/>
-                      </p:stCondLst>
-                      <p:childTnLst>
-                        <p:par>
-                          <p:cTn id="18" fill="hold">
-                            <p:stCondLst>
-                              <p:cond delay="0"/>
-                            </p:stCondLst>
-                            <p:childTnLst>
-                              <p:par>
-                                <p:cTn id="19" presetID="1" presetClass="entr" presetSubtype="0" fill="hold" nodeType="clickEffect">
-                                  <p:stCondLst>
-                                    <p:cond delay="0"/>
-                                  </p:stCondLst>
-                                  <p:childTnLst>
-                                    <p:set>
-                                      <p:cBhvr>
-                                        <p:cTn id="20" dur="1" fill="hold">
-                                          <p:stCondLst>
-                                            <p:cond delay="0"/>
-                                          </p:stCondLst>
-                                        </p:cTn>
-                                        <p:tgtEl>
-                                          <p:spTgt spid="397315">
-                                            <p:txEl>
-                                              <p:pRg st="4" end="4"/>
-                                            </p:txEl>
-                                          </p:spTgt>
-                                        </p:tgtEl>
-                                        <p:attrNameLst>
-                                          <p:attrName>style.visibility</p:attrName>
-                                        </p:attrNameLst>
-                                      </p:cBhvr>
-                                      <p:to>
-                                        <p:strVal val="visible"/>
-                                      </p:to>
-                                    </p:set>
-                                  </p:childTnLst>
-                                </p:cTn>
-                              </p:par>
-                            </p:childTnLst>
-                          </p:cTn>
-                        </p:par>
-                      </p:childTnLst>
-                    </p:cTn>
-                  </p:par>
-                  <p:par>
-                    <p:cTn id="21" fill="hold">
-                      <p:stCondLst>
-                        <p:cond delay="indefinite"/>
-                      </p:stCondLst>
-                      <p:childTnLst>
-                        <p:par>
-                          <p:cTn id="22" fill="hold">
-                            <p:stCondLst>
-                              <p:cond delay="0"/>
-                            </p:stCondLst>
-                            <p:childTnLst>
-                              <p:par>
-                                <p:cTn id="23" presetID="1" presetClass="entr" presetSubtype="0" fill="hold" nodeType="clickEffect">
-                                  <p:stCondLst>
-                                    <p:cond delay="0"/>
-                                  </p:stCondLst>
-                                  <p:childTnLst>
-                                    <p:set>
-                                      <p:cBhvr>
-                                        <p:cTn id="24" dur="1" fill="hold">
-                                          <p:stCondLst>
-                                            <p:cond delay="0"/>
-                                          </p:stCondLst>
-                                        </p:cTn>
-                                        <p:tgtEl>
-                                          <p:spTgt spid="397315">
-                                            <p:txEl>
-                                              <p:pRg st="5" end="5"/>
-                                            </p:txEl>
-                                          </p:spTgt>
-                                        </p:tgtEl>
-                                        <p:attrNameLst>
-                                          <p:attrName>style.visibility</p:attrName>
-                                        </p:attrNameLst>
-                                      </p:cBhvr>
-                                      <p:to>
-                                        <p:strVal val="visible"/>
-                                      </p:to>
-                                    </p:set>
-                                  </p:childTnLst>
-                                </p:cTn>
-                              </p:par>
-                            </p:childTnLst>
-                          </p:cTn>
-                        </p:par>
-                      </p:childTnLst>
-                    </p:cTn>
-                  </p:par>
-                </p:childTnLst>
-              </p:cTn>
-              <p:prevCondLst>
-                <p:cond evt="onPrev" delay="0">
-                  <p:tgtEl>
-                    <p:sldTgt/>
-                  </p:tgtEl>
-                </p:cond>
-              </p:prevCondLst>
-              <p:nextCondLst>
-                <p:cond evt="onNext" delay="0">
-                  <p:tgtEl>
-                    <p:sldTgt/>
-                  </p:tgtEl>
-                </p:cond>
-              </p:nextCondLst>
-            </p:seq>
-          </p:childTnLst>
-        </p:cTn>
-      </p:par>
-    </p:tnLst>
-  </p:timing>
-</p:sld>
-</file>
-
-<file path=ppt/slides/slide9.xml><?xml version="1.0" encoding="utf-8"?>
-<p:sld xmlns:a="http://schemas.openxmlformats.org/drawingml/2006/main" xmlns:r="http://schemas.openxmlformats.org/officeDocument/2006/relationships" xmlns:mc="http://schemas.openxmlformats.org/markup-compatibility/2006" xmlns:mv="urn:schemas-microsoft-com:mac:vml" xmlns:p="http://schemas.openxmlformats.org/presentationml/2006/main" mc:Ignorable="mv" mc:PreserveAttributes="mv:*">
-  <p:cSld>
-    <p:spTree>
-      <p:nvGrpSpPr>
-        <p:cNvPr id="1" name=""/>
-        <p:cNvGrpSpPr/>
-        <p:nvPr/>
-      </p:nvGrpSpPr>
-      <p:grpSpPr>
-        <a:xfrm>
-          <a:off x="0" y="0"/>
-          <a:ext cx="0" cy="0"/>
-          <a:chOff x="0" y="0"/>
-          <a:chExt cx="0" cy="0"/>
-        </a:xfrm>
-      </p:grpSpPr>
-      <p:sp>
-        <p:nvSpPr>
-          <p:cNvPr id="2" name="Title 1"/>
-          <p:cNvSpPr>
-            <a:spLocks noGrp="1"/>
-          </p:cNvSpPr>
-          <p:nvPr>
-            <p:ph type="title"/>
-          </p:nvPr>
-        </p:nvSpPr>
-        <p:spPr/>
-        <p:txBody>
-          <a:bodyPr/>
-          <a:lstStyle/>
-          <a:p>
-            <a:r>
-              <a:rPr lang="en-US" dirty="0" smtClean="0"/>
-              <a:t>Why does SAT-solver break it?</a:t>
-            </a:r>
-            <a:endParaRPr lang="en-US" dirty="0"/>
-          </a:p>
-        </p:txBody>
-      </p:sp>
-      <p:sp>
-        <p:nvSpPr>
-          <p:cNvPr id="4" name="Slide Number Placeholder 3"/>
-          <p:cNvSpPr>
-            <a:spLocks noGrp="1"/>
-          </p:cNvSpPr>
-          <p:nvPr>
-            <p:ph type="sldNum" sz="quarter" idx="4"/>
-          </p:nvPr>
-        </p:nvSpPr>
-        <p:spPr/>
-        <p:txBody>
-          <a:bodyPr/>
-          <a:lstStyle/>
-          <a:p>
-            <a:pPr>
-              <a:defRPr/>
-            </a:pPr>
-            <a:r>
-              <a:rPr lang="en-US" smtClean="0"/>
-              <a:t>l</a:t>
-            </a:r>
-            <a:r>
-              <a:rPr lang="en-US" sz="1200" smtClean="0"/>
-              <a:t>ec 6M.‹#›</a:t>
-            </a:r>
-            <a:endParaRPr lang="en-US" sz="1200" dirty="0"/>
-          </a:p>
-        </p:txBody>
-      </p:sp>
-      <p:sp>
-        <p:nvSpPr>
-          <p:cNvPr id="5" name="Rectangle 4"/>
-          <p:cNvSpPr/>
-          <p:nvPr/>
-        </p:nvSpPr>
-        <p:spPr bwMode="auto">
-          <a:xfrm>
-            <a:off x="2209800" y="1981200"/>
-            <a:ext cx="3657600" cy="3429000"/>
-          </a:xfrm>
-          <a:prstGeom prst="rect">
-            <a:avLst/>
-          </a:prstGeom>
-          <a:noFill/>
-          <a:ln w="38100" cap="flat" cmpd="sng" algn="ctr">
-            <a:solidFill>
-              <a:schemeClr val="tx1"/>
-            </a:solidFill>
-            <a:prstDash val="solid"/>
-            <a:round/>
-            <a:headEnd type="none" w="med" len="med"/>
-            <a:tailEnd type="arrow" w="lg" len="lg"/>
-          </a:ln>
-          <a:effectLst/>
-        </p:spPr>
-        <p:txBody>
-          <a:bodyPr vert="horz" wrap="square" lIns="91440" tIns="45720" rIns="91440" bIns="45720" numCol="1" rtlCol="0" anchor="t" anchorCtr="0" compatLnSpc="1">
-            <a:prstTxWarp prst="textNoShape">
-              <a:avLst/>
-            </a:prstTxWarp>
-          </a:bodyPr>
-          <a:lstStyle/>
-          <a:p>
-            <a:pPr marL="0" marR="0" indent="0" algn="l" defTabSz="914400" rtl="0" eaLnBrk="1" fontAlgn="base" latinLnBrk="0" hangingPunct="1">
-              <a:lnSpc>
-                <a:spcPct val="100000"/>
-              </a:lnSpc>
-              <a:spcBef>
-                <a:spcPct val="0"/>
-              </a:spcBef>
-              <a:spcAft>
-                <a:spcPct val="0"/>
-              </a:spcAft>
-              <a:buClrTx/>
-              <a:buSzTx/>
-              <a:buFontTx/>
-              <a:buNone/>
-              <a:tabLst/>
-            </a:pPr>
-            <a:endParaRPr kumimoji="0" lang="en-US" sz="3600" b="0" i="0" u="none" strike="noStrike" cap="none" normalizeH="0" baseline="0" smtClean="0">
-              <a:ln>
-                <a:noFill/>
-              </a:ln>
-              <a:solidFill>
-                <a:schemeClr val="tx1"/>
-              </a:solidFill>
-              <a:effectLst/>
-              <a:latin typeface="Times New Roman" pitchFamily="18" charset="0"/>
-            </a:endParaRPr>
-          </a:p>
-        </p:txBody>
-      </p:sp>
-      <p:cxnSp>
-        <p:nvCxnSpPr>
-          <p:cNvPr id="11" name="Straight Arrow Connector 10"/>
-          <p:cNvCxnSpPr/>
-          <p:nvPr/>
-        </p:nvCxnSpPr>
-        <p:spPr bwMode="auto">
-          <a:xfrm>
-            <a:off x="1600200" y="4038600"/>
-            <a:ext cx="609600" cy="1588"/>
-          </a:xfrm>
-          <a:prstGeom prst="straightConnector1">
-            <a:avLst/>
-          </a:prstGeom>
-          <a:noFill/>
-          <a:ln w="38100" cap="flat" cmpd="sng" algn="ctr">
-            <a:solidFill>
-              <a:schemeClr val="tx1"/>
-            </a:solidFill>
-            <a:prstDash val="solid"/>
-            <a:round/>
-            <a:headEnd type="none" w="med" len="med"/>
-            <a:tailEnd type="oval" w="lg" len="lg"/>
-          </a:ln>
-          <a:effectLst/>
-        </p:spPr>
-      </p:cxnSp>
-      <p:cxnSp>
-        <p:nvCxnSpPr>
-          <p:cNvPr id="12" name="Straight Arrow Connector 11"/>
-          <p:cNvCxnSpPr/>
-          <p:nvPr/>
-        </p:nvCxnSpPr>
-        <p:spPr bwMode="auto">
-          <a:xfrm>
-            <a:off x="1600200" y="4419600"/>
-            <a:ext cx="609600" cy="1588"/>
-          </a:xfrm>
-          <a:prstGeom prst="straightConnector1">
-            <a:avLst/>
-          </a:prstGeom>
-          <a:noFill/>
-          <a:ln w="38100" cap="flat" cmpd="sng" algn="ctr">
-            <a:solidFill>
-              <a:schemeClr val="tx1"/>
-            </a:solidFill>
-            <a:prstDash val="solid"/>
-            <a:round/>
-            <a:headEnd type="none" w="med" len="med"/>
-            <a:tailEnd type="oval" w="lg" len="lg"/>
-          </a:ln>
-          <a:effectLst/>
-        </p:spPr>
-      </p:cxnSp>
-      <p:cxnSp>
-        <p:nvCxnSpPr>
-          <p:cNvPr id="17" name="Straight Arrow Connector 16"/>
-          <p:cNvCxnSpPr/>
-          <p:nvPr/>
-        </p:nvCxnSpPr>
-        <p:spPr bwMode="auto">
-          <a:xfrm>
-            <a:off x="5867400" y="3884612"/>
-            <a:ext cx="609600" cy="1588"/>
-          </a:xfrm>
-          <a:prstGeom prst="straightConnector1">
-            <a:avLst/>
-          </a:prstGeom>
-          <a:noFill/>
-          <a:ln w="38100" cap="flat" cmpd="sng" algn="ctr">
-            <a:solidFill>
-              <a:schemeClr val="tx1"/>
-            </a:solidFill>
-            <a:prstDash val="solid"/>
-            <a:round/>
-            <a:headEnd type="oval" w="med" len="med"/>
-            <a:tailEnd type="diamond" w="lg" len="lg"/>
-          </a:ln>
-          <a:effectLst/>
-        </p:spPr>
-      </p:cxnSp>
-      <p:cxnSp>
-        <p:nvCxnSpPr>
-          <p:cNvPr id="18" name="Straight Arrow Connector 17"/>
-          <p:cNvCxnSpPr/>
-          <p:nvPr/>
-        </p:nvCxnSpPr>
-        <p:spPr bwMode="auto">
-          <a:xfrm>
-            <a:off x="5867400" y="4341812"/>
-            <a:ext cx="609600" cy="1588"/>
-          </a:xfrm>
-          <a:prstGeom prst="straightConnector1">
-            <a:avLst/>
-          </a:prstGeom>
-          <a:noFill/>
-          <a:ln w="38100" cap="flat" cmpd="sng" algn="ctr">
-            <a:solidFill>
-              <a:schemeClr val="tx1"/>
-            </a:solidFill>
-            <a:prstDash val="solid"/>
-            <a:round/>
-            <a:headEnd type="oval" w="med" len="med"/>
-            <a:tailEnd type="diamond" w="lg" len="lg"/>
-          </a:ln>
-          <a:effectLst/>
-        </p:spPr>
-      </p:cxnSp>
-      <p:cxnSp>
-        <p:nvCxnSpPr>
-          <p:cNvPr id="19" name="Straight Arrow Connector 18"/>
-          <p:cNvCxnSpPr/>
-          <p:nvPr/>
-        </p:nvCxnSpPr>
-        <p:spPr bwMode="auto">
-          <a:xfrm>
-            <a:off x="5867400" y="4799012"/>
-            <a:ext cx="609600" cy="1588"/>
-          </a:xfrm>
-          <a:prstGeom prst="straightConnector1">
-            <a:avLst/>
-          </a:prstGeom>
-          <a:noFill/>
-          <a:ln w="38100" cap="flat" cmpd="sng" algn="ctr">
-            <a:solidFill>
-              <a:schemeClr val="tx1"/>
-            </a:solidFill>
-            <a:prstDash val="solid"/>
-            <a:round/>
-            <a:headEnd type="oval" w="med" len="med"/>
-            <a:tailEnd type="diamond" w="lg" len="lg"/>
-          </a:ln>
-          <a:effectLst/>
-        </p:spPr>
-      </p:cxnSp>
-      <p:cxnSp>
-        <p:nvCxnSpPr>
-          <p:cNvPr id="20" name="Straight Arrow Connector 19"/>
-          <p:cNvCxnSpPr/>
-          <p:nvPr/>
-        </p:nvCxnSpPr>
-        <p:spPr bwMode="auto">
-          <a:xfrm>
-            <a:off x="5867400" y="5256212"/>
-            <a:ext cx="609600" cy="1588"/>
-          </a:xfrm>
-          <a:prstGeom prst="straightConnector1">
-            <a:avLst/>
-          </a:prstGeom>
-          <a:noFill/>
-          <a:ln w="38100" cap="flat" cmpd="sng" algn="ctr">
-            <a:solidFill>
-              <a:schemeClr val="tx1"/>
-            </a:solidFill>
-            <a:prstDash val="solid"/>
-            <a:round/>
-            <a:headEnd type="oval" w="med" len="med"/>
-            <a:tailEnd type="diamond" w="lg" len="lg"/>
-          </a:ln>
-          <a:effectLst/>
-        </p:spPr>
-      </p:cxnSp>
-      <p:cxnSp>
-        <p:nvCxnSpPr>
-          <p:cNvPr id="21" name="Straight Arrow Connector 20"/>
-          <p:cNvCxnSpPr/>
-          <p:nvPr/>
-        </p:nvCxnSpPr>
-        <p:spPr bwMode="auto">
-          <a:xfrm>
-            <a:off x="1600200" y="4800600"/>
-            <a:ext cx="609600" cy="1588"/>
-          </a:xfrm>
-          <a:prstGeom prst="straightConnector1">
-            <a:avLst/>
-          </a:prstGeom>
-          <a:noFill/>
-          <a:ln w="38100" cap="flat" cmpd="sng" algn="ctr">
-            <a:solidFill>
-              <a:schemeClr val="tx1"/>
-            </a:solidFill>
-            <a:prstDash val="solid"/>
-            <a:round/>
-            <a:headEnd type="none" w="med" len="med"/>
-            <a:tailEnd type="oval" w="lg" len="lg"/>
-          </a:ln>
-          <a:effectLst/>
-        </p:spPr>
-      </p:cxnSp>
-      <p:cxnSp>
-        <p:nvCxnSpPr>
-          <p:cNvPr id="22" name="Straight Arrow Connector 21"/>
-          <p:cNvCxnSpPr/>
-          <p:nvPr/>
-        </p:nvCxnSpPr>
-        <p:spPr bwMode="auto">
-          <a:xfrm>
-            <a:off x="1600200" y="5181600"/>
-            <a:ext cx="609600" cy="1588"/>
-          </a:xfrm>
-          <a:prstGeom prst="straightConnector1">
-            <a:avLst/>
-          </a:prstGeom>
-          <a:noFill/>
-          <a:ln w="38100" cap="flat" cmpd="sng" algn="ctr">
-            <a:solidFill>
-              <a:schemeClr val="tx1"/>
-            </a:solidFill>
-            <a:prstDash val="solid"/>
-            <a:round/>
-            <a:headEnd type="none" w="med" len="med"/>
-            <a:tailEnd type="oval" w="lg" len="lg"/>
-          </a:ln>
-          <a:effectLst/>
-        </p:spPr>
-      </p:cxnSp>
-      <p:cxnSp>
-        <p:nvCxnSpPr>
-          <p:cNvPr id="23" name="Straight Arrow Connector 22"/>
-          <p:cNvCxnSpPr/>
-          <p:nvPr/>
-        </p:nvCxnSpPr>
-        <p:spPr bwMode="auto">
-          <a:xfrm>
-            <a:off x="1600200" y="2284412"/>
-            <a:ext cx="609600" cy="1588"/>
-          </a:xfrm>
-          <a:prstGeom prst="straightConnector1">
-            <a:avLst/>
-          </a:prstGeom>
-          <a:noFill/>
-          <a:ln w="38100" cap="flat" cmpd="sng" algn="ctr">
-            <a:solidFill>
-              <a:schemeClr val="tx1"/>
-            </a:solidFill>
-            <a:prstDash val="solid"/>
-            <a:round/>
-            <a:headEnd type="none" w="med" len="med"/>
-            <a:tailEnd type="oval" w="lg" len="lg"/>
-          </a:ln>
-          <a:effectLst/>
-        </p:spPr>
-      </p:cxnSp>
-      <p:cxnSp>
-        <p:nvCxnSpPr>
-          <p:cNvPr id="24" name="Straight Arrow Connector 23"/>
-          <p:cNvCxnSpPr/>
-          <p:nvPr/>
-        </p:nvCxnSpPr>
-        <p:spPr bwMode="auto">
-          <a:xfrm>
-            <a:off x="1600200" y="2665412"/>
-            <a:ext cx="609600" cy="1588"/>
-          </a:xfrm>
-          <a:prstGeom prst="straightConnector1">
-            <a:avLst/>
-          </a:prstGeom>
-          <a:noFill/>
-          <a:ln w="38100" cap="flat" cmpd="sng" algn="ctr">
-            <a:solidFill>
-              <a:schemeClr val="tx1"/>
-            </a:solidFill>
-            <a:prstDash val="solid"/>
-            <a:round/>
-            <a:headEnd type="none" w="med" len="med"/>
-            <a:tailEnd type="oval" w="lg" len="lg"/>
-          </a:ln>
-          <a:effectLst/>
-        </p:spPr>
-      </p:cxnSp>
-      <p:cxnSp>
-        <p:nvCxnSpPr>
-          <p:cNvPr id="25" name="Straight Arrow Connector 24"/>
-          <p:cNvCxnSpPr/>
-          <p:nvPr/>
-        </p:nvCxnSpPr>
-        <p:spPr bwMode="auto">
-          <a:xfrm>
-            <a:off x="1600200" y="3046412"/>
-            <a:ext cx="609600" cy="1588"/>
-          </a:xfrm>
-          <a:prstGeom prst="straightConnector1">
-            <a:avLst/>
-          </a:prstGeom>
-          <a:noFill/>
-          <a:ln w="38100" cap="flat" cmpd="sng" algn="ctr">
-            <a:solidFill>
-              <a:schemeClr val="tx1"/>
-            </a:solidFill>
-            <a:prstDash val="solid"/>
-            <a:round/>
-            <a:headEnd type="none" w="med" len="med"/>
-            <a:tailEnd type="oval" w="lg" len="lg"/>
-          </a:ln>
-          <a:effectLst/>
-        </p:spPr>
-      </p:cxnSp>
-      <p:cxnSp>
-        <p:nvCxnSpPr>
-          <p:cNvPr id="26" name="Straight Arrow Connector 25"/>
-          <p:cNvCxnSpPr/>
-          <p:nvPr/>
-        </p:nvCxnSpPr>
-        <p:spPr bwMode="auto">
-          <a:xfrm>
-            <a:off x="1600200" y="3427412"/>
-            <a:ext cx="609600" cy="1588"/>
-          </a:xfrm>
-          <a:prstGeom prst="straightConnector1">
-            <a:avLst/>
-          </a:prstGeom>
-          <a:noFill/>
-          <a:ln w="38100" cap="flat" cmpd="sng" algn="ctr">
-            <a:solidFill>
-              <a:schemeClr val="tx1"/>
-            </a:solidFill>
-            <a:prstDash val="solid"/>
-            <a:round/>
-            <a:headEnd type="none" w="med" len="med"/>
-            <a:tailEnd type="oval" w="lg" len="lg"/>
-          </a:ln>
-          <a:effectLst/>
-        </p:spPr>
-      </p:cxnSp>
-      <p:cxnSp>
-        <p:nvCxnSpPr>
-          <p:cNvPr id="27" name="Straight Arrow Connector 26"/>
-          <p:cNvCxnSpPr/>
-          <p:nvPr/>
-        </p:nvCxnSpPr>
-        <p:spPr bwMode="auto">
-          <a:xfrm>
-            <a:off x="5867400" y="2132012"/>
-            <a:ext cx="609600" cy="1588"/>
-          </a:xfrm>
-          <a:prstGeom prst="straightConnector1">
-            <a:avLst/>
-          </a:prstGeom>
-          <a:noFill/>
-          <a:ln w="38100" cap="flat" cmpd="sng" algn="ctr">
-            <a:solidFill>
-              <a:schemeClr val="tx1"/>
-            </a:solidFill>
-            <a:prstDash val="solid"/>
-            <a:round/>
-            <a:headEnd type="oval" w="med" len="med"/>
-            <a:tailEnd type="diamond" w="lg" len="lg"/>
-          </a:ln>
-          <a:effectLst/>
-        </p:spPr>
-      </p:cxnSp>
-      <p:cxnSp>
-        <p:nvCxnSpPr>
-          <p:cNvPr id="28" name="Straight Arrow Connector 27"/>
-          <p:cNvCxnSpPr/>
-          <p:nvPr/>
-        </p:nvCxnSpPr>
-        <p:spPr bwMode="auto">
-          <a:xfrm>
-            <a:off x="5867400" y="2589212"/>
-            <a:ext cx="609600" cy="1588"/>
-          </a:xfrm>
-          <a:prstGeom prst="straightConnector1">
-            <a:avLst/>
-          </a:prstGeom>
-          <a:noFill/>
-          <a:ln w="38100" cap="flat" cmpd="sng" algn="ctr">
-            <a:solidFill>
-              <a:schemeClr val="tx1"/>
-            </a:solidFill>
-            <a:prstDash val="solid"/>
-            <a:round/>
-            <a:headEnd type="oval" w="med" len="med"/>
-            <a:tailEnd type="diamond" w="lg" len="lg"/>
-          </a:ln>
-          <a:effectLst/>
-        </p:spPr>
-      </p:cxnSp>
-      <p:cxnSp>
-        <p:nvCxnSpPr>
-          <p:cNvPr id="29" name="Straight Arrow Connector 28"/>
-          <p:cNvCxnSpPr/>
-          <p:nvPr/>
-        </p:nvCxnSpPr>
-        <p:spPr bwMode="auto">
-          <a:xfrm>
-            <a:off x="5867400" y="3046412"/>
-            <a:ext cx="609600" cy="1588"/>
-          </a:xfrm>
-          <a:prstGeom prst="straightConnector1">
-            <a:avLst/>
-          </a:prstGeom>
-          <a:noFill/>
-          <a:ln w="38100" cap="flat" cmpd="sng" algn="ctr">
-            <a:solidFill>
-              <a:schemeClr val="tx1"/>
-            </a:solidFill>
-            <a:prstDash val="solid"/>
-            <a:round/>
-            <a:headEnd type="oval" w="med" len="med"/>
-            <a:tailEnd type="diamond" w="lg" len="lg"/>
-          </a:ln>
-          <a:effectLst/>
-        </p:spPr>
-      </p:cxnSp>
-      <p:cxnSp>
-        <p:nvCxnSpPr>
-          <p:cNvPr id="30" name="Straight Arrow Connector 29"/>
-          <p:cNvCxnSpPr/>
-          <p:nvPr/>
-        </p:nvCxnSpPr>
-        <p:spPr bwMode="auto">
-          <a:xfrm>
-            <a:off x="5867400" y="3503612"/>
-            <a:ext cx="609600" cy="1588"/>
-          </a:xfrm>
-          <a:prstGeom prst="straightConnector1">
-            <a:avLst/>
-          </a:prstGeom>
-          <a:noFill/>
-          <a:ln w="38100" cap="flat" cmpd="sng" algn="ctr">
-            <a:solidFill>
-              <a:schemeClr val="tx1"/>
-            </a:solidFill>
-            <a:prstDash val="solid"/>
-            <a:round/>
-            <a:headEnd type="oval" w="med" len="med"/>
-            <a:tailEnd type="diamond" w="lg" len="lg"/>
-          </a:ln>
-          <a:effectLst/>
-        </p:spPr>
-      </p:cxnSp>
-      <p:grpSp>
-        <p:nvGrpSpPr>
-          <p:cNvPr id="49" name="Group 48"/>
-          <p:cNvGrpSpPr/>
-          <p:nvPr/>
-        </p:nvGrpSpPr>
-        <p:grpSpPr>
-          <a:xfrm>
-            <a:off x="625235" y="2133600"/>
-            <a:ext cx="974965" cy="1447800"/>
-            <a:chOff x="625235" y="2133600"/>
-            <a:chExt cx="974965" cy="1447800"/>
-          </a:xfrm>
-        </p:grpSpPr>
-        <p:sp>
-          <p:nvSpPr>
-            <p:cNvPr id="34" name="Left Brace 33"/>
-            <p:cNvSpPr/>
-            <p:nvPr/>
-          </p:nvSpPr>
-          <p:spPr bwMode="auto">
-            <a:xfrm>
-              <a:off x="1219200" y="2133600"/>
-              <a:ext cx="381000" cy="1447800"/>
-            </a:xfrm>
-            <a:prstGeom prst="leftBrace">
-              <a:avLst/>
-            </a:prstGeom>
-            <a:noFill/>
-            <a:ln w="28575" cap="flat" cmpd="sng" algn="ctr">
-              <a:solidFill>
-                <a:schemeClr val="accent1">
-                  <a:lumMod val="50000"/>
-                </a:schemeClr>
-              </a:solidFill>
-              <a:prstDash val="solid"/>
-              <a:round/>
-              <a:headEnd type="none" w="med" len="med"/>
-              <a:tailEnd type="none" w="lg" len="lg"/>
-            </a:ln>
-            <a:effectLst/>
-          </p:spPr>
-          <p:txBody>
-            <a:bodyPr rtlCol="0" anchor="ctr"/>
-            <a:lstStyle/>
-            <a:p>
-              <a:pPr algn="ctr"/>
-              <a:endParaRPr lang="en-US" dirty="0">
-                <a:solidFill>
-                  <a:srgbClr val="0000E5"/>
-                </a:solidFill>
-              </a:endParaRPr>
-            </a:p>
-          </p:txBody>
-        </p:sp>
-        <p:sp>
-          <p:nvSpPr>
-            <p:cNvPr id="36" name="TextBox 35"/>
-            <p:cNvSpPr txBox="1"/>
-            <p:nvPr/>
-          </p:nvSpPr>
-          <p:spPr>
-            <a:xfrm>
-              <a:off x="625235" y="2438400"/>
-              <a:ext cx="486356" cy="769441"/>
-            </a:xfrm>
-            <a:prstGeom prst="rect">
-              <a:avLst/>
-            </a:prstGeom>
-            <a:noFill/>
-          </p:spPr>
-          <p:txBody>
-            <a:bodyPr wrap="none" rtlCol="0">
-              <a:spAutoFit/>
-            </a:bodyPr>
-            <a:lstStyle/>
-            <a:p>
-              <a:r>
-                <a:rPr lang="en-US" sz="4400" dirty="0" err="1" smtClean="0">
-                  <a:solidFill>
-                    <a:srgbClr val="0000E5"/>
-                  </a:solidFill>
-                  <a:latin typeface="+mj-lt"/>
-                </a:rPr>
-                <a:t>p</a:t>
-              </a:r>
-              <a:endParaRPr lang="en-US" sz="4400" dirty="0" smtClean="0">
-                <a:solidFill>
-                  <a:srgbClr val="0000E5"/>
-                </a:solidFill>
-                <a:latin typeface="+mj-lt"/>
-              </a:endParaRPr>
-            </a:p>
-          </p:txBody>
-        </p:sp>
-      </p:grpSp>
-      <p:grpSp>
-        <p:nvGrpSpPr>
-          <p:cNvPr id="50" name="Group 49"/>
-          <p:cNvGrpSpPr/>
-          <p:nvPr/>
-        </p:nvGrpSpPr>
-        <p:grpSpPr>
-          <a:xfrm>
-            <a:off x="685800" y="3886200"/>
-            <a:ext cx="914400" cy="1447800"/>
-            <a:chOff x="685800" y="3886200"/>
-            <a:chExt cx="914400" cy="1447800"/>
-          </a:xfrm>
-        </p:grpSpPr>
-        <p:sp>
-          <p:nvSpPr>
-            <p:cNvPr id="33" name="Left Brace 32"/>
-            <p:cNvSpPr/>
-            <p:nvPr/>
-          </p:nvSpPr>
-          <p:spPr bwMode="auto">
-            <a:xfrm>
-              <a:off x="1219200" y="3886200"/>
-              <a:ext cx="381000" cy="1447800"/>
-            </a:xfrm>
-            <a:prstGeom prst="leftBrace">
-              <a:avLst/>
-            </a:prstGeom>
-            <a:noFill/>
-            <a:ln w="28575" cap="flat" cmpd="sng" algn="ctr">
-              <a:solidFill>
-                <a:schemeClr val="accent1">
-                  <a:lumMod val="50000"/>
-                </a:schemeClr>
-              </a:solidFill>
-              <a:prstDash val="solid"/>
-              <a:round/>
-              <a:headEnd type="none" w="med" len="med"/>
-              <a:tailEnd type="none" w="lg" len="lg"/>
-            </a:ln>
-            <a:effectLst/>
-          </p:spPr>
-          <p:txBody>
-            <a:bodyPr rtlCol="0" anchor="ctr"/>
-            <a:lstStyle/>
-            <a:p>
-              <a:pPr algn="ctr"/>
-              <a:endParaRPr lang="en-US" dirty="0">
-                <a:solidFill>
-                  <a:srgbClr val="0000E5"/>
-                </a:solidFill>
-              </a:endParaRPr>
-            </a:p>
-          </p:txBody>
-        </p:sp>
-        <p:sp>
-          <p:nvSpPr>
-            <p:cNvPr id="37" name="TextBox 36"/>
-            <p:cNvSpPr txBox="1"/>
-            <p:nvPr/>
-          </p:nvSpPr>
-          <p:spPr>
-            <a:xfrm>
-              <a:off x="685800" y="4183559"/>
-              <a:ext cx="478366" cy="769441"/>
-            </a:xfrm>
-            <a:prstGeom prst="rect">
-              <a:avLst/>
-            </a:prstGeom>
-            <a:noFill/>
-          </p:spPr>
-          <p:txBody>
-            <a:bodyPr wrap="none" rtlCol="0">
-              <a:spAutoFit/>
-            </a:bodyPr>
-            <a:lstStyle/>
-            <a:p>
-              <a:r>
-                <a:rPr lang="en-US" sz="4400" dirty="0" err="1" smtClean="0">
-                  <a:solidFill>
-                    <a:srgbClr val="0000E5"/>
-                  </a:solidFill>
-                  <a:latin typeface="+mj-lt"/>
-                </a:rPr>
-                <a:t>q</a:t>
-              </a:r>
-              <a:endParaRPr lang="en-US" sz="4400" dirty="0" smtClean="0">
-                <a:solidFill>
-                  <a:srgbClr val="0000E5"/>
-                </a:solidFill>
-                <a:latin typeface="+mj-lt"/>
-              </a:endParaRPr>
-            </a:p>
-          </p:txBody>
-        </p:sp>
-      </p:grpSp>
-      <p:grpSp>
-        <p:nvGrpSpPr>
-          <p:cNvPr id="3" name="Group 40"/>
-          <p:cNvGrpSpPr/>
-          <p:nvPr/>
-        </p:nvGrpSpPr>
-        <p:grpSpPr>
-          <a:xfrm>
-            <a:off x="2362200" y="2209800"/>
-            <a:ext cx="1661519" cy="1295400"/>
-            <a:chOff x="2362200" y="2209800"/>
-            <a:chExt cx="1661519" cy="1295400"/>
-          </a:xfrm>
-        </p:grpSpPr>
-        <p:sp>
-          <p:nvSpPr>
-            <p:cNvPr id="39" name="Right Brace 38"/>
-            <p:cNvSpPr/>
-            <p:nvPr/>
-          </p:nvSpPr>
-          <p:spPr bwMode="auto">
-            <a:xfrm>
-              <a:off x="2362200" y="2209800"/>
-              <a:ext cx="304800" cy="1295400"/>
-            </a:xfrm>
-            <a:prstGeom prst="rightBrace">
-              <a:avLst/>
-            </a:prstGeom>
-            <a:noFill/>
-            <a:ln w="28575" cap="flat" cmpd="sng" algn="ctr">
-              <a:solidFill>
-                <a:schemeClr val="tx2"/>
-              </a:solidFill>
-              <a:prstDash val="solid"/>
-              <a:round/>
-              <a:headEnd type="none" w="med" len="med"/>
-              <a:tailEnd type="none" w="lg" len="lg"/>
-            </a:ln>
-            <a:effectLst/>
-          </p:spPr>
-          <p:txBody>
-            <a:bodyPr rtlCol="0" anchor="ctr"/>
-            <a:lstStyle/>
-            <a:p>
-              <a:pPr algn="ctr"/>
-              <a:endParaRPr lang="en-US"/>
-            </a:p>
-          </p:txBody>
-        </p:sp>
-        <p:sp>
-          <p:nvSpPr>
-            <p:cNvPr id="40" name="TextBox 39"/>
-            <p:cNvSpPr txBox="1"/>
-            <p:nvPr/>
-          </p:nvSpPr>
-          <p:spPr>
-            <a:xfrm>
-              <a:off x="2743200" y="2514600"/>
-              <a:ext cx="1280519" cy="584776"/>
-            </a:xfrm>
-            <a:prstGeom prst="rect">
-              <a:avLst/>
-            </a:prstGeom>
-            <a:noFill/>
-          </p:spPr>
-          <p:txBody>
-            <a:bodyPr wrap="none" rtlCol="0">
-              <a:spAutoFit/>
-            </a:bodyPr>
-            <a:lstStyle/>
-            <a:p>
-              <a:r>
-                <a:rPr lang="en-US" sz="3200" dirty="0" err="1" smtClean="0">
-                  <a:solidFill>
-                    <a:schemeClr val="accent1">
-                      <a:lumMod val="50000"/>
-                    </a:schemeClr>
-                  </a:solidFill>
-                  <a:latin typeface="+mj-lt"/>
-                </a:rPr>
-                <a:t>k</a:t>
-              </a:r>
-              <a:r>
-                <a:rPr lang="en-US" sz="3200" dirty="0" smtClean="0">
-                  <a:latin typeface="+mj-lt"/>
-                </a:rPr>
-                <a:t> bits</a:t>
-              </a:r>
-              <a:endParaRPr lang="en-US" sz="3200" dirty="0" smtClean="0">
-                <a:latin typeface="+mj-lt"/>
-              </a:endParaRPr>
-            </a:p>
-          </p:txBody>
-        </p:sp>
-      </p:grpSp>
-      <p:grpSp>
-        <p:nvGrpSpPr>
-          <p:cNvPr id="6" name="Group 41"/>
-          <p:cNvGrpSpPr/>
-          <p:nvPr/>
-        </p:nvGrpSpPr>
-        <p:grpSpPr>
-          <a:xfrm>
-            <a:off x="2438400" y="3962400"/>
-            <a:ext cx="1661519" cy="1295400"/>
-            <a:chOff x="2362200" y="2209800"/>
-            <a:chExt cx="1661519" cy="1295400"/>
-          </a:xfrm>
-        </p:grpSpPr>
-        <p:sp>
-          <p:nvSpPr>
-            <p:cNvPr id="43" name="Right Brace 42"/>
-            <p:cNvSpPr/>
-            <p:nvPr/>
-          </p:nvSpPr>
-          <p:spPr bwMode="auto">
-            <a:xfrm>
-              <a:off x="2362200" y="2209800"/>
-              <a:ext cx="304800" cy="1295400"/>
-            </a:xfrm>
-            <a:prstGeom prst="rightBrace">
-              <a:avLst/>
-            </a:prstGeom>
-            <a:noFill/>
-            <a:ln w="28575" cap="flat" cmpd="sng" algn="ctr">
-              <a:solidFill>
-                <a:schemeClr val="tx2"/>
-              </a:solidFill>
-              <a:prstDash val="solid"/>
-              <a:round/>
-              <a:headEnd type="none" w="med" len="med"/>
-              <a:tailEnd type="none" w="lg" len="lg"/>
-            </a:ln>
-            <a:effectLst/>
-          </p:spPr>
-          <p:txBody>
-            <a:bodyPr rtlCol="0" anchor="ctr"/>
-            <a:lstStyle/>
-            <a:p>
-              <a:pPr algn="ctr"/>
-              <a:endParaRPr lang="en-US"/>
-            </a:p>
-          </p:txBody>
-        </p:sp>
-        <p:sp>
-          <p:nvSpPr>
-            <p:cNvPr id="44" name="TextBox 43"/>
-            <p:cNvSpPr txBox="1"/>
-            <p:nvPr/>
-          </p:nvSpPr>
-          <p:spPr>
-            <a:xfrm>
-              <a:off x="2743200" y="2514600"/>
-              <a:ext cx="1280519" cy="584776"/>
-            </a:xfrm>
-            <a:prstGeom prst="rect">
-              <a:avLst/>
-            </a:prstGeom>
-            <a:noFill/>
-          </p:spPr>
-          <p:txBody>
-            <a:bodyPr wrap="none" rtlCol="0">
-              <a:spAutoFit/>
-            </a:bodyPr>
-            <a:lstStyle/>
-            <a:p>
-              <a:r>
-                <a:rPr lang="en-US" sz="3200" dirty="0" err="1" smtClean="0">
-                  <a:solidFill>
-                    <a:srgbClr val="0000E5"/>
-                  </a:solidFill>
-                  <a:latin typeface="+mj-lt"/>
-                </a:rPr>
-                <a:t>k</a:t>
-              </a:r>
-              <a:r>
-                <a:rPr lang="en-US" sz="3200" dirty="0" smtClean="0">
-                  <a:latin typeface="+mj-lt"/>
-                </a:rPr>
-                <a:t> bits</a:t>
-              </a:r>
-              <a:endParaRPr lang="en-US" sz="3200" dirty="0" smtClean="0">
-                <a:latin typeface="+mj-lt"/>
-              </a:endParaRPr>
-            </a:p>
-          </p:txBody>
-        </p:sp>
-      </p:grpSp>
-      <p:grpSp>
-        <p:nvGrpSpPr>
-          <p:cNvPr id="7" name="Group 46"/>
-          <p:cNvGrpSpPr/>
-          <p:nvPr/>
-        </p:nvGrpSpPr>
-        <p:grpSpPr>
-          <a:xfrm>
-            <a:off x="3886200" y="2133600"/>
-            <a:ext cx="1856053" cy="3124200"/>
-            <a:chOff x="3935147" y="2057400"/>
-            <a:chExt cx="1856053" cy="3124200"/>
-          </a:xfrm>
-        </p:grpSpPr>
-        <p:sp>
-          <p:nvSpPr>
-            <p:cNvPr id="45" name="Left Brace 44"/>
-            <p:cNvSpPr/>
-            <p:nvPr/>
-          </p:nvSpPr>
-          <p:spPr bwMode="auto">
-            <a:xfrm>
-              <a:off x="5410200" y="2057400"/>
-              <a:ext cx="381000" cy="3124200"/>
-            </a:xfrm>
-            <a:prstGeom prst="leftBrace">
-              <a:avLst/>
-            </a:prstGeom>
-            <a:noFill/>
-            <a:ln w="28575" cap="flat" cmpd="sng" algn="ctr">
-              <a:solidFill>
-                <a:schemeClr val="tx2"/>
-              </a:solidFill>
-              <a:prstDash val="solid"/>
-              <a:round/>
-              <a:headEnd type="none" w="med" len="med"/>
-              <a:tailEnd type="none" w="lg" len="lg"/>
-            </a:ln>
-            <a:effectLst/>
-          </p:spPr>
-          <p:txBody>
-            <a:bodyPr rtlCol="0" anchor="ctr"/>
-            <a:lstStyle/>
-            <a:p>
-              <a:pPr algn="ctr"/>
-              <a:endParaRPr lang="en-US" dirty="0">
-                <a:solidFill>
-                  <a:srgbClr val="0000E5"/>
-                </a:solidFill>
-              </a:endParaRPr>
-            </a:p>
-          </p:txBody>
-        </p:sp>
-        <p:sp>
-          <p:nvSpPr>
-            <p:cNvPr id="46" name="TextBox 45"/>
-            <p:cNvSpPr txBox="1"/>
-            <p:nvPr/>
-          </p:nvSpPr>
-          <p:spPr>
-            <a:xfrm>
-              <a:off x="3935147" y="3301424"/>
-              <a:ext cx="1530988" cy="584776"/>
-            </a:xfrm>
-            <a:prstGeom prst="rect">
-              <a:avLst/>
-            </a:prstGeom>
-            <a:noFill/>
-          </p:spPr>
-          <p:txBody>
-            <a:bodyPr wrap="none" rtlCol="0">
-              <a:spAutoFit/>
-            </a:bodyPr>
-            <a:lstStyle/>
-            <a:p>
-              <a:r>
-                <a:rPr lang="en-US" sz="3200" dirty="0" smtClean="0">
-                  <a:solidFill>
-                    <a:srgbClr val="0000E5"/>
-                  </a:solidFill>
-                  <a:latin typeface="+mj-lt"/>
-                </a:rPr>
-                <a:t>2k</a:t>
-              </a:r>
-              <a:r>
-                <a:rPr lang="en-US" sz="3200" dirty="0" smtClean="0">
-                  <a:latin typeface="+mj-lt"/>
-                </a:rPr>
-                <a:t> bits</a:t>
-              </a:r>
-              <a:endParaRPr lang="en-US" sz="3200" dirty="0" smtClean="0">
-                <a:latin typeface="+mj-lt"/>
-              </a:endParaRPr>
-            </a:p>
-          </p:txBody>
-        </p:sp>
-      </p:grpSp>
-      <p:sp>
-        <p:nvSpPr>
-          <p:cNvPr id="48" name="TextBox 47"/>
-          <p:cNvSpPr txBox="1"/>
-          <p:nvPr/>
-        </p:nvSpPr>
-        <p:spPr>
-          <a:xfrm>
-            <a:off x="2286000" y="1295400"/>
-            <a:ext cx="3384661" cy="584776"/>
-          </a:xfrm>
-          <a:prstGeom prst="rect">
-            <a:avLst/>
-          </a:prstGeom>
-          <a:noFill/>
-        </p:spPr>
-        <p:txBody>
-          <a:bodyPr wrap="none" rtlCol="0">
-            <a:spAutoFit/>
-          </a:bodyPr>
-          <a:lstStyle/>
-          <a:p>
-            <a:r>
-              <a:rPr lang="en-US" sz="3200" dirty="0" smtClean="0">
-                <a:latin typeface="+mj-lt"/>
-              </a:rPr>
-              <a:t>multiplier circuit</a:t>
-            </a:r>
-            <a:endParaRPr lang="en-US" sz="3200" dirty="0" smtClean="0">
-              <a:latin typeface="+mj-lt"/>
-            </a:endParaRPr>
-          </a:p>
-        </p:txBody>
-      </p:sp>
-      <p:grpSp>
-        <p:nvGrpSpPr>
-          <p:cNvPr id="47" name="Group 46"/>
-          <p:cNvGrpSpPr/>
-          <p:nvPr/>
-        </p:nvGrpSpPr>
-        <p:grpSpPr>
-          <a:xfrm>
-            <a:off x="6705600" y="1981200"/>
-            <a:ext cx="1371600" cy="3505200"/>
-            <a:chOff x="6705600" y="1981200"/>
-            <a:chExt cx="1371600" cy="3505200"/>
-          </a:xfrm>
-        </p:grpSpPr>
-        <p:sp>
-          <p:nvSpPr>
-            <p:cNvPr id="41" name="TextBox 40"/>
-            <p:cNvSpPr txBox="1"/>
-            <p:nvPr/>
-          </p:nvSpPr>
-          <p:spPr>
-            <a:xfrm>
-              <a:off x="7156355" y="3192959"/>
-              <a:ext cx="920845" cy="769441"/>
-            </a:xfrm>
-            <a:prstGeom prst="rect">
-              <a:avLst/>
-            </a:prstGeom>
-            <a:noFill/>
-          </p:spPr>
-          <p:txBody>
-            <a:bodyPr wrap="none" rtlCol="0">
-              <a:spAutoFit/>
-            </a:bodyPr>
-            <a:lstStyle/>
-            <a:p>
-              <a:r>
-                <a:rPr lang="en-US" sz="4400" dirty="0" err="1" smtClean="0">
-                  <a:solidFill>
-                    <a:srgbClr val="0000E5"/>
-                  </a:solidFill>
-                  <a:latin typeface="+mj-lt"/>
-                </a:rPr>
-                <a:t>p</a:t>
-              </a:r>
-              <a:r>
-                <a:rPr lang="en-US" sz="4400" dirty="0" err="1" smtClean="0">
-                  <a:solidFill>
-                    <a:srgbClr val="0000E5"/>
-                  </a:solidFill>
-                  <a:latin typeface="Symbol" charset="2"/>
-                  <a:cs typeface="Symbol" charset="2"/>
-                </a:rPr>
-                <a:t>⋅</a:t>
-              </a:r>
-              <a:r>
-                <a:rPr lang="en-US" sz="4400" dirty="0" err="1" smtClean="0">
-                  <a:solidFill>
-                    <a:srgbClr val="0000E5"/>
-                  </a:solidFill>
-                  <a:latin typeface="+mj-lt"/>
-                </a:rPr>
-                <a:t>q</a:t>
-              </a:r>
-              <a:endParaRPr lang="en-US" sz="4400" dirty="0" smtClean="0">
-                <a:solidFill>
-                  <a:srgbClr val="0000E5"/>
-                </a:solidFill>
-                <a:latin typeface="+mj-lt"/>
-              </a:endParaRPr>
-            </a:p>
-          </p:txBody>
-        </p:sp>
-        <p:sp>
-          <p:nvSpPr>
-            <p:cNvPr id="42" name="Right Brace 41"/>
-            <p:cNvSpPr/>
-            <p:nvPr/>
-          </p:nvSpPr>
-          <p:spPr bwMode="auto">
-            <a:xfrm>
-              <a:off x="6705600" y="1981200"/>
-              <a:ext cx="304800" cy="3505200"/>
-            </a:xfrm>
-            <a:prstGeom prst="rightBrace">
-              <a:avLst/>
-            </a:prstGeom>
-            <a:noFill/>
-            <a:ln w="38100" cap="flat" cmpd="sng" algn="ctr">
-              <a:solidFill>
-                <a:schemeClr val="accent1">
-                  <a:lumMod val="50000"/>
-                </a:schemeClr>
-              </a:solidFill>
-              <a:prstDash val="solid"/>
-              <a:round/>
-              <a:headEnd type="none" w="med" len="med"/>
-              <a:tailEnd type="none"/>
-            </a:ln>
-            <a:effectLst/>
-          </p:spPr>
-          <p:txBody>
-            <a:bodyPr rtlCol="0" anchor="ctr"/>
-            <a:lstStyle/>
-            <a:p>
-              <a:pPr algn="ctr"/>
-              <a:endParaRPr lang="en-US"/>
-            </a:p>
-          </p:txBody>
-        </p:sp>
-      </p:grpSp>
-    </p:spTree>
-  </p:cSld>
-  <p:clrMapOvr>
-    <a:masterClrMapping/>
-  </p:clrMapOvr>
-  <p:transition/>
-  <p:timing>
-    <p:tnLst>
-      <p:par>
-        <p:cTn id="1" dur="indefinite" restart="never" nodeType="tmRoot">
-          <p:childTnLst>
-            <p:seq concurrent="1" nextAc="seek">
-              <p:cTn id="2" dur="indefinite" nodeType="mainSeq">
-                <p:childTnLst>
-                  <p:par>
-                    <p:cTn id="3" fill="hold">
-                      <p:stCondLst>
-                        <p:cond delay="indefinite"/>
-                      </p:stCondLst>
-                      <p:childTnLst>
-                        <p:par>
-                          <p:cTn id="4" fill="hold">
-                            <p:stCondLst>
-                              <p:cond delay="0"/>
-                            </p:stCondLst>
-                            <p:childTnLst>
-                              <p:par>
-                                <p:cTn id="5" presetID="22" presetClass="entr" presetSubtype="8" fill="hold" nodeType="clickEffect">
-                                  <p:stCondLst>
-                                    <p:cond delay="0"/>
-                                  </p:stCondLst>
-                                  <p:childTnLst>
-                                    <p:set>
-                                      <p:cBhvr>
-                                        <p:cTn id="6" dur="1" fill="hold">
-                                          <p:stCondLst>
-                                            <p:cond delay="0"/>
-                                          </p:stCondLst>
-                                        </p:cTn>
-                                        <p:tgtEl>
-                                          <p:spTgt spid="49"/>
-                                        </p:tgtEl>
-                                        <p:attrNameLst>
-                                          <p:attrName>style.visibility</p:attrName>
-                                        </p:attrNameLst>
-                                      </p:cBhvr>
-                                      <p:to>
-                                        <p:strVal val="visible"/>
-                                      </p:to>
-                                    </p:set>
-                                    <p:animEffect transition="in" filter="wipe(left)">
+                                    <p:animEffect transition="in" filter="dissolve">
                                       <p:cBhvr>
                                         <p:cTn id="7" dur="500"/>
                                         <p:tgtEl>
-                                          <p:spTgt spid="49"/>
+                                          <p:spTgt spid="408579">
+                                            <p:txEl>
+                                              <p:pRg st="1" end="1"/>
+                                            </p:txEl>
+                                          </p:spTgt>
                                         </p:tgtEl>
                                       </p:cBhvr>
                                     </p:animEffect>
@@ -24319,7 +25533,7 @@
                             </p:stCondLst>
                             <p:childTnLst>
                               <p:par>
-                                <p:cTn id="10" presetID="22" presetClass="entr" presetSubtype="8" fill="hold" nodeType="clickEffect">
+                                <p:cTn id="10" presetID="9" presetClass="entr" presetSubtype="0" fill="hold" grpId="0" nodeType="clickEffect">
                                   <p:stCondLst>
                                     <p:cond delay="0"/>
                                   </p:stCondLst>
@@ -24332,7 +25546,11 @@
                                           </p:stCondLst>
                                         </p:cTn>
                                         <p:tgtEl>
-                                          <p:spTgt spid="50"/>
+                                          <p:spTgt spid="408579">
+                                            <p:txEl>
+                                              <p:pRg st="2" end="2"/>
+                                            </p:txEl>
+                                          </p:spTgt>
                                         </p:tgtEl>
                                         <p:attrNameLst>
                                           <p:attrName>style.visibility</p:attrName>
@@ -24342,11 +25560,15 @@
                                         <p:strVal val="visible"/>
                                       </p:to>
                                     </p:set>
-                                    <p:animEffect transition="in" filter="wipe(left)">
+                                    <p:animEffect transition="in" filter="dissolve">
                                       <p:cBhvr>
                                         <p:cTn id="12" dur="500"/>
                                         <p:tgtEl>
-                                          <p:spTgt spid="50"/>
+                                          <p:spTgt spid="408579">
+                                            <p:txEl>
+                                              <p:pRg st="2" end="2"/>
+                                            </p:txEl>
+                                          </p:spTgt>
                                         </p:tgtEl>
                                       </p:cBhvr>
                                     </p:animEffect>
@@ -24372,7 +25594,7 @@
                             </p:stCondLst>
                             <p:childTnLst>
                               <p:par>
-                                <p:cTn id="15" presetID="22" presetClass="entr" presetSubtype="8" fill="hold" nodeType="clickEffect">
+                                <p:cTn id="15" presetID="9" presetClass="entr" presetSubtype="0" fill="hold" grpId="0" nodeType="clickEffect">
                                   <p:stCondLst>
                                     <p:cond delay="0"/>
                                   </p:stCondLst>
@@ -24385,7 +25607,11 @@
                                           </p:stCondLst>
                                         </p:cTn>
                                         <p:tgtEl>
-                                          <p:spTgt spid="47"/>
+                                          <p:spTgt spid="408579">
+                                            <p:txEl>
+                                              <p:pRg st="3" end="3"/>
+                                            </p:txEl>
+                                          </p:spTgt>
                                         </p:tgtEl>
                                         <p:attrNameLst>
                                           <p:attrName>style.visibility</p:attrName>
@@ -24395,11 +25621,128 @@
                                         <p:strVal val="visible"/>
                                       </p:to>
                                     </p:set>
-                                    <p:animEffect transition="in" filter="wipe(left)">
+                                    <p:animEffect transition="in" filter="dissolve">
                                       <p:cBhvr>
                                         <p:cTn id="17" dur="500"/>
                                         <p:tgtEl>
-                                          <p:spTgt spid="47"/>
+                                          <p:spTgt spid="408579">
+                                            <p:txEl>
+                                              <p:pRg st="3" end="3"/>
+                                            </p:txEl>
+                                          </p:spTgt>
+                                        </p:tgtEl>
+                                      </p:cBhvr>
+                                    </p:animEffect>
+                                  </p:childTnLst>
+                                </p:cTn>
+                              </p:par>
+                            </p:childTnLst>
+                          </p:cTn>
+                        </p:par>
+                      </p:childTnLst>
+                    </p:cTn>
+                  </p:par>
+                  <p:par>
+                    <p:cTn id="18" fill="hold">
+                      <p:stCondLst>
+                        <p:cond delay="indefinite"/>
+                      </p:stCondLst>
+                      <p:childTnLst>
+                        <p:par>
+                          <p:cTn id="19" fill="hold">
+                            <p:stCondLst>
+                              <p:cond delay="0"/>
+                            </p:stCondLst>
+                            <p:childTnLst>
+                              <p:par>
+                                <p:cTn id="20" presetID="9" presetClass="entr" presetSubtype="0" fill="hold" grpId="0" nodeType="clickEffect">
+                                  <p:stCondLst>
+                                    <p:cond delay="0"/>
+                                  </p:stCondLst>
+                                  <p:childTnLst>
+                                    <p:set>
+                                      <p:cBhvr>
+                                        <p:cTn id="21" dur="1" fill="hold">
+                                          <p:stCondLst>
+                                            <p:cond delay="0"/>
+                                          </p:stCondLst>
+                                        </p:cTn>
+                                        <p:tgtEl>
+                                          <p:spTgt spid="408579">
+                                            <p:txEl>
+                                              <p:pRg st="4" end="4"/>
+                                            </p:txEl>
+                                          </p:spTgt>
+                                        </p:tgtEl>
+                                        <p:attrNameLst>
+                                          <p:attrName>style.visibility</p:attrName>
+                                        </p:attrNameLst>
+                                      </p:cBhvr>
+                                      <p:to>
+                                        <p:strVal val="visible"/>
+                                      </p:to>
+                                    </p:set>
+                                    <p:animEffect transition="in" filter="dissolve">
+                                      <p:cBhvr>
+                                        <p:cTn id="22" dur="500"/>
+                                        <p:tgtEl>
+                                          <p:spTgt spid="408579">
+                                            <p:txEl>
+                                              <p:pRg st="4" end="4"/>
+                                            </p:txEl>
+                                          </p:spTgt>
+                                        </p:tgtEl>
+                                      </p:cBhvr>
+                                    </p:animEffect>
+                                  </p:childTnLst>
+                                </p:cTn>
+                              </p:par>
+                            </p:childTnLst>
+                          </p:cTn>
+                        </p:par>
+                        <p:par>
+                          <p:cTn id="23" fill="hold">
+                            <p:stCondLst>
+                              <p:cond delay="500"/>
+                            </p:stCondLst>
+                            <p:childTnLst>
+                              <p:par>
+                                <p:cTn id="24" presetID="9" presetClass="entr" presetSubtype="0" fill="hold" grpId="0" nodeType="afterEffect">
+                                  <p:stCondLst>
+                                    <p:cond delay="0"/>
+                                  </p:stCondLst>
+                                  <p:childTnLst>
+                                    <p:set>
+                                      <p:cBhvr>
+                                        <p:cTn id="25" dur="1" fill="hold">
+                                          <p:stCondLst>
+                                            <p:cond delay="0"/>
+                                          </p:stCondLst>
+                                        </p:cTn>
+                                        <p:tgtEl>
+                                          <p:spTgt spid="408579">
+                                            <p:txEl>
+                                              <p:pRg st="5" end="5"/>
+                                            </p:txEl>
+                                          </p:spTgt>
+                                        </p:tgtEl>
+                                        <p:attrNameLst>
+                                          <p:attrName>style.visibility</p:attrName>
+                                        </p:attrNameLst>
+                                      </p:cBhvr>
+                                      <p:to>
+                                        <p:strVal val="visible"/>
+                                      </p:to>
+                                    </p:set>
+                                    <p:animEffect transition="in" filter="dissolve">
+                                      <p:cBhvr>
+                                        <p:cTn id="26" dur="500"/>
+                                        <p:tgtEl>
+                                          <p:spTgt spid="408579">
+                                            <p:txEl>
+                                              <p:pRg st="5" end="5"/>
+                                            </p:txEl>
+                                          </p:spTgt>
                                         </p:tgtEl>
                                       </p:cBhvr>
                                     </p:animEffect>
@@ -24431,6 +25774,187 @@
             </p:seq>
           </p:childTnLst>
         </p:cTn>
+      </p:par>
+    </p:tnLst>
+    <p:bldLst>
+      <p:bldP spid="408579" grpId="0" uiExpand="1" build="p"/>
+    </p:bldLst>
+  </p:timing>
+</p:sld>
+</file>
+
+<file path=ppt/slides/slide9.xml><?xml version="1.0" encoding="utf-8"?>
+<p:sld xmlns:a="http://schemas.openxmlformats.org/drawingml/2006/main" xmlns:r="http://schemas.openxmlformats.org/officeDocument/2006/relationships" xmlns:mc="http://schemas.openxmlformats.org/markup-compatibility/2006" xmlns:mv="urn:schemas-microsoft-com:mac:vml" xmlns:p="http://schemas.openxmlformats.org/presentationml/2006/main" mc:Ignorable="mv" mc:PreserveAttributes="mv:*">
+  <p:cSld>
+    <p:spTree>
+      <p:nvGrpSpPr>
+        <p:cNvPr id="1" name=""/>
+        <p:cNvGrpSpPr/>
+        <p:nvPr/>
+      </p:nvGrpSpPr>
+      <p:grpSpPr>
+        <a:xfrm>
+          <a:off x="0" y="0"/>
+          <a:ext cx="0" cy="0"/>
+          <a:chOff x="0" y="0"/>
+          <a:chExt cx="0" cy="0"/>
+        </a:xfrm>
+      </p:grpSpPr>
+      <p:sp>
+        <p:nvSpPr>
+          <p:cNvPr id="4" name="Slide Number Placeholder 3"/>
+          <p:cNvSpPr>
+            <a:spLocks noGrp="1"/>
+          </p:cNvSpPr>
+          <p:nvPr>
+            <p:ph type="sldNum" sz="quarter" idx="4"/>
+          </p:nvPr>
+        </p:nvSpPr>
+        <p:spPr>
+          <a:xfrm>
+            <a:off x="6477000" y="6553200"/>
+            <a:ext cx="2667000" cy="307777"/>
+          </a:xfrm>
+        </p:spPr>
+        <p:txBody>
+          <a:bodyPr/>
+          <a:lstStyle/>
+          <a:p>
+            <a:pPr>
+              <a:defRPr/>
+            </a:pPr>
+            <a:r>
+              <a:rPr lang="en-US" dirty="0" err="1" smtClean="0"/>
+              <a:t>lec</a:t>
+            </a:r>
+            <a:r>
+              <a:rPr lang="en-US" dirty="0" smtClean="0"/>
+              <a:t> 6M.</a:t>
+            </a:r>
+            <a:fld id="{3C84E341-AEF3-493B-A8EE-DBBF671E8583}" type="slidenum">
+              <a:rPr lang="en-US" smtClean="0"/>
+              <a:pPr>
+                <a:defRPr/>
+              </a:pPr>
+              <a:t>9</a:t>
+            </a:fld>
+            <a:endParaRPr lang="en-US" dirty="0"/>
+          </a:p>
+        </p:txBody>
+      </p:sp>
+      <p:sp>
+        <p:nvSpPr>
+          <p:cNvPr id="18435" name="Rectangle 2"/>
+          <p:cNvSpPr>
+            <a:spLocks noGrp="1" noChangeArrowheads="1"/>
+          </p:cNvSpPr>
+          <p:nvPr>
+            <p:ph type="title"/>
+          </p:nvPr>
+        </p:nvSpPr>
+        <p:spPr/>
+        <p:txBody>
+          <a:bodyPr/>
+          <a:lstStyle/>
+          <a:p>
+            <a:pPr eaLnBrk="1" hangingPunct="1"/>
+            <a:r>
+              <a:rPr lang="en-US" sz="4800" smtClean="0"/>
+              <a:t>Why does this work?</a:t>
+            </a:r>
+          </a:p>
+        </p:txBody>
+      </p:sp>
+      <p:sp>
+        <p:nvSpPr>
+          <p:cNvPr id="35844" name="Rectangle 4"/>
+          <p:cNvSpPr>
+            <a:spLocks noGrp="1" noChangeArrowheads="1"/>
+          </p:cNvSpPr>
+          <p:nvPr>
+            <p:ph type="body" idx="1"/>
+          </p:nvPr>
+        </p:nvSpPr>
+        <p:spPr>
+          <a:xfrm>
+            <a:off x="533400" y="1600200"/>
+            <a:ext cx="8026400" cy="3505200"/>
+          </a:xfrm>
+        </p:spPr>
+        <p:txBody>
+          <a:bodyPr/>
+          <a:lstStyle/>
+          <a:p>
+            <a:pPr eaLnBrk="1" hangingPunct="1">
+              <a:buFontTx/>
+              <a:buNone/>
+              <a:defRPr/>
+            </a:pPr>
+            <a:r>
+              <a:rPr lang="en-US" sz="6000" dirty="0" smtClean="0"/>
+              <a:t>follows easily from </a:t>
+            </a:r>
+          </a:p>
+          <a:p>
+            <a:pPr eaLnBrk="1" hangingPunct="1">
+              <a:buFontTx/>
+              <a:buNone/>
+              <a:defRPr/>
+            </a:pPr>
+            <a:r>
+              <a:rPr lang="en-US" sz="6000" dirty="0" smtClean="0"/>
+              <a:t>Euler’s Theorem when</a:t>
+            </a:r>
+          </a:p>
+          <a:p>
+            <a:pPr eaLnBrk="1" hangingPunct="1">
+              <a:buFontTx/>
+              <a:buNone/>
+              <a:defRPr/>
+            </a:pPr>
+            <a:r>
+              <a:rPr lang="en-US" sz="6000" dirty="0" smtClean="0">
+                <a:solidFill>
+                  <a:schemeClr val="accent5">
+                    <a:lumMod val="50000"/>
+                  </a:schemeClr>
+                </a:solidFill>
+              </a:rPr>
+              <a:t>m</a:t>
+            </a:r>
+            <a:r>
+              <a:rPr lang="en-US" sz="6000" dirty="0" smtClean="0"/>
+              <a:t> has inverse mod </a:t>
+            </a:r>
+            <a:r>
+              <a:rPr lang="en-US" sz="6000" dirty="0" smtClean="0">
+                <a:solidFill>
+                  <a:schemeClr val="accent5">
+                    <a:lumMod val="50000"/>
+                  </a:schemeClr>
+                </a:solidFill>
+              </a:rPr>
+              <a:t>n</a:t>
+            </a:r>
+            <a:r>
+              <a:rPr lang="en-US" sz="6000" dirty="0" smtClean="0"/>
+              <a:t> </a:t>
+            </a:r>
+          </a:p>
+        </p:txBody>
+      </p:sp>
+    </p:spTree>
+  </p:cSld>
+  <p:clrMapOvr>
+    <a:masterClrMapping/>
+  </p:clrMapOvr>
+  <p:transition>
+    <p:fade/>
+  </p:transition>
+  <p:timing>
+    <p:tnLst>
+      <p:par>
+        <p:cTn id="1" dur="indefinite" restart="never" nodeType="tmRoot"/>
       </p:par>
     </p:tnLst>
   </p:timing>
